--- a/受控文档/03-需求工程项目计划/PRD2018-G11-需求工程项目计划PPT.pptx
+++ b/受控文档/03-需求工程项目计划/PRD2018-G11-需求工程项目计划PPT.pptx
@@ -5,41 +5,41 @@
     <p:sldMasterId id="2147483648" r:id="rId1"/>
   </p:sldMasterIdLst>
   <p:notesMasterIdLst>
-    <p:notesMasterId r:id="rId29"/>
+    <p:notesMasterId r:id="rId4"/>
   </p:notesMasterIdLst>
   <p:handoutMasterIdLst>
-    <p:handoutMasterId r:id="rId30"/>
+    <p:handoutMasterId r:id="rId31"/>
   </p:handoutMasterIdLst>
   <p:sldIdLst>
-    <p:sldId id="370" r:id="rId2"/>
-    <p:sldId id="411" r:id="rId3"/>
-    <p:sldId id="418" r:id="rId4"/>
-    <p:sldId id="419" r:id="rId5"/>
-    <p:sldId id="420" r:id="rId6"/>
-    <p:sldId id="439" r:id="rId7"/>
-    <p:sldId id="450" r:id="rId8"/>
-    <p:sldId id="437" r:id="rId9"/>
-    <p:sldId id="456" r:id="rId10"/>
-    <p:sldId id="458" r:id="rId11"/>
-    <p:sldId id="457" r:id="rId12"/>
-    <p:sldId id="459" r:id="rId13"/>
-    <p:sldId id="461" r:id="rId14"/>
-    <p:sldId id="462" r:id="rId15"/>
-    <p:sldId id="463" r:id="rId16"/>
-    <p:sldId id="464" r:id="rId17"/>
-    <p:sldId id="465" r:id="rId18"/>
-    <p:sldId id="471" r:id="rId19"/>
-    <p:sldId id="472" r:id="rId20"/>
-    <p:sldId id="473" r:id="rId21"/>
-    <p:sldId id="474" r:id="rId22"/>
-    <p:sldId id="475" r:id="rId23"/>
-    <p:sldId id="476" r:id="rId24"/>
-    <p:sldId id="466" r:id="rId25"/>
-    <p:sldId id="455" r:id="rId26"/>
-    <p:sldId id="451" r:id="rId27"/>
-    <p:sldId id="436" r:id="rId28"/>
+    <p:sldId id="370" r:id="rId3"/>
+    <p:sldId id="411" r:id="rId5"/>
+    <p:sldId id="418" r:id="rId6"/>
+    <p:sldId id="419" r:id="rId7"/>
+    <p:sldId id="420" r:id="rId8"/>
+    <p:sldId id="439" r:id="rId9"/>
+    <p:sldId id="450" r:id="rId10"/>
+    <p:sldId id="437" r:id="rId11"/>
+    <p:sldId id="456" r:id="rId12"/>
+    <p:sldId id="458" r:id="rId13"/>
+    <p:sldId id="457" r:id="rId14"/>
+    <p:sldId id="459" r:id="rId15"/>
+    <p:sldId id="461" r:id="rId16"/>
+    <p:sldId id="462" r:id="rId17"/>
+    <p:sldId id="463" r:id="rId18"/>
+    <p:sldId id="464" r:id="rId19"/>
+    <p:sldId id="465" r:id="rId20"/>
+    <p:sldId id="471" r:id="rId21"/>
+    <p:sldId id="472" r:id="rId22"/>
+    <p:sldId id="473" r:id="rId23"/>
+    <p:sldId id="474" r:id="rId24"/>
+    <p:sldId id="475" r:id="rId25"/>
+    <p:sldId id="476" r:id="rId26"/>
+    <p:sldId id="466" r:id="rId27"/>
+    <p:sldId id="455" r:id="rId28"/>
+    <p:sldId id="451" r:id="rId29"/>
+    <p:sldId id="436" r:id="rId30"/>
   </p:sldIdLst>
-  <p:sldSz cx="12190413" cy="6859588"/>
+  <p:sldSz cx="12190095" cy="6859270"/>
   <p:notesSz cx="6858000" cy="9144000"/>
   <p:defaultTextStyle>
     <a:defPPr>
@@ -136,51 +136,6 @@
       </a:defRPr>
     </a:lvl9pPr>
   </p:defaultTextStyle>
-  <p:extLst>
-    <p:ext uri="{EFAFB233-063F-42B5-8137-9DF3F51BA10A}">
-      <p15:sldGuideLst xmlns:p15="http://schemas.microsoft.com/office/powerpoint/2012/main" xmlns="">
-        <p15:guide id="1" orient="horz" pos="2160">
-          <p15:clr>
-            <a:srgbClr val="A4A3A4"/>
-          </p15:clr>
-        </p15:guide>
-        <p15:guide id="2" orient="horz" pos="3839">
-          <p15:clr>
-            <a:srgbClr val="A4A3A4"/>
-          </p15:clr>
-        </p15:guide>
-        <p15:guide id="3" pos="3839">
-          <p15:clr>
-            <a:srgbClr val="A4A3A4"/>
-          </p15:clr>
-        </p15:guide>
-        <p15:guide id="4" pos="7196">
-          <p15:clr>
-            <a:srgbClr val="A4A3A4"/>
-          </p15:clr>
-        </p15:guide>
-        <p15:guide id="5" pos="573">
-          <p15:clr>
-            <a:srgbClr val="A4A3A4"/>
-          </p15:clr>
-        </p15:guide>
-      </p15:sldGuideLst>
-    </p:ext>
-    <p:ext uri="{2D200454-40CA-4A62-9FC3-DE9A4176ACB9}">
-      <p15:notesGuideLst xmlns:p15="http://schemas.microsoft.com/office/powerpoint/2012/main" xmlns="">
-        <p15:guide id="1" orient="horz" pos="2879">
-          <p15:clr>
-            <a:srgbClr val="A4A3A4"/>
-          </p15:clr>
-        </p15:guide>
-        <p15:guide id="2" pos="2160">
-          <p15:clr>
-            <a:srgbClr val="A4A3A4"/>
-          </p15:clr>
-        </p15:guide>
-      </p15:notesGuideLst>
-    </p:ext>
-  </p:extLst>
 </p:presentation>
 </file>
 
@@ -266,7 +221,6 @@
           <a:p>
             <a:fld id="{5D1C15E6-6BD2-4E4B-B1D4-218C26E1B228}" type="datetimeFigureOut">
               <a:rPr lang="zh-CN" altLang="en-US" smtClean="0"/>
-              <a:t>2018/11/4</a:t>
             </a:fld>
             <a:endParaRPr lang="zh-CN" altLang="en-US"/>
           </a:p>
@@ -332,18 +286,12 @@
           <a:p>
             <a:fld id="{E655EDCA-2189-4435-B38B-6F3C2C044356}" type="slidenum">
               <a:rPr lang="zh-CN" altLang="en-US" smtClean="0"/>
-              <a:t>‹#›</a:t>
             </a:fld>
             <a:endParaRPr lang="zh-CN" altLang="en-US"/>
           </a:p>
         </p:txBody>
       </p:sp>
     </p:spTree>
-    <p:extLst>
-      <p:ext uri="{BB962C8B-B14F-4D97-AF65-F5344CB8AC3E}">
-        <p14:creationId xmlns:p14="http://schemas.microsoft.com/office/powerpoint/2010/main" val="1323452583"/>
-      </p:ext>
-    </p:extLst>
   </p:cSld>
   <p:clrMap bg1="lt1" tx1="dk1" bg2="lt2" tx2="dk2" accent1="accent1" accent2="accent2" accent3="accent3" accent4="accent4" accent5="accent5" accent6="accent6" hlink="hlink" folHlink="folHlink"/>
 </p:handoutMaster>
@@ -431,7 +379,6 @@
           <a:p>
             <a:fld id="{0B17430C-5A66-4BD0-A971-34190B6C6019}" type="datetimeFigureOut">
               <a:rPr lang="zh-CN" altLang="en-US" smtClean="0"/>
-              <a:t>2018/11/4</a:t>
             </a:fld>
             <a:endParaRPr lang="zh-CN" altLang="en-US"/>
           </a:p>
@@ -498,6 +445,7 @@
               <a:rPr lang="zh-CN" altLang="en-US" smtClean="0"/>
               <a:t>单击此处编辑母版文本样式</a:t>
             </a:r>
+            <a:endParaRPr lang="zh-CN" altLang="en-US" smtClean="0"/>
           </a:p>
           <a:p>
             <a:pPr lvl="1"/>
@@ -505,6 +453,7 @@
               <a:rPr lang="zh-CN" altLang="en-US" smtClean="0"/>
               <a:t>第二级</a:t>
             </a:r>
+            <a:endParaRPr lang="zh-CN" altLang="en-US" smtClean="0"/>
           </a:p>
           <a:p>
             <a:pPr lvl="2"/>
@@ -512,6 +461,7 @@
               <a:rPr lang="zh-CN" altLang="en-US" smtClean="0"/>
               <a:t>第三级</a:t>
             </a:r>
+            <a:endParaRPr lang="zh-CN" altLang="en-US" smtClean="0"/>
           </a:p>
           <a:p>
             <a:pPr lvl="3"/>
@@ -519,6 +469,7 @@
               <a:rPr lang="zh-CN" altLang="en-US" smtClean="0"/>
               <a:t>第四级</a:t>
             </a:r>
+            <a:endParaRPr lang="zh-CN" altLang="en-US" smtClean="0"/>
           </a:p>
           <a:p>
             <a:pPr lvl="4"/>
@@ -590,18 +541,12 @@
           <a:p>
             <a:fld id="{74AC173A-3DA8-4893-B28A-1E15F55C330A}" type="slidenum">
               <a:rPr lang="zh-CN" altLang="en-US" smtClean="0"/>
-              <a:t>‹#›</a:t>
             </a:fld>
             <a:endParaRPr lang="zh-CN" altLang="en-US"/>
           </a:p>
         </p:txBody>
       </p:sp>
     </p:spTree>
-    <p:extLst>
-      <p:ext uri="{BB962C8B-B14F-4D97-AF65-F5344CB8AC3E}">
-        <p14:creationId xmlns:p14="http://schemas.microsoft.com/office/powerpoint/2010/main" val="1288067174"/>
-      </p:ext>
-    </p:extLst>
   </p:cSld>
   <p:clrMap bg1="lt1" tx1="dk1" bg2="lt2" tx2="dk2" accent1="accent1" accent2="accent2" accent3="accent3" accent4="accent4" accent5="accent5" accent6="accent6" hlink="hlink" folHlink="folHlink"/>
   <p:notesStyle>
@@ -764,7 +709,6 @@
           <a:p>
             <a:fld id="{74AC173A-3DA8-4893-B28A-1E15F55C330A}" type="slidenum">
               <a:rPr lang="zh-CN" altLang="en-US" smtClean="0"/>
-              <a:t>1</a:t>
             </a:fld>
             <a:endParaRPr lang="zh-CN" altLang="en-US"/>
           </a:p>
@@ -843,7 +787,6 @@
           <a:p>
             <a:fld id="{74AC173A-3DA8-4893-B28A-1E15F55C330A}" type="slidenum">
               <a:rPr lang="zh-CN" altLang="en-US" smtClean="0"/>
-              <a:t>2</a:t>
             </a:fld>
             <a:endParaRPr lang="zh-CN" altLang="en-US"/>
           </a:p>
@@ -922,7 +865,6 @@
           <a:p>
             <a:fld id="{74AC173A-3DA8-4893-B28A-1E15F55C330A}" type="slidenum">
               <a:rPr lang="zh-CN" altLang="en-US" smtClean="0"/>
-              <a:t>3</a:t>
             </a:fld>
             <a:endParaRPr lang="zh-CN" altLang="en-US"/>
           </a:p>
@@ -1001,7 +943,6 @@
           <a:p>
             <a:fld id="{74AC173A-3DA8-4893-B28A-1E15F55C330A}" type="slidenum">
               <a:rPr lang="zh-CN" altLang="en-US" smtClean="0"/>
-              <a:t>4</a:t>
             </a:fld>
             <a:endParaRPr lang="zh-CN" altLang="en-US"/>
           </a:p>
@@ -1080,7 +1021,6 @@
           <a:p>
             <a:fld id="{74AC173A-3DA8-4893-B28A-1E15F55C330A}" type="slidenum">
               <a:rPr lang="zh-CN" altLang="en-US" smtClean="0"/>
-              <a:t>5</a:t>
             </a:fld>
             <a:endParaRPr lang="zh-CN" altLang="en-US"/>
           </a:p>
@@ -1159,7 +1099,6 @@
           <a:p>
             <a:fld id="{74AC173A-3DA8-4893-B28A-1E15F55C330A}" type="slidenum">
               <a:rPr lang="zh-CN" altLang="en-US" smtClean="0"/>
-              <a:t>25</a:t>
             </a:fld>
             <a:endParaRPr lang="zh-CN" altLang="en-US"/>
           </a:p>
@@ -1238,7 +1177,6 @@
           <a:p>
             <a:fld id="{74AC173A-3DA8-4893-B28A-1E15F55C330A}" type="slidenum">
               <a:rPr lang="zh-CN" altLang="en-US" smtClean="0"/>
-              <a:t>26</a:t>
             </a:fld>
             <a:endParaRPr lang="zh-CN" altLang="en-US"/>
           </a:p>
@@ -1317,7 +1255,6 @@
           <a:p>
             <a:fld id="{74AC173A-3DA8-4893-B28A-1E15F55C330A}" type="slidenum">
               <a:rPr lang="zh-CN" altLang="en-US" smtClean="0"/>
-              <a:t>27</a:t>
             </a:fld>
             <a:endParaRPr lang="zh-CN" altLang="en-US"/>
           </a:p>
@@ -1529,7 +1466,6 @@
                 <a:latin typeface="微软雅黑" panose="020B0503020204020204" pitchFamily="34" charset="-122"/>
                 <a:ea typeface="微软雅黑" panose="020B0503020204020204" pitchFamily="34" charset="-122"/>
               </a:rPr>
-              <a:t>‹#›</a:t>
             </a:fld>
             <a:r>
               <a:rPr lang="zh-CN" altLang="en-US" sz="1800" dirty="0" smtClean="0">
@@ -2459,7 +2395,6 @@
           <a:p>
             <a:fld id="{530820CF-B880-4189-942D-D702A7CBA730}" type="datetimeFigureOut">
               <a:rPr lang="zh-CN" altLang="en-US" smtClean="0"/>
-              <a:t>2018/11/4</a:t>
             </a:fld>
             <a:endParaRPr lang="zh-CN" altLang="en-US"/>
           </a:p>
@@ -2517,7 +2452,6 @@
           <a:p>
             <a:fld id="{0C913308-F349-4B6D-A68A-DD1791B4A57B}" type="slidenum">
               <a:rPr lang="zh-CN" altLang="en-US" smtClean="0"/>
-              <a:t>‹#›</a:t>
             </a:fld>
             <a:endParaRPr lang="zh-CN" altLang="en-US"/>
           </a:p>
@@ -2576,7 +2510,6 @@
           <a:p>
             <a:fld id="{530820CF-B880-4189-942D-D702A7CBA730}" type="datetimeFigureOut">
               <a:rPr lang="zh-CN" altLang="en-US" smtClean="0"/>
-              <a:t>2018/11/4</a:t>
             </a:fld>
             <a:endParaRPr lang="zh-CN" altLang="en-US"/>
           </a:p>
@@ -2634,7 +2567,6 @@
           <a:p>
             <a:fld id="{0C913308-F349-4B6D-A68A-DD1791B4A57B}" type="slidenum">
               <a:rPr lang="zh-CN" altLang="en-US" smtClean="0"/>
-              <a:t>‹#›</a:t>
             </a:fld>
             <a:endParaRPr lang="zh-CN" altLang="en-US"/>
           </a:p>
@@ -3429,6 +3361,13 @@
               </a:rPr>
               <a:t>软件工程系列课程教学辅助网站</a:t>
             </a:r>
+            <a:endParaRPr lang="zh-CN" altLang="en-US" sz="5400" dirty="0" smtClean="0">
+              <a:solidFill>
+                <a:srgbClr val="38B1BF"/>
+              </a:solidFill>
+              <a:latin typeface="微软雅黑" panose="020B0503020204020204" pitchFamily="34" charset="-122"/>
+              <a:ea typeface="微软雅黑" panose="020B0503020204020204" pitchFamily="34" charset="-122"/>
+            </a:endParaRPr>
           </a:p>
           <a:p>
             <a:pPr algn="l"/>
@@ -3731,16 +3670,16 @@
             <a:picLocks noChangeAspect="1"/>
           </p:cNvPicPr>
           <p:nvPr>
-            <a:audioFile r:link="rId2"/>
+            <a:audioFile r:link="rId1"/>
             <p:extLst>
               <p:ext uri="{DAA4B4D4-6D71-4841-9C94-3DE7FCFB9230}">
-                <p14:media xmlns:p14="http://schemas.microsoft.com/office/powerpoint/2010/main" r:embed="rId1"/>
+                <p14:media xmlns:p14="http://schemas.microsoft.com/office/powerpoint/2010/main" r:embed="rId2"/>
               </p:ext>
             </p:extLst>
           </p:nvPr>
         </p:nvPicPr>
         <p:blipFill>
-          <a:blip r:embed="rId5"/>
+          <a:blip r:embed="rId3"/>
           <a:stretch>
             <a:fillRect/>
           </a:stretch>
@@ -3788,6 +3727,14 @@
               </a:rPr>
               <a:t>浙江大学城市学院</a:t>
             </a:r>
+            <a:endParaRPr lang="zh-CN" altLang="en-US" kern="300" spc="2000">
+              <a:solidFill>
+                <a:schemeClr val="tx1"/>
+              </a:solidFill>
+              <a:uFillTx/>
+              <a:latin typeface="+中文标题" charset="0"/>
+              <a:ea typeface="+mj-ea"/>
+            </a:endParaRPr>
           </a:p>
         </p:txBody>
       </p:sp>
@@ -3796,13 +3743,13 @@
   <p:clrMapOvr>
     <a:masterClrMapping/>
   </p:clrMapOvr>
-  <mc:AlternateContent xmlns:mc="http://schemas.openxmlformats.org/markup-compatibility/2006" xmlns:p14="http://schemas.microsoft.com/office/powerpoint/2010/main">
-    <mc:Choice Requires="p14">
+  <mc:AlternateContent xmlns:mc="http://schemas.openxmlformats.org/markup-compatibility/2006">
+    <mc:Choice xmlns:p14="http://schemas.microsoft.com/office/powerpoint/2010/main" Requires="p14">
       <p:transition spd="slow" p14:dur="1600" advClick="0" advTm="0">
         <p:blinds dir="vert"/>
       </p:transition>
     </mc:Choice>
-    <mc:Fallback xmlns="">
+    <mc:Fallback>
       <p:transition spd="slow" advClick="0" advTm="0">
         <p:blinds dir="vert"/>
       </p:transition>
@@ -4786,6 +4733,13 @@
               </a:rPr>
               <a:t>人力资源管理计划</a:t>
             </a:r>
+            <a:endParaRPr lang="zh-CN" altLang="en-US" sz="2665" dirty="0">
+              <a:solidFill>
+                <a:srgbClr val="183A5D"/>
+              </a:solidFill>
+              <a:latin typeface="微软雅黑" panose="020B0503020204020204" pitchFamily="34" charset="-122"/>
+              <a:ea typeface="微软雅黑" panose="020B0503020204020204" pitchFamily="34" charset="-122"/>
+            </a:endParaRPr>
           </a:p>
         </p:txBody>
       </p:sp>
@@ -4823,6 +4777,7 @@
               <a:rPr lang="zh-CN" altLang="zh-CN" sz="2400" b="1" dirty="0"/>
               <a:t>）</a:t>
             </a:r>
+            <a:endParaRPr lang="zh-CN" altLang="zh-CN" sz="2400" b="1" dirty="0"/>
           </a:p>
         </p:txBody>
       </p:sp>
@@ -4835,7 +4790,7 @@
           <p:nvPr/>
         </p:nvPicPr>
         <p:blipFill>
-          <a:blip r:embed="rId2">
+          <a:blip r:embed="rId1">
             <a:extLst>
               <a:ext uri="{28A0092B-C50C-407E-A947-70E740481C1C}">
                 <a14:useLocalDpi xmlns:a14="http://schemas.microsoft.com/office/drawing/2010/main" val="0"/>
@@ -5007,6 +4962,7 @@
               <a:rPr lang="en-US" sz="2400" dirty="0"/>
               <a:t>4</a:t>
             </a:r>
+            <a:endParaRPr lang="en-US" sz="2400" dirty="0"/>
           </a:p>
         </p:txBody>
       </p:sp>
@@ -5088,6 +5044,7 @@
               <a:rPr lang="zh-CN" altLang="zh-CN" sz="2400" b="1" dirty="0"/>
               <a:t>干系人手册</a:t>
             </a:r>
+            <a:endParaRPr lang="zh-CN" altLang="zh-CN" sz="2400" b="1" dirty="0"/>
           </a:p>
         </p:txBody>
       </p:sp>
@@ -5097,13 +5054,7 @@
           <p:cNvGraphicFramePr>
             <a:graphicFrameLocks noGrp="1"/>
           </p:cNvGraphicFramePr>
-          <p:nvPr>
-            <p:extLst>
-              <p:ext uri="{D42A27DB-BD31-4B8C-83A1-F6EECF244321}">
-                <p14:modId xmlns:p14="http://schemas.microsoft.com/office/powerpoint/2010/main" val="4262247111"/>
-              </p:ext>
-            </p:extLst>
-          </p:nvPr>
+          <p:nvPr/>
         </p:nvGraphicFramePr>
         <p:xfrm>
           <a:off x="1414686" y="1557586"/>
@@ -5134,17 +5085,17 @@
                       <a:r>
                         <a:rPr lang="zh-CN" sz="1800" b="1" kern="100" dirty="0">
                           <a:effectLst/>
-                          <a:latin typeface="Calibri"/>
-                          <a:ea typeface="宋体"/>
-                          <a:cs typeface="Times New Roman"/>
+                          <a:latin typeface="Calibri" panose="020F0502020204030204"/>
+                          <a:ea typeface="宋体" panose="02010600030101010101" pitchFamily="2" charset="-122"/>
+                          <a:cs typeface="Times New Roman" panose="02020603050405020304"/>
                         </a:rPr>
                         <a:t>积极干系人</a:t>
                       </a:r>
                       <a:endParaRPr lang="zh-CN" sz="1800" kern="100" dirty="0">
                         <a:effectLst/>
-                        <a:latin typeface="Calibri"/>
-                        <a:ea typeface="宋体"/>
-                        <a:cs typeface="Times New Roman"/>
+                        <a:latin typeface="Calibri" panose="020F0502020204030204"/>
+                        <a:ea typeface="宋体" panose="02010600030101010101" pitchFamily="2" charset="-122"/>
+                        <a:cs typeface="Times New Roman" panose="02020603050405020304"/>
                       </a:endParaRPr>
                     </a:p>
                   </a:txBody>
@@ -5203,17 +5154,17 @@
                       <a:r>
                         <a:rPr lang="zh-CN" sz="1800" b="1" kern="100">
                           <a:effectLst/>
-                          <a:latin typeface="Calibri"/>
-                          <a:ea typeface="宋体"/>
-                          <a:cs typeface="Times New Roman"/>
+                          <a:latin typeface="Calibri" panose="020F0502020204030204"/>
+                          <a:ea typeface="宋体" panose="02010600030101010101" pitchFamily="2" charset="-122"/>
+                          <a:cs typeface="Times New Roman" panose="02020603050405020304"/>
                         </a:rPr>
                         <a:t>提出者</a:t>
                       </a:r>
                       <a:endParaRPr lang="zh-CN" sz="1800" kern="100">
                         <a:effectLst/>
-                        <a:latin typeface="Calibri"/>
-                        <a:ea typeface="宋体"/>
-                        <a:cs typeface="Times New Roman"/>
+                        <a:latin typeface="Calibri" panose="020F0502020204030204"/>
+                        <a:ea typeface="宋体" panose="02010600030101010101" pitchFamily="2" charset="-122"/>
+                        <a:cs typeface="Times New Roman" panose="02020603050405020304"/>
                       </a:endParaRPr>
                     </a:p>
                   </a:txBody>
@@ -5272,17 +5223,17 @@
                       <a:r>
                         <a:rPr lang="zh-CN" sz="1800" b="1" kern="100">
                           <a:effectLst/>
-                          <a:latin typeface="Calibri"/>
-                          <a:ea typeface="宋体"/>
-                          <a:cs typeface="Times New Roman"/>
+                          <a:latin typeface="Calibri" panose="020F0502020204030204"/>
+                          <a:ea typeface="宋体" panose="02010600030101010101" pitchFamily="2" charset="-122"/>
+                          <a:cs typeface="Times New Roman" panose="02020603050405020304"/>
                         </a:rPr>
                         <a:t>联系方式</a:t>
                       </a:r>
                       <a:endParaRPr lang="zh-CN" sz="1800" kern="100">
                         <a:effectLst/>
-                        <a:latin typeface="Calibri"/>
-                        <a:ea typeface="宋体"/>
-                        <a:cs typeface="Times New Roman"/>
+                        <a:latin typeface="Calibri" panose="020F0502020204030204"/>
+                        <a:ea typeface="宋体" panose="02010600030101010101" pitchFamily="2" charset="-122"/>
+                        <a:cs typeface="Times New Roman" panose="02020603050405020304"/>
                       </a:endParaRPr>
                     </a:p>
                   </a:txBody>
@@ -5341,17 +5292,17 @@
                       <a:r>
                         <a:rPr lang="zh-CN" sz="1800" b="1" kern="100">
                           <a:effectLst/>
-                          <a:latin typeface="Calibri"/>
-                          <a:ea typeface="宋体"/>
-                          <a:cs typeface="Times New Roman"/>
+                          <a:latin typeface="Calibri" panose="020F0502020204030204"/>
+                          <a:ea typeface="宋体" panose="02010600030101010101" pitchFamily="2" charset="-122"/>
+                          <a:cs typeface="Times New Roman" panose="02020603050405020304"/>
                         </a:rPr>
                         <a:t>所在地</a:t>
                       </a:r>
                       <a:endParaRPr lang="zh-CN" sz="1800" kern="100">
                         <a:effectLst/>
-                        <a:latin typeface="Calibri"/>
-                        <a:ea typeface="宋体"/>
-                        <a:cs typeface="Times New Roman"/>
+                        <a:latin typeface="Calibri" panose="020F0502020204030204"/>
+                        <a:ea typeface="宋体" panose="02010600030101010101" pitchFamily="2" charset="-122"/>
+                        <a:cs typeface="Times New Roman" panose="02020603050405020304"/>
                       </a:endParaRPr>
                     </a:p>
                   </a:txBody>
@@ -5410,17 +5361,17 @@
                       <a:r>
                         <a:rPr lang="zh-CN" sz="1800" b="1" kern="100">
                           <a:effectLst/>
-                          <a:latin typeface="Calibri"/>
-                          <a:ea typeface="宋体"/>
-                          <a:cs typeface="Times New Roman"/>
+                          <a:latin typeface="Calibri" panose="020F0502020204030204"/>
+                          <a:ea typeface="宋体" panose="02010600030101010101" pitchFamily="2" charset="-122"/>
+                          <a:cs typeface="Times New Roman" panose="02020603050405020304"/>
                         </a:rPr>
                         <a:t>角色</a:t>
                       </a:r>
                       <a:endParaRPr lang="zh-CN" sz="1800" kern="100">
                         <a:effectLst/>
-                        <a:latin typeface="Calibri"/>
-                        <a:ea typeface="宋体"/>
-                        <a:cs typeface="Times New Roman"/>
+                        <a:latin typeface="Calibri" panose="020F0502020204030204"/>
+                        <a:ea typeface="宋体" panose="02010600030101010101" pitchFamily="2" charset="-122"/>
+                        <a:cs typeface="Times New Roman" panose="02020603050405020304"/>
                       </a:endParaRPr>
                     </a:p>
                   </a:txBody>
@@ -5481,12 +5432,18 @@
                       <a:r>
                         <a:rPr lang="zh-CN" sz="1800" kern="100" dirty="0">
                           <a:effectLst/>
-                          <a:latin typeface="Calibri"/>
-                          <a:ea typeface="宋体"/>
-                          <a:cs typeface="Times New Roman"/>
+                          <a:latin typeface="Calibri" panose="020F0502020204030204"/>
+                          <a:ea typeface="宋体" panose="02010600030101010101" pitchFamily="2" charset="-122"/>
+                          <a:cs typeface="Times New Roman" panose="02020603050405020304"/>
                         </a:rPr>
                         <a:t>杨枨</a:t>
                       </a:r>
+                      <a:endParaRPr lang="zh-CN" sz="1800" kern="100" dirty="0">
+                        <a:effectLst/>
+                        <a:latin typeface="Calibri" panose="020F0502020204030204"/>
+                        <a:ea typeface="宋体" panose="02010600030101010101" pitchFamily="2" charset="-122"/>
+                        <a:cs typeface="Times New Roman" panose="02020603050405020304"/>
+                      </a:endParaRPr>
                     </a:p>
                   </a:txBody>
                   <a:tcPr marL="68580" marR="68580" marT="0" marB="0" anchor="ctr">
@@ -5544,12 +5501,18 @@
                       <a:r>
                         <a:rPr lang="zh-CN" sz="1800" kern="100">
                           <a:effectLst/>
-                          <a:latin typeface="Calibri"/>
-                          <a:ea typeface="宋体"/>
-                          <a:cs typeface="Times New Roman"/>
+                          <a:latin typeface="Calibri" panose="020F0502020204030204"/>
+                          <a:ea typeface="宋体" panose="02010600030101010101" pitchFamily="2" charset="-122"/>
+                          <a:cs typeface="Times New Roman" panose="02020603050405020304"/>
                         </a:rPr>
                         <a:t>蔡峰</a:t>
                       </a:r>
+                      <a:endParaRPr lang="zh-CN" sz="1800" kern="100">
+                        <a:effectLst/>
+                        <a:latin typeface="Calibri" panose="020F0502020204030204"/>
+                        <a:ea typeface="宋体" panose="02010600030101010101" pitchFamily="2" charset="-122"/>
+                        <a:cs typeface="Times New Roman" panose="02020603050405020304"/>
+                      </a:endParaRPr>
                     </a:p>
                   </a:txBody>
                   <a:tcPr marL="68580" marR="68580" marT="0" marB="0" anchor="ctr">
@@ -5607,17 +5570,17 @@
                       <a:r>
                         <a:rPr lang="en-US" sz="1800" kern="100">
                           <a:effectLst/>
-                          <a:latin typeface="Calibri"/>
-                          <a:ea typeface="宋体"/>
-                          <a:cs typeface="Times New Roman"/>
+                          <a:latin typeface="Calibri" panose="020F0502020204030204"/>
+                          <a:ea typeface="宋体" panose="02010600030101010101" pitchFamily="2" charset="-122"/>
+                          <a:cs typeface="Times New Roman" panose="02020603050405020304"/>
                         </a:rPr>
                         <a:t>yangc@zucc.edu.cn</a:t>
                       </a:r>
                       <a:endParaRPr lang="zh-CN" sz="1800" kern="100">
                         <a:effectLst/>
-                        <a:latin typeface="Calibri"/>
-                        <a:ea typeface="宋体"/>
-                        <a:cs typeface="Times New Roman"/>
+                        <a:latin typeface="Calibri" panose="020F0502020204030204"/>
+                        <a:ea typeface="宋体" panose="02010600030101010101" pitchFamily="2" charset="-122"/>
+                        <a:cs typeface="Times New Roman" panose="02020603050405020304"/>
                       </a:endParaRPr>
                     </a:p>
                   </a:txBody>
@@ -5673,26 +5636,26 @@
                       <a:r>
                         <a:rPr lang="zh-CN" sz="1800" kern="100">
                           <a:effectLst/>
-                          <a:latin typeface="Calibri"/>
-                          <a:ea typeface="宋体"/>
-                          <a:cs typeface="Times New Roman"/>
+                          <a:latin typeface="Calibri" panose="020F0502020204030204"/>
+                          <a:ea typeface="宋体" panose="02010600030101010101" pitchFamily="2" charset="-122"/>
+                          <a:cs typeface="Times New Roman" panose="02020603050405020304"/>
                         </a:rPr>
                         <a:t>理</a:t>
                       </a:r>
                       <a:r>
                         <a:rPr lang="en-US" sz="1800" kern="100">
                           <a:effectLst/>
-                          <a:latin typeface="Calibri"/>
-                          <a:ea typeface="宋体"/>
-                          <a:cs typeface="Times New Roman"/>
+                          <a:latin typeface="Calibri" panose="020F0502020204030204"/>
+                          <a:ea typeface="宋体" panose="02010600030101010101" pitchFamily="2" charset="-122"/>
+                          <a:cs typeface="Times New Roman" panose="02020603050405020304"/>
                         </a:rPr>
                         <a:t>4-506</a:t>
                       </a:r>
                       <a:endParaRPr lang="zh-CN" sz="1800" kern="100">
                         <a:effectLst/>
-                        <a:latin typeface="Calibri"/>
-                        <a:ea typeface="宋体"/>
-                        <a:cs typeface="Times New Roman"/>
+                        <a:latin typeface="Calibri" panose="020F0502020204030204"/>
+                        <a:ea typeface="宋体" panose="02010600030101010101" pitchFamily="2" charset="-122"/>
+                        <a:cs typeface="Times New Roman" panose="02020603050405020304"/>
                       </a:endParaRPr>
                     </a:p>
                   </a:txBody>
@@ -5748,12 +5711,18 @@
                       <a:r>
                         <a:rPr lang="zh-CN" sz="1800" kern="100">
                           <a:effectLst/>
-                          <a:latin typeface="Calibri"/>
-                          <a:ea typeface="宋体"/>
-                          <a:cs typeface="Times New Roman"/>
+                          <a:latin typeface="Calibri" panose="020F0502020204030204"/>
+                          <a:ea typeface="宋体" panose="02010600030101010101" pitchFamily="2" charset="-122"/>
+                          <a:cs typeface="Times New Roman" panose="02020603050405020304"/>
                         </a:rPr>
                         <a:t>项目下达者</a:t>
                       </a:r>
+                      <a:endParaRPr lang="zh-CN" sz="1800" kern="100">
+                        <a:effectLst/>
+                        <a:latin typeface="Calibri" panose="020F0502020204030204"/>
+                        <a:ea typeface="宋体" panose="02010600030101010101" pitchFamily="2" charset="-122"/>
+                        <a:cs typeface="Times New Roman" panose="02020603050405020304"/>
+                      </a:endParaRPr>
                     </a:p>
                   </a:txBody>
                   <a:tcPr marL="68580" marR="68580" marT="0" marB="0">
@@ -5810,12 +5779,18 @@
                       <a:r>
                         <a:rPr lang="zh-CN" sz="1800" kern="100" dirty="0">
                           <a:effectLst/>
-                          <a:latin typeface="Calibri"/>
-                          <a:ea typeface="宋体"/>
-                          <a:cs typeface="Times New Roman"/>
+                          <a:latin typeface="Calibri" panose="020F0502020204030204"/>
+                          <a:ea typeface="宋体" panose="02010600030101010101" pitchFamily="2" charset="-122"/>
+                          <a:cs typeface="Times New Roman" panose="02020603050405020304"/>
                         </a:rPr>
                         <a:t>侯宏仑</a:t>
                       </a:r>
+                      <a:endParaRPr lang="zh-CN" sz="1800" kern="100" dirty="0">
+                        <a:effectLst/>
+                        <a:latin typeface="Calibri" panose="020F0502020204030204"/>
+                        <a:ea typeface="宋体" panose="02010600030101010101" pitchFamily="2" charset="-122"/>
+                        <a:cs typeface="Times New Roman" panose="02020603050405020304"/>
+                      </a:endParaRPr>
                     </a:p>
                   </a:txBody>
                   <a:tcPr marL="68580" marR="68580" marT="0" marB="0" anchor="ctr">
@@ -5873,12 +5848,18 @@
                       <a:r>
                         <a:rPr lang="zh-CN" sz="1800" kern="100" dirty="0">
                           <a:effectLst/>
-                          <a:latin typeface="Calibri"/>
-                          <a:ea typeface="宋体"/>
-                          <a:cs typeface="Times New Roman"/>
+                          <a:latin typeface="Calibri" panose="020F0502020204030204"/>
+                          <a:ea typeface="宋体" panose="02010600030101010101" pitchFamily="2" charset="-122"/>
+                          <a:cs typeface="Times New Roman" panose="02020603050405020304"/>
                         </a:rPr>
                         <a:t>蔡峰</a:t>
                       </a:r>
+                      <a:endParaRPr lang="zh-CN" sz="1800" kern="100" dirty="0">
+                        <a:effectLst/>
+                        <a:latin typeface="Calibri" panose="020F0502020204030204"/>
+                        <a:ea typeface="宋体" panose="02010600030101010101" pitchFamily="2" charset="-122"/>
+                        <a:cs typeface="Times New Roman" panose="02020603050405020304"/>
+                      </a:endParaRPr>
                     </a:p>
                   </a:txBody>
                   <a:tcPr marL="68580" marR="68580" marT="0" marB="0" anchor="ctr">
@@ -5936,17 +5917,17 @@
                       <a:r>
                         <a:rPr lang="en-US" sz="1800" kern="100">
                           <a:effectLst/>
-                          <a:latin typeface="Calibri"/>
-                          <a:ea typeface="宋体"/>
-                          <a:cs typeface="Times New Roman"/>
+                          <a:latin typeface="Calibri" panose="020F0502020204030204"/>
+                          <a:ea typeface="宋体" panose="02010600030101010101" pitchFamily="2" charset="-122"/>
+                          <a:cs typeface="Times New Roman" panose="02020603050405020304"/>
                         </a:rPr>
                         <a:t>ubilabs@zucc.edu.cn</a:t>
                       </a:r>
                       <a:endParaRPr lang="zh-CN" sz="1800" kern="100">
                         <a:effectLst/>
-                        <a:latin typeface="Calibri"/>
-                        <a:ea typeface="宋体"/>
-                        <a:cs typeface="Times New Roman"/>
+                        <a:latin typeface="Calibri" panose="020F0502020204030204"/>
+                        <a:ea typeface="宋体" panose="02010600030101010101" pitchFamily="2" charset="-122"/>
+                        <a:cs typeface="Times New Roman" panose="02020603050405020304"/>
                       </a:endParaRPr>
                     </a:p>
                   </a:txBody>
@@ -6002,26 +5983,26 @@
                       <a:r>
                         <a:rPr lang="zh-CN" sz="1800" kern="100">
                           <a:effectLst/>
-                          <a:latin typeface="Calibri"/>
-                          <a:ea typeface="宋体"/>
-                          <a:cs typeface="Times New Roman"/>
+                          <a:latin typeface="Calibri" panose="020F0502020204030204"/>
+                          <a:ea typeface="宋体" panose="02010600030101010101" pitchFamily="2" charset="-122"/>
+                          <a:cs typeface="Times New Roman" panose="02020603050405020304"/>
                         </a:rPr>
                         <a:t>理</a:t>
                       </a:r>
                       <a:r>
                         <a:rPr lang="en-US" sz="1800" kern="100">
                           <a:effectLst/>
-                          <a:latin typeface="Calibri"/>
-                          <a:ea typeface="宋体"/>
-                          <a:cs typeface="Times New Roman"/>
+                          <a:latin typeface="Calibri" panose="020F0502020204030204"/>
+                          <a:ea typeface="宋体" panose="02010600030101010101" pitchFamily="2" charset="-122"/>
+                          <a:cs typeface="Times New Roman" panose="02020603050405020304"/>
                         </a:rPr>
                         <a:t>4-501</a:t>
                       </a:r>
                       <a:endParaRPr lang="zh-CN" sz="1800" kern="100">
                         <a:effectLst/>
-                        <a:latin typeface="Calibri"/>
-                        <a:ea typeface="宋体"/>
-                        <a:cs typeface="Times New Roman"/>
+                        <a:latin typeface="Calibri" panose="020F0502020204030204"/>
+                        <a:ea typeface="宋体" panose="02010600030101010101" pitchFamily="2" charset="-122"/>
+                        <a:cs typeface="Times New Roman" panose="02020603050405020304"/>
                       </a:endParaRPr>
                     </a:p>
                   </a:txBody>
@@ -6077,12 +6058,18 @@
                       <a:r>
                         <a:rPr lang="zh-CN" sz="1800" kern="100">
                           <a:effectLst/>
-                          <a:latin typeface="Calibri"/>
-                          <a:ea typeface="宋体"/>
-                          <a:cs typeface="Times New Roman"/>
+                          <a:latin typeface="Calibri" panose="020F0502020204030204"/>
+                          <a:ea typeface="宋体" panose="02010600030101010101" pitchFamily="2" charset="-122"/>
+                          <a:cs typeface="Times New Roman" panose="02020603050405020304"/>
                         </a:rPr>
                         <a:t>项目下达者</a:t>
                       </a:r>
+                      <a:endParaRPr lang="zh-CN" sz="1800" kern="100">
+                        <a:effectLst/>
+                        <a:latin typeface="Calibri" panose="020F0502020204030204"/>
+                        <a:ea typeface="宋体" panose="02010600030101010101" pitchFamily="2" charset="-122"/>
+                        <a:cs typeface="Times New Roman" panose="02020603050405020304"/>
+                      </a:endParaRPr>
                     </a:p>
                   </a:txBody>
                   <a:tcPr marL="68580" marR="68580" marT="0" marB="0">
@@ -6139,12 +6126,18 @@
                       <a:r>
                         <a:rPr lang="zh-CN" sz="1800" kern="100" dirty="0">
                           <a:effectLst/>
-                          <a:latin typeface="Calibri"/>
-                          <a:ea typeface="宋体"/>
-                          <a:cs typeface="Times New Roman"/>
+                          <a:latin typeface="Calibri" panose="020F0502020204030204"/>
+                          <a:ea typeface="宋体" panose="02010600030101010101" pitchFamily="2" charset="-122"/>
+                          <a:cs typeface="Times New Roman" panose="02020603050405020304"/>
                         </a:rPr>
                         <a:t>助教陈栩</a:t>
                       </a:r>
+                      <a:endParaRPr lang="zh-CN" sz="1800" kern="100" dirty="0">
+                        <a:effectLst/>
+                        <a:latin typeface="Calibri" panose="020F0502020204030204"/>
+                        <a:ea typeface="宋体" panose="02010600030101010101" pitchFamily="2" charset="-122"/>
+                        <a:cs typeface="Times New Roman" panose="02020603050405020304"/>
+                      </a:endParaRPr>
                     </a:p>
                   </a:txBody>
                   <a:tcPr marL="68580" marR="68580" marT="0" marB="0" anchor="ctr">
@@ -6202,12 +6195,18 @@
                       <a:r>
                         <a:rPr lang="zh-CN" sz="1800" kern="100" dirty="0">
                           <a:effectLst/>
-                          <a:latin typeface="Calibri"/>
-                          <a:ea typeface="宋体"/>
-                          <a:cs typeface="Times New Roman"/>
+                          <a:latin typeface="Calibri" panose="020F0502020204030204"/>
+                          <a:ea typeface="宋体" panose="02010600030101010101" pitchFamily="2" charset="-122"/>
+                          <a:cs typeface="Times New Roman" panose="02020603050405020304"/>
                         </a:rPr>
                         <a:t>蔡峰</a:t>
                       </a:r>
+                      <a:endParaRPr lang="zh-CN" sz="1800" kern="100" dirty="0">
+                        <a:effectLst/>
+                        <a:latin typeface="Calibri" panose="020F0502020204030204"/>
+                        <a:ea typeface="宋体" panose="02010600030101010101" pitchFamily="2" charset="-122"/>
+                        <a:cs typeface="Times New Roman" panose="02020603050405020304"/>
+                      </a:endParaRPr>
                     </a:p>
                   </a:txBody>
                   <a:tcPr marL="68580" marR="68580" marT="0" marB="0" anchor="ctr">
@@ -6265,17 +6264,17 @@
                       <a:r>
                         <a:rPr lang="en-US" sz="1800" kern="100" dirty="0">
                           <a:effectLst/>
-                          <a:latin typeface="Calibri"/>
-                          <a:ea typeface="宋体"/>
-                          <a:cs typeface="Times New Roman"/>
+                          <a:latin typeface="Calibri" panose="020F0502020204030204"/>
+                          <a:ea typeface="宋体" panose="02010600030101010101" pitchFamily="2" charset="-122"/>
+                          <a:cs typeface="Times New Roman" panose="02020603050405020304"/>
                         </a:rPr>
                         <a:t>31601341@stu.zucc.edu.cn</a:t>
                       </a:r>
                       <a:endParaRPr lang="zh-CN" sz="1800" kern="100" dirty="0">
                         <a:effectLst/>
-                        <a:latin typeface="Calibri"/>
-                        <a:ea typeface="宋体"/>
-                        <a:cs typeface="Times New Roman"/>
+                        <a:latin typeface="Calibri" panose="020F0502020204030204"/>
+                        <a:ea typeface="宋体" panose="02010600030101010101" pitchFamily="2" charset="-122"/>
+                        <a:cs typeface="Times New Roman" panose="02020603050405020304"/>
                       </a:endParaRPr>
                     </a:p>
                   </a:txBody>
@@ -6331,26 +6330,26 @@
                       <a:r>
                         <a:rPr lang="zh-CN" sz="1800" kern="100">
                           <a:effectLst/>
-                          <a:latin typeface="Calibri"/>
-                          <a:ea typeface="宋体"/>
-                          <a:cs typeface="Times New Roman"/>
+                          <a:latin typeface="Calibri" panose="020F0502020204030204"/>
+                          <a:ea typeface="宋体" panose="02010600030101010101" pitchFamily="2" charset="-122"/>
+                          <a:cs typeface="Times New Roman" panose="02020603050405020304"/>
                         </a:rPr>
                         <a:t>问源</a:t>
                       </a:r>
                       <a:r>
                         <a:rPr lang="en-US" sz="1800" kern="100">
                           <a:effectLst/>
-                          <a:latin typeface="Calibri"/>
-                          <a:ea typeface="宋体"/>
-                          <a:cs typeface="Times New Roman"/>
+                          <a:latin typeface="Calibri" panose="020F0502020204030204"/>
+                          <a:ea typeface="宋体" panose="02010600030101010101" pitchFamily="2" charset="-122"/>
+                          <a:cs typeface="Times New Roman" panose="02020603050405020304"/>
                         </a:rPr>
                         <a:t>1-636</a:t>
                       </a:r>
                       <a:endParaRPr lang="zh-CN" sz="1800" kern="100">
                         <a:effectLst/>
-                        <a:latin typeface="Calibri"/>
-                        <a:ea typeface="宋体"/>
-                        <a:cs typeface="Times New Roman"/>
+                        <a:latin typeface="Calibri" panose="020F0502020204030204"/>
+                        <a:ea typeface="宋体" panose="02010600030101010101" pitchFamily="2" charset="-122"/>
+                        <a:cs typeface="Times New Roman" panose="02020603050405020304"/>
                       </a:endParaRPr>
                     </a:p>
                   </a:txBody>
@@ -6406,12 +6405,18 @@
                       <a:r>
                         <a:rPr lang="zh-CN" sz="1800" kern="100">
                           <a:effectLst/>
-                          <a:latin typeface="Calibri"/>
-                          <a:ea typeface="宋体"/>
-                          <a:cs typeface="Times New Roman"/>
+                          <a:latin typeface="Calibri" panose="020F0502020204030204"/>
+                          <a:ea typeface="宋体" panose="02010600030101010101" pitchFamily="2" charset="-122"/>
+                          <a:cs typeface="Times New Roman" panose="02020603050405020304"/>
                         </a:rPr>
                         <a:t>软件课程专业学生以及需求课程助教</a:t>
                       </a:r>
+                      <a:endParaRPr lang="zh-CN" sz="1800" kern="100">
+                        <a:effectLst/>
+                        <a:latin typeface="Calibri" panose="020F0502020204030204"/>
+                        <a:ea typeface="宋体" panose="02010600030101010101" pitchFamily="2" charset="-122"/>
+                        <a:cs typeface="Times New Roman" panose="02020603050405020304"/>
+                      </a:endParaRPr>
                     </a:p>
                   </a:txBody>
                   <a:tcPr marL="68580" marR="68580" marT="0" marB="0">
@@ -6468,12 +6473,18 @@
                       <a:r>
                         <a:rPr lang="zh-CN" sz="1800" kern="100">
                           <a:effectLst/>
-                          <a:latin typeface="Calibri"/>
-                          <a:ea typeface="宋体"/>
-                          <a:cs typeface="Times New Roman"/>
+                          <a:latin typeface="Calibri" panose="020F0502020204030204"/>
+                          <a:ea typeface="宋体" panose="02010600030101010101" pitchFamily="2" charset="-122"/>
+                          <a:cs typeface="Times New Roman" panose="02020603050405020304"/>
                         </a:rPr>
                         <a:t>助教冯一鸣</a:t>
                       </a:r>
+                      <a:endParaRPr lang="zh-CN" sz="1800" kern="100">
+                        <a:effectLst/>
+                        <a:latin typeface="Calibri" panose="020F0502020204030204"/>
+                        <a:ea typeface="宋体" panose="02010600030101010101" pitchFamily="2" charset="-122"/>
+                        <a:cs typeface="Times New Roman" panose="02020603050405020304"/>
+                      </a:endParaRPr>
                     </a:p>
                   </a:txBody>
                   <a:tcPr marL="68580" marR="68580" marT="0" marB="0" anchor="ctr">
@@ -6531,12 +6542,18 @@
                       <a:r>
                         <a:rPr lang="zh-CN" sz="1800" kern="100">
                           <a:effectLst/>
-                          <a:latin typeface="Calibri"/>
-                          <a:ea typeface="宋体"/>
-                          <a:cs typeface="Times New Roman"/>
+                          <a:latin typeface="Calibri" panose="020F0502020204030204"/>
+                          <a:ea typeface="宋体" panose="02010600030101010101" pitchFamily="2" charset="-122"/>
+                          <a:cs typeface="Times New Roman" panose="02020603050405020304"/>
                         </a:rPr>
                         <a:t>蔡峰</a:t>
                       </a:r>
+                      <a:endParaRPr lang="zh-CN" sz="1800" kern="100">
+                        <a:effectLst/>
+                        <a:latin typeface="Calibri" panose="020F0502020204030204"/>
+                        <a:ea typeface="宋体" panose="02010600030101010101" pitchFamily="2" charset="-122"/>
+                        <a:cs typeface="Times New Roman" panose="02020603050405020304"/>
+                      </a:endParaRPr>
                     </a:p>
                   </a:txBody>
                   <a:tcPr marL="68580" marR="68580" marT="0" marB="0" anchor="ctr">
@@ -6597,18 +6614,18 @@
                             <a:srgbClr val="0000FF"/>
                           </a:solidFill>
                           <a:effectLst/>
-                          <a:latin typeface="Calibri"/>
-                          <a:ea typeface="宋体"/>
-                          <a:cs typeface="Times New Roman"/>
-                          <a:hlinkClick r:id="rId2"/>
+                          <a:latin typeface="Calibri" panose="020F0502020204030204"/>
+                          <a:ea typeface="宋体" panose="02010600030101010101" pitchFamily="2" charset="-122"/>
+                          <a:cs typeface="Times New Roman" panose="02020603050405020304"/>
+                          <a:hlinkClick r:id="rId1"/>
                         </a:rPr>
                         <a:t>31601390@stu.zucc.edu.cn</a:t>
                       </a:r>
                       <a:endParaRPr lang="zh-CN" sz="1800" kern="100" dirty="0">
                         <a:effectLst/>
-                        <a:latin typeface="Calibri"/>
-                        <a:ea typeface="宋体"/>
-                        <a:cs typeface="Times New Roman"/>
+                        <a:latin typeface="Calibri" panose="020F0502020204030204"/>
+                        <a:ea typeface="宋体" panose="02010600030101010101" pitchFamily="2" charset="-122"/>
+                        <a:cs typeface="Times New Roman" panose="02020603050405020304"/>
                       </a:endParaRPr>
                     </a:p>
                   </a:txBody>
@@ -6664,26 +6681,26 @@
                       <a:r>
                         <a:rPr lang="zh-CN" sz="1800" kern="100" dirty="0">
                           <a:effectLst/>
-                          <a:latin typeface="Calibri"/>
-                          <a:ea typeface="宋体"/>
-                          <a:cs typeface="Times New Roman"/>
+                          <a:latin typeface="Calibri" panose="020F0502020204030204"/>
+                          <a:ea typeface="宋体" panose="02010600030101010101" pitchFamily="2" charset="-122"/>
+                          <a:cs typeface="Times New Roman" panose="02020603050405020304"/>
                         </a:rPr>
                         <a:t>弘毅</a:t>
                       </a:r>
                       <a:r>
                         <a:rPr lang="en-US" sz="1800" kern="100" dirty="0">
                           <a:effectLst/>
-                          <a:latin typeface="Calibri"/>
-                          <a:ea typeface="宋体"/>
-                          <a:cs typeface="Times New Roman"/>
+                          <a:latin typeface="Calibri" panose="020F0502020204030204"/>
+                          <a:ea typeface="宋体" panose="02010600030101010101" pitchFamily="2" charset="-122"/>
+                          <a:cs typeface="Times New Roman" panose="02020603050405020304"/>
                         </a:rPr>
                         <a:t>1-610</a:t>
                       </a:r>
                       <a:endParaRPr lang="zh-CN" sz="1800" kern="100" dirty="0">
                         <a:effectLst/>
-                        <a:latin typeface="Calibri"/>
-                        <a:ea typeface="宋体"/>
-                        <a:cs typeface="Times New Roman"/>
+                        <a:latin typeface="Calibri" panose="020F0502020204030204"/>
+                        <a:ea typeface="宋体" panose="02010600030101010101" pitchFamily="2" charset="-122"/>
+                        <a:cs typeface="Times New Roman" panose="02020603050405020304"/>
                       </a:endParaRPr>
                     </a:p>
                   </a:txBody>
@@ -6739,12 +6756,18 @@
                       <a:r>
                         <a:rPr lang="zh-CN" sz="1800" kern="100">
                           <a:effectLst/>
-                          <a:latin typeface="Calibri"/>
-                          <a:ea typeface="宋体"/>
-                          <a:cs typeface="Times New Roman"/>
+                          <a:latin typeface="Calibri" panose="020F0502020204030204"/>
+                          <a:ea typeface="宋体" panose="02010600030101010101" pitchFamily="2" charset="-122"/>
+                          <a:cs typeface="Times New Roman" panose="02020603050405020304"/>
                         </a:rPr>
                         <a:t>软件课程专业学生以及需求课程助教</a:t>
                       </a:r>
+                      <a:endParaRPr lang="zh-CN" sz="1800" kern="100">
+                        <a:effectLst/>
+                        <a:latin typeface="Calibri" panose="020F0502020204030204"/>
+                        <a:ea typeface="宋体" panose="02010600030101010101" pitchFamily="2" charset="-122"/>
+                        <a:cs typeface="Times New Roman" panose="02020603050405020304"/>
+                      </a:endParaRPr>
                     </a:p>
                   </a:txBody>
                   <a:tcPr marL="68580" marR="68580" marT="0" marB="0">
@@ -6801,12 +6824,18 @@
                       <a:r>
                         <a:rPr lang="zh-CN" sz="1800" kern="100">
                           <a:effectLst/>
-                          <a:latin typeface="Calibri"/>
-                          <a:ea typeface="宋体"/>
-                          <a:cs typeface="Times New Roman"/>
+                          <a:latin typeface="Calibri" panose="020F0502020204030204"/>
+                          <a:ea typeface="宋体" panose="02010600030101010101" pitchFamily="2" charset="-122"/>
+                          <a:cs typeface="Times New Roman" panose="02020603050405020304"/>
                         </a:rPr>
                         <a:t>助教陈妍蓝</a:t>
                       </a:r>
+                      <a:endParaRPr lang="zh-CN" sz="1800" kern="100">
+                        <a:effectLst/>
+                        <a:latin typeface="Calibri" panose="020F0502020204030204"/>
+                        <a:ea typeface="宋体" panose="02010600030101010101" pitchFamily="2" charset="-122"/>
+                        <a:cs typeface="Times New Roman" panose="02020603050405020304"/>
+                      </a:endParaRPr>
                     </a:p>
                   </a:txBody>
                   <a:tcPr marL="68580" marR="68580" marT="0" marB="0" anchor="ctr">
@@ -6864,12 +6893,18 @@
                       <a:r>
                         <a:rPr lang="zh-CN" sz="1800" kern="100">
                           <a:effectLst/>
-                          <a:latin typeface="Calibri"/>
-                          <a:ea typeface="宋体"/>
-                          <a:cs typeface="Times New Roman"/>
+                          <a:latin typeface="Calibri" panose="020F0502020204030204"/>
+                          <a:ea typeface="宋体" panose="02010600030101010101" pitchFamily="2" charset="-122"/>
+                          <a:cs typeface="Times New Roman" panose="02020603050405020304"/>
                         </a:rPr>
                         <a:t>蔡峰</a:t>
                       </a:r>
+                      <a:endParaRPr lang="zh-CN" sz="1800" kern="100">
+                        <a:effectLst/>
+                        <a:latin typeface="Calibri" panose="020F0502020204030204"/>
+                        <a:ea typeface="宋体" panose="02010600030101010101" pitchFamily="2" charset="-122"/>
+                        <a:cs typeface="Times New Roman" panose="02020603050405020304"/>
+                      </a:endParaRPr>
                     </a:p>
                   </a:txBody>
                   <a:tcPr marL="68580" marR="68580" marT="0" marB="0" anchor="ctr">
@@ -6927,17 +6962,17 @@
                       <a:r>
                         <a:rPr lang="en-US" sz="1800" kern="100">
                           <a:effectLst/>
-                          <a:latin typeface="Calibri"/>
-                          <a:ea typeface="宋体"/>
-                          <a:cs typeface="Times New Roman"/>
+                          <a:latin typeface="Calibri" panose="020F0502020204030204"/>
+                          <a:ea typeface="宋体" panose="02010600030101010101" pitchFamily="2" charset="-122"/>
+                          <a:cs typeface="Times New Roman" panose="02020603050405020304"/>
                         </a:rPr>
                         <a:t>31501391@stu.zucc.edu.cn</a:t>
                       </a:r>
                       <a:endParaRPr lang="zh-CN" sz="1800" kern="100">
                         <a:effectLst/>
-                        <a:latin typeface="Calibri"/>
-                        <a:ea typeface="宋体"/>
-                        <a:cs typeface="Times New Roman"/>
+                        <a:latin typeface="Calibri" panose="020F0502020204030204"/>
+                        <a:ea typeface="宋体" panose="02010600030101010101" pitchFamily="2" charset="-122"/>
+                        <a:cs typeface="Times New Roman" panose="02020603050405020304"/>
                       </a:endParaRPr>
                     </a:p>
                   </a:txBody>
@@ -6993,26 +7028,26 @@
                       <a:r>
                         <a:rPr lang="zh-CN" sz="1800" kern="100" dirty="0">
                           <a:effectLst/>
-                          <a:latin typeface="Calibri"/>
-                          <a:ea typeface="宋体"/>
-                          <a:cs typeface="Times New Roman"/>
+                          <a:latin typeface="Calibri" panose="020F0502020204030204"/>
+                          <a:ea typeface="宋体" panose="02010600030101010101" pitchFamily="2" charset="-122"/>
+                          <a:cs typeface="Times New Roman" panose="02020603050405020304"/>
                         </a:rPr>
                         <a:t>问源</a:t>
                       </a:r>
                       <a:r>
                         <a:rPr lang="en-US" sz="1800" kern="100" dirty="0">
                           <a:effectLst/>
-                          <a:latin typeface="Calibri"/>
-                          <a:ea typeface="宋体"/>
-                          <a:cs typeface="Times New Roman"/>
+                          <a:latin typeface="Calibri" panose="020F0502020204030204"/>
+                          <a:ea typeface="宋体" panose="02010600030101010101" pitchFamily="2" charset="-122"/>
+                          <a:cs typeface="Times New Roman" panose="02020603050405020304"/>
                         </a:rPr>
                         <a:t>1-646</a:t>
                       </a:r>
                       <a:endParaRPr lang="zh-CN" sz="1800" kern="100" dirty="0">
                         <a:effectLst/>
-                        <a:latin typeface="Calibri"/>
-                        <a:ea typeface="宋体"/>
-                        <a:cs typeface="Times New Roman"/>
+                        <a:latin typeface="Calibri" panose="020F0502020204030204"/>
+                        <a:ea typeface="宋体" panose="02010600030101010101" pitchFamily="2" charset="-122"/>
+                        <a:cs typeface="Times New Roman" panose="02020603050405020304"/>
                       </a:endParaRPr>
                     </a:p>
                   </a:txBody>
@@ -7068,12 +7103,18 @@
                       <a:r>
                         <a:rPr lang="zh-CN" sz="1800" kern="100">
                           <a:effectLst/>
-                          <a:latin typeface="Calibri"/>
-                          <a:ea typeface="宋体"/>
-                          <a:cs typeface="Times New Roman"/>
+                          <a:latin typeface="Calibri" panose="020F0502020204030204"/>
+                          <a:ea typeface="宋体" panose="02010600030101010101" pitchFamily="2" charset="-122"/>
+                          <a:cs typeface="Times New Roman" panose="02020603050405020304"/>
                         </a:rPr>
                         <a:t>软件课程专业学生以及需求课程助教</a:t>
                       </a:r>
+                      <a:endParaRPr lang="zh-CN" sz="1800" kern="100">
+                        <a:effectLst/>
+                        <a:latin typeface="Calibri" panose="020F0502020204030204"/>
+                        <a:ea typeface="宋体" panose="02010600030101010101" pitchFamily="2" charset="-122"/>
+                        <a:cs typeface="Times New Roman" panose="02020603050405020304"/>
+                      </a:endParaRPr>
                     </a:p>
                   </a:txBody>
                   <a:tcPr marL="68580" marR="68580" marT="0" marB="0">
@@ -7130,12 +7171,18 @@
                       <a:r>
                         <a:rPr lang="zh-CN" sz="1800" kern="100">
                           <a:effectLst/>
-                          <a:latin typeface="Calibri"/>
-                          <a:ea typeface="宋体"/>
-                          <a:cs typeface="Times New Roman"/>
+                          <a:latin typeface="Calibri" panose="020F0502020204030204"/>
+                          <a:ea typeface="宋体" panose="02010600030101010101" pitchFamily="2" charset="-122"/>
+                          <a:cs typeface="Times New Roman" panose="02020603050405020304"/>
                         </a:rPr>
                         <a:t>管理员用户代表</a:t>
                       </a:r>
+                      <a:endParaRPr lang="zh-CN" sz="1800" kern="100">
+                        <a:effectLst/>
+                        <a:latin typeface="Calibri" panose="020F0502020204030204"/>
+                        <a:ea typeface="宋体" panose="02010600030101010101" pitchFamily="2" charset="-122"/>
+                        <a:cs typeface="Times New Roman" panose="02020603050405020304"/>
+                      </a:endParaRPr>
                     </a:p>
                   </a:txBody>
                   <a:tcPr marL="68580" marR="68580" marT="0" marB="0" anchor="ctr">
@@ -7193,12 +7240,18 @@
                       <a:r>
                         <a:rPr lang="zh-CN" sz="1800" kern="100">
                           <a:effectLst/>
-                          <a:latin typeface="Calibri"/>
-                          <a:ea typeface="宋体"/>
-                          <a:cs typeface="Times New Roman"/>
+                          <a:latin typeface="Calibri" panose="020F0502020204030204"/>
+                          <a:ea typeface="宋体" panose="02010600030101010101" pitchFamily="2" charset="-122"/>
+                          <a:cs typeface="Times New Roman" panose="02020603050405020304"/>
                         </a:rPr>
                         <a:t>黄为波</a:t>
                       </a:r>
+                      <a:endParaRPr lang="zh-CN" sz="1800" kern="100">
+                        <a:effectLst/>
+                        <a:latin typeface="Calibri" panose="020F0502020204030204"/>
+                        <a:ea typeface="宋体" panose="02010600030101010101" pitchFamily="2" charset="-122"/>
+                        <a:cs typeface="Times New Roman" panose="02020603050405020304"/>
+                      </a:endParaRPr>
                     </a:p>
                   </a:txBody>
                   <a:tcPr marL="68580" marR="68580" marT="0" marB="0" anchor="ctr">
@@ -7256,17 +7309,17 @@
                       <a:r>
                         <a:rPr lang="en-US" sz="1800" kern="100">
                           <a:effectLst/>
-                          <a:latin typeface="Calibri"/>
-                          <a:ea typeface="宋体"/>
-                          <a:cs typeface="Times New Roman"/>
+                          <a:latin typeface="Calibri" panose="020F0502020204030204"/>
+                          <a:ea typeface="宋体" panose="02010600030101010101" pitchFamily="2" charset="-122"/>
+                          <a:cs typeface="Times New Roman" panose="02020603050405020304"/>
                         </a:rPr>
                         <a:t>/</a:t>
                       </a:r>
                       <a:endParaRPr lang="zh-CN" sz="1800" kern="100">
                         <a:effectLst/>
-                        <a:latin typeface="Calibri"/>
-                        <a:ea typeface="宋体"/>
-                        <a:cs typeface="Times New Roman"/>
+                        <a:latin typeface="Calibri" panose="020F0502020204030204"/>
+                        <a:ea typeface="宋体" panose="02010600030101010101" pitchFamily="2" charset="-122"/>
+                        <a:cs typeface="Times New Roman" panose="02020603050405020304"/>
                       </a:endParaRPr>
                     </a:p>
                   </a:txBody>
@@ -7322,17 +7375,17 @@
                       <a:r>
                         <a:rPr lang="en-US" sz="1800" kern="100" dirty="0">
                           <a:effectLst/>
-                          <a:latin typeface="Calibri"/>
-                          <a:ea typeface="宋体"/>
-                          <a:cs typeface="Times New Roman"/>
+                          <a:latin typeface="Calibri" panose="020F0502020204030204"/>
+                          <a:ea typeface="宋体" panose="02010600030101010101" pitchFamily="2" charset="-122"/>
+                          <a:cs typeface="Times New Roman" panose="02020603050405020304"/>
                         </a:rPr>
                         <a:t>/</a:t>
                       </a:r>
                       <a:endParaRPr lang="zh-CN" sz="1800" kern="100" dirty="0">
                         <a:effectLst/>
-                        <a:latin typeface="Calibri"/>
-                        <a:ea typeface="宋体"/>
-                        <a:cs typeface="Times New Roman"/>
+                        <a:latin typeface="Calibri" panose="020F0502020204030204"/>
+                        <a:ea typeface="宋体" panose="02010600030101010101" pitchFamily="2" charset="-122"/>
+                        <a:cs typeface="Times New Roman" panose="02020603050405020304"/>
                       </a:endParaRPr>
                     </a:p>
                   </a:txBody>
@@ -7388,12 +7441,18 @@
                       <a:r>
                         <a:rPr lang="zh-CN" sz="1800" kern="100">
                           <a:effectLst/>
-                          <a:latin typeface="Calibri"/>
-                          <a:ea typeface="宋体"/>
-                          <a:cs typeface="Times New Roman"/>
+                          <a:latin typeface="Calibri" panose="020F0502020204030204"/>
+                          <a:ea typeface="宋体" panose="02010600030101010101" pitchFamily="2" charset="-122"/>
+                          <a:cs typeface="Times New Roman" panose="02020603050405020304"/>
                         </a:rPr>
                         <a:t>管理员用户代表</a:t>
                       </a:r>
+                      <a:endParaRPr lang="zh-CN" sz="1800" kern="100">
+                        <a:effectLst/>
+                        <a:latin typeface="Calibri" panose="020F0502020204030204"/>
+                        <a:ea typeface="宋体" panose="02010600030101010101" pitchFamily="2" charset="-122"/>
+                        <a:cs typeface="Times New Roman" panose="02020603050405020304"/>
+                      </a:endParaRPr>
                     </a:p>
                   </a:txBody>
                   <a:tcPr marL="68580" marR="68580" marT="0" marB="0">
@@ -7450,12 +7509,18 @@
                       <a:r>
                         <a:rPr lang="zh-CN" sz="1800" kern="100">
                           <a:effectLst/>
-                          <a:latin typeface="Calibri"/>
-                          <a:ea typeface="宋体"/>
-                          <a:cs typeface="Times New Roman"/>
+                          <a:latin typeface="Calibri" panose="020F0502020204030204"/>
+                          <a:ea typeface="宋体" panose="02010600030101010101" pitchFamily="2" charset="-122"/>
+                          <a:cs typeface="Times New Roman" panose="02020603050405020304"/>
                         </a:rPr>
                         <a:t>学生用户代表</a:t>
                       </a:r>
+                      <a:endParaRPr lang="zh-CN" sz="1800" kern="100">
+                        <a:effectLst/>
+                        <a:latin typeface="Calibri" panose="020F0502020204030204"/>
+                        <a:ea typeface="宋体" panose="02010600030101010101" pitchFamily="2" charset="-122"/>
+                        <a:cs typeface="Times New Roman" panose="02020603050405020304"/>
+                      </a:endParaRPr>
                     </a:p>
                   </a:txBody>
                   <a:tcPr marL="68580" marR="68580" marT="0" marB="0" anchor="ctr">
@@ -7513,12 +7578,18 @@
                       <a:r>
                         <a:rPr lang="zh-CN" sz="1800" kern="100">
                           <a:effectLst/>
-                          <a:latin typeface="Calibri"/>
-                          <a:ea typeface="宋体"/>
-                          <a:cs typeface="Times New Roman"/>
+                          <a:latin typeface="Calibri" panose="020F0502020204030204"/>
+                          <a:ea typeface="宋体" panose="02010600030101010101" pitchFamily="2" charset="-122"/>
+                          <a:cs typeface="Times New Roman" panose="02020603050405020304"/>
                         </a:rPr>
                         <a:t>黄为波</a:t>
                       </a:r>
+                      <a:endParaRPr lang="zh-CN" sz="1800" kern="100">
+                        <a:effectLst/>
+                        <a:latin typeface="Calibri" panose="020F0502020204030204"/>
+                        <a:ea typeface="宋体" panose="02010600030101010101" pitchFamily="2" charset="-122"/>
+                        <a:cs typeface="Times New Roman" panose="02020603050405020304"/>
+                      </a:endParaRPr>
                     </a:p>
                   </a:txBody>
                   <a:tcPr marL="68580" marR="68580" marT="0" marB="0" anchor="ctr">
@@ -7576,17 +7647,17 @@
                       <a:r>
                         <a:rPr lang="en-US" sz="1800" kern="100">
                           <a:effectLst/>
-                          <a:latin typeface="Calibri"/>
-                          <a:ea typeface="宋体"/>
-                          <a:cs typeface="Times New Roman"/>
+                          <a:latin typeface="Calibri" panose="020F0502020204030204"/>
+                          <a:ea typeface="宋体" panose="02010600030101010101" pitchFamily="2" charset="-122"/>
+                          <a:cs typeface="Times New Roman" panose="02020603050405020304"/>
                         </a:rPr>
                         <a:t>/</a:t>
                       </a:r>
                       <a:endParaRPr lang="zh-CN" sz="1800" kern="100">
                         <a:effectLst/>
-                        <a:latin typeface="Calibri"/>
-                        <a:ea typeface="宋体"/>
-                        <a:cs typeface="Times New Roman"/>
+                        <a:latin typeface="Calibri" panose="020F0502020204030204"/>
+                        <a:ea typeface="宋体" panose="02010600030101010101" pitchFamily="2" charset="-122"/>
+                        <a:cs typeface="Times New Roman" panose="02020603050405020304"/>
                       </a:endParaRPr>
                     </a:p>
                   </a:txBody>
@@ -7642,17 +7713,17 @@
                       <a:r>
                         <a:rPr lang="en-US" sz="1800" kern="100" dirty="0">
                           <a:effectLst/>
-                          <a:latin typeface="Calibri"/>
-                          <a:ea typeface="宋体"/>
-                          <a:cs typeface="Times New Roman"/>
+                          <a:latin typeface="Calibri" panose="020F0502020204030204"/>
+                          <a:ea typeface="宋体" panose="02010600030101010101" pitchFamily="2" charset="-122"/>
+                          <a:cs typeface="Times New Roman" panose="02020603050405020304"/>
                         </a:rPr>
                         <a:t>/</a:t>
                       </a:r>
                       <a:endParaRPr lang="zh-CN" sz="1800" kern="100" dirty="0">
                         <a:effectLst/>
-                        <a:latin typeface="Calibri"/>
-                        <a:ea typeface="宋体"/>
-                        <a:cs typeface="Times New Roman"/>
+                        <a:latin typeface="Calibri" panose="020F0502020204030204"/>
+                        <a:ea typeface="宋体" panose="02010600030101010101" pitchFamily="2" charset="-122"/>
+                        <a:cs typeface="Times New Roman" panose="02020603050405020304"/>
                       </a:endParaRPr>
                     </a:p>
                   </a:txBody>
@@ -7708,12 +7779,18 @@
                       <a:r>
                         <a:rPr lang="zh-CN" sz="1800" kern="100">
                           <a:effectLst/>
-                          <a:latin typeface="Calibri"/>
-                          <a:ea typeface="宋体"/>
-                          <a:cs typeface="Times New Roman"/>
+                          <a:latin typeface="Calibri" panose="020F0502020204030204"/>
+                          <a:ea typeface="宋体" panose="02010600030101010101" pitchFamily="2" charset="-122"/>
+                          <a:cs typeface="Times New Roman" panose="02020603050405020304"/>
                         </a:rPr>
                         <a:t>学生用户代表</a:t>
                       </a:r>
+                      <a:endParaRPr lang="zh-CN" sz="1800" kern="100">
+                        <a:effectLst/>
+                        <a:latin typeface="Calibri" panose="020F0502020204030204"/>
+                        <a:ea typeface="宋体" panose="02010600030101010101" pitchFamily="2" charset="-122"/>
+                        <a:cs typeface="Times New Roman" panose="02020603050405020304"/>
+                      </a:endParaRPr>
                     </a:p>
                   </a:txBody>
                   <a:tcPr marL="68580" marR="68580" marT="0" marB="0">
@@ -7770,12 +7847,18 @@
                       <a:r>
                         <a:rPr lang="zh-CN" sz="1800" kern="100">
                           <a:effectLst/>
-                          <a:latin typeface="Calibri"/>
-                          <a:ea typeface="宋体"/>
-                          <a:cs typeface="Times New Roman"/>
+                          <a:latin typeface="Calibri" panose="020F0502020204030204"/>
+                          <a:ea typeface="宋体" panose="02010600030101010101" pitchFamily="2" charset="-122"/>
+                          <a:cs typeface="Times New Roman" panose="02020603050405020304"/>
                         </a:rPr>
                         <a:t>游客用户代表</a:t>
                       </a:r>
+                      <a:endParaRPr lang="zh-CN" sz="1800" kern="100">
+                        <a:effectLst/>
+                        <a:latin typeface="Calibri" panose="020F0502020204030204"/>
+                        <a:ea typeface="宋体" panose="02010600030101010101" pitchFamily="2" charset="-122"/>
+                        <a:cs typeface="Times New Roman" panose="02020603050405020304"/>
+                      </a:endParaRPr>
                     </a:p>
                   </a:txBody>
                   <a:tcPr marL="68580" marR="68580" marT="0" marB="0" anchor="ctr">
@@ -7833,12 +7916,18 @@
                       <a:r>
                         <a:rPr lang="zh-CN" sz="1800" kern="100">
                           <a:effectLst/>
-                          <a:latin typeface="Calibri"/>
-                          <a:ea typeface="宋体"/>
-                          <a:cs typeface="Times New Roman"/>
+                          <a:latin typeface="Calibri" panose="020F0502020204030204"/>
+                          <a:ea typeface="宋体" panose="02010600030101010101" pitchFamily="2" charset="-122"/>
+                          <a:cs typeface="Times New Roman" panose="02020603050405020304"/>
                         </a:rPr>
                         <a:t>蔡峰</a:t>
                       </a:r>
+                      <a:endParaRPr lang="zh-CN" sz="1800" kern="100">
+                        <a:effectLst/>
+                        <a:latin typeface="Calibri" panose="020F0502020204030204"/>
+                        <a:ea typeface="宋体" panose="02010600030101010101" pitchFamily="2" charset="-122"/>
+                        <a:cs typeface="Times New Roman" panose="02020603050405020304"/>
+                      </a:endParaRPr>
                     </a:p>
                   </a:txBody>
                   <a:tcPr marL="68580" marR="68580" marT="0" marB="0" anchor="ctr">
@@ -7896,17 +7985,17 @@
                       <a:r>
                         <a:rPr lang="en-US" sz="1800" kern="100">
                           <a:effectLst/>
-                          <a:latin typeface="Calibri"/>
-                          <a:ea typeface="宋体"/>
-                          <a:cs typeface="Times New Roman"/>
+                          <a:latin typeface="Calibri" panose="020F0502020204030204"/>
+                          <a:ea typeface="宋体" panose="02010600030101010101" pitchFamily="2" charset="-122"/>
+                          <a:cs typeface="Times New Roman" panose="02020603050405020304"/>
                         </a:rPr>
                         <a:t>/</a:t>
                       </a:r>
                       <a:endParaRPr lang="zh-CN" sz="1800" kern="100">
                         <a:effectLst/>
-                        <a:latin typeface="Calibri"/>
-                        <a:ea typeface="宋体"/>
-                        <a:cs typeface="Times New Roman"/>
+                        <a:latin typeface="Calibri" panose="020F0502020204030204"/>
+                        <a:ea typeface="宋体" panose="02010600030101010101" pitchFamily="2" charset="-122"/>
+                        <a:cs typeface="Times New Roman" panose="02020603050405020304"/>
                       </a:endParaRPr>
                     </a:p>
                   </a:txBody>
@@ -7962,17 +8051,17 @@
                       <a:r>
                         <a:rPr lang="en-US" sz="1800" kern="100" dirty="0">
                           <a:effectLst/>
-                          <a:latin typeface="Calibri"/>
-                          <a:ea typeface="宋体"/>
-                          <a:cs typeface="Times New Roman"/>
+                          <a:latin typeface="Calibri" panose="020F0502020204030204"/>
+                          <a:ea typeface="宋体" panose="02010600030101010101" pitchFamily="2" charset="-122"/>
+                          <a:cs typeface="Times New Roman" panose="02020603050405020304"/>
                         </a:rPr>
                         <a:t>/</a:t>
                       </a:r>
                       <a:endParaRPr lang="zh-CN" sz="1800" kern="100" dirty="0">
                         <a:effectLst/>
-                        <a:latin typeface="Calibri"/>
-                        <a:ea typeface="宋体"/>
-                        <a:cs typeface="Times New Roman"/>
+                        <a:latin typeface="Calibri" panose="020F0502020204030204"/>
+                        <a:ea typeface="宋体" panose="02010600030101010101" pitchFamily="2" charset="-122"/>
+                        <a:cs typeface="Times New Roman" panose="02020603050405020304"/>
                       </a:endParaRPr>
                     </a:p>
                   </a:txBody>
@@ -8028,12 +8117,18 @@
                       <a:r>
                         <a:rPr lang="zh-CN" sz="1800" kern="100" dirty="0">
                           <a:effectLst/>
-                          <a:latin typeface="Calibri"/>
-                          <a:ea typeface="宋体"/>
-                          <a:cs typeface="Times New Roman"/>
+                          <a:latin typeface="Calibri" panose="020F0502020204030204"/>
+                          <a:ea typeface="宋体" panose="02010600030101010101" pitchFamily="2" charset="-122"/>
+                          <a:cs typeface="Times New Roman" panose="02020603050405020304"/>
                         </a:rPr>
                         <a:t>游客用户代表</a:t>
                       </a:r>
+                      <a:endParaRPr lang="zh-CN" sz="1800" kern="100" dirty="0">
+                        <a:effectLst/>
+                        <a:latin typeface="Calibri" panose="020F0502020204030204"/>
+                        <a:ea typeface="宋体" panose="02010600030101010101" pitchFamily="2" charset="-122"/>
+                        <a:cs typeface="Times New Roman" panose="02020603050405020304"/>
+                      </a:endParaRPr>
                     </a:p>
                   </a:txBody>
                   <a:tcPr marL="68580" marR="68580" marT="0" marB="0">
@@ -8207,6 +8302,7 @@
               <a:rPr lang="en-US" sz="2400" dirty="0"/>
               <a:t>4</a:t>
             </a:r>
+            <a:endParaRPr lang="en-US" sz="2400" dirty="0"/>
           </a:p>
         </p:txBody>
       </p:sp>
@@ -8288,6 +8384,7 @@
               <a:rPr lang="zh-CN" altLang="zh-CN" sz="2400" b="1" dirty="0"/>
               <a:t>正式沟通计划</a:t>
             </a:r>
+            <a:endParaRPr lang="zh-CN" altLang="zh-CN" sz="2400" b="1" dirty="0"/>
           </a:p>
         </p:txBody>
       </p:sp>
@@ -8317,6 +8414,7 @@
               <a:rPr lang="zh-CN" altLang="zh-CN" sz="2400" b="1" dirty="0"/>
               <a:t>非正式沟通计划</a:t>
             </a:r>
+            <a:endParaRPr lang="zh-CN" altLang="zh-CN" sz="2400" b="1" dirty="0"/>
           </a:p>
         </p:txBody>
       </p:sp>
@@ -8324,13 +8422,7 @@
         <p:nvGraphicFramePr>
           <p:cNvPr id="10" name="表格 9"/>
           <p:cNvGraphicFramePr/>
-          <p:nvPr>
-            <p:extLst>
-              <p:ext uri="{D42A27DB-BD31-4B8C-83A1-F6EECF244321}">
-                <p14:modId xmlns:p14="http://schemas.microsoft.com/office/powerpoint/2010/main" val="1358740422"/>
-              </p:ext>
-            </p:extLst>
-          </p:nvPr>
+          <p:nvPr/>
         </p:nvGraphicFramePr>
         <p:xfrm>
           <a:off x="2025650" y="4842753"/>
@@ -8343,48 +8435,12 @@
                 <a:tableStyleId>{5940675A-B579-460E-94D1-54222C63F5DA}</a:tableStyleId>
               </a:tblPr>
               <a:tblGrid>
-                <a:gridCol w="1148715">
-                  <a:extLst>
-                    <a:ext uri="{9D8B030D-6E8A-4147-A177-3AD203B41FA5}">
-                      <a16:colId xmlns:a16="http://schemas.microsoft.com/office/drawing/2014/main" xmlns="" val="20000"/>
-                    </a:ext>
-                  </a:extLst>
-                </a:gridCol>
-                <a:gridCol w="1168400">
-                  <a:extLst>
-                    <a:ext uri="{9D8B030D-6E8A-4147-A177-3AD203B41FA5}">
-                      <a16:colId xmlns:a16="http://schemas.microsoft.com/office/drawing/2014/main" xmlns="" val="20001"/>
-                    </a:ext>
-                  </a:extLst>
-                </a:gridCol>
-                <a:gridCol w="1212215">
-                  <a:extLst>
-                    <a:ext uri="{9D8B030D-6E8A-4147-A177-3AD203B41FA5}">
-                      <a16:colId xmlns:a16="http://schemas.microsoft.com/office/drawing/2014/main" xmlns="" val="20002"/>
-                    </a:ext>
-                  </a:extLst>
-                </a:gridCol>
-                <a:gridCol w="1200785">
-                  <a:extLst>
-                    <a:ext uri="{9D8B030D-6E8A-4147-A177-3AD203B41FA5}">
-                      <a16:colId xmlns:a16="http://schemas.microsoft.com/office/drawing/2014/main" xmlns="" val="20003"/>
-                    </a:ext>
-                  </a:extLst>
-                </a:gridCol>
-                <a:gridCol w="1147445">
-                  <a:extLst>
-                    <a:ext uri="{9D8B030D-6E8A-4147-A177-3AD203B41FA5}">
-                      <a16:colId xmlns:a16="http://schemas.microsoft.com/office/drawing/2014/main" xmlns="" val="20004"/>
-                    </a:ext>
-                  </a:extLst>
-                </a:gridCol>
-                <a:gridCol w="1110615">
-                  <a:extLst>
-                    <a:ext uri="{9D8B030D-6E8A-4147-A177-3AD203B41FA5}">
-                      <a16:colId xmlns:a16="http://schemas.microsoft.com/office/drawing/2014/main" xmlns="" val="20005"/>
-                    </a:ext>
-                  </a:extLst>
-                </a:gridCol>
+                <a:gridCol w="1148715"/>
+                <a:gridCol w="1168400"/>
+                <a:gridCol w="1212215"/>
+                <a:gridCol w="1200785"/>
+                <a:gridCol w="1147445"/>
+                <a:gridCol w="1110615"/>
               </a:tblGrid>
               <a:tr h="398780">
                 <a:tc>
@@ -8789,11 +8845,6 @@
                     </a:solidFill>
                   </a:tcPr>
                 </a:tc>
-                <a:extLst>
-                  <a:ext uri="{0D108BD9-81ED-4DB2-BD59-A6C34878D82A}">
-                    <a16:rowId xmlns:a16="http://schemas.microsoft.com/office/drawing/2014/main" xmlns="" val="10000"/>
-                  </a:ext>
-                </a:extLst>
               </a:tr>
               <a:tr h="398145">
                 <a:tc>
@@ -9186,11 +9237,6 @@
                     <a:noFill/>
                   </a:tcPr>
                 </a:tc>
-                <a:extLst>
-                  <a:ext uri="{0D108BD9-81ED-4DB2-BD59-A6C34878D82A}">
-                    <a16:rowId xmlns:a16="http://schemas.microsoft.com/office/drawing/2014/main" xmlns="" val="10001"/>
-                  </a:ext>
-                </a:extLst>
               </a:tr>
               <a:tr h="398780">
                 <a:tc>
@@ -9583,11 +9629,6 @@
                     <a:noFill/>
                   </a:tcPr>
                 </a:tc>
-                <a:extLst>
-                  <a:ext uri="{0D108BD9-81ED-4DB2-BD59-A6C34878D82A}">
-                    <a16:rowId xmlns:a16="http://schemas.microsoft.com/office/drawing/2014/main" xmlns="" val="10002"/>
-                  </a:ext>
-                </a:extLst>
               </a:tr>
               <a:tr h="459983">
                 <a:tc>
@@ -10002,11 +10043,6 @@
                     <a:noFill/>
                   </a:tcPr>
                 </a:tc>
-                <a:extLst>
-                  <a:ext uri="{0D108BD9-81ED-4DB2-BD59-A6C34878D82A}">
-                    <a16:rowId xmlns:a16="http://schemas.microsoft.com/office/drawing/2014/main" xmlns="" val="10003"/>
-                  </a:ext>
-                </a:extLst>
               </a:tr>
             </a:tbl>
           </a:graphicData>
@@ -10018,13 +10054,7 @@
           <p:cNvGraphicFramePr>
             <a:graphicFrameLocks noGrp="1"/>
           </p:cNvGraphicFramePr>
-          <p:nvPr>
-            <p:extLst>
-              <p:ext uri="{D42A27DB-BD31-4B8C-83A1-F6EECF244321}">
-                <p14:modId xmlns:p14="http://schemas.microsoft.com/office/powerpoint/2010/main" val="3326409253"/>
-              </p:ext>
-            </p:extLst>
-          </p:nvPr>
+          <p:nvPr/>
         </p:nvGraphicFramePr>
         <p:xfrm>
           <a:off x="1881004" y="1485578"/>
@@ -10056,17 +10086,17 @@
                       <a:r>
                         <a:rPr lang="zh-CN" sz="1400" b="1" kern="100" dirty="0">
                           <a:effectLst/>
-                          <a:latin typeface="Calibri"/>
-                          <a:ea typeface="宋体"/>
-                          <a:cs typeface="Times New Roman"/>
+                          <a:latin typeface="Calibri" panose="020F0502020204030204"/>
+                          <a:ea typeface="宋体" panose="02010600030101010101" pitchFamily="2" charset="-122"/>
+                          <a:cs typeface="Times New Roman" panose="02020603050405020304"/>
                         </a:rPr>
                         <a:t>沟通计划</a:t>
                       </a:r>
                       <a:endParaRPr lang="zh-CN" sz="1400" kern="100" dirty="0">
                         <a:effectLst/>
-                        <a:latin typeface="Calibri"/>
-                        <a:ea typeface="宋体"/>
-                        <a:cs typeface="Times New Roman"/>
+                        <a:latin typeface="Calibri" panose="020F0502020204030204"/>
+                        <a:ea typeface="宋体" panose="02010600030101010101" pitchFamily="2" charset="-122"/>
+                        <a:cs typeface="Times New Roman" panose="02020603050405020304"/>
                       </a:endParaRPr>
                     </a:p>
                   </a:txBody>
@@ -10125,17 +10155,17 @@
                       <a:r>
                         <a:rPr lang="zh-CN" sz="1400" b="1" kern="100">
                           <a:effectLst/>
-                          <a:latin typeface="Calibri"/>
-                          <a:ea typeface="宋体"/>
-                          <a:cs typeface="Times New Roman"/>
+                          <a:latin typeface="Calibri" panose="020F0502020204030204"/>
+                          <a:ea typeface="宋体" panose="02010600030101010101" pitchFamily="2" charset="-122"/>
+                          <a:cs typeface="Times New Roman" panose="02020603050405020304"/>
                         </a:rPr>
                         <a:t>沟通方式</a:t>
                       </a:r>
                       <a:endParaRPr lang="zh-CN" sz="1400" kern="100">
                         <a:effectLst/>
-                        <a:latin typeface="Calibri"/>
-                        <a:ea typeface="宋体"/>
-                        <a:cs typeface="Times New Roman"/>
+                        <a:latin typeface="Calibri" panose="020F0502020204030204"/>
+                        <a:ea typeface="宋体" panose="02010600030101010101" pitchFamily="2" charset="-122"/>
+                        <a:cs typeface="Times New Roman" panose="02020603050405020304"/>
                       </a:endParaRPr>
                     </a:p>
                   </a:txBody>
@@ -10194,17 +10224,17 @@
                       <a:r>
                         <a:rPr lang="zh-CN" sz="1400" b="1" kern="100">
                           <a:effectLst/>
-                          <a:latin typeface="Calibri"/>
-                          <a:ea typeface="宋体"/>
-                          <a:cs typeface="Times New Roman"/>
+                          <a:latin typeface="Calibri" panose="020F0502020204030204"/>
+                          <a:ea typeface="宋体" panose="02010600030101010101" pitchFamily="2" charset="-122"/>
+                          <a:cs typeface="Times New Roman" panose="02020603050405020304"/>
                         </a:rPr>
                         <a:t>沟通地点</a:t>
                       </a:r>
                       <a:endParaRPr lang="zh-CN" sz="1400" kern="100">
                         <a:effectLst/>
-                        <a:latin typeface="Calibri"/>
-                        <a:ea typeface="宋体"/>
-                        <a:cs typeface="Times New Roman"/>
+                        <a:latin typeface="Calibri" panose="020F0502020204030204"/>
+                        <a:ea typeface="宋体" panose="02010600030101010101" pitchFamily="2" charset="-122"/>
+                        <a:cs typeface="Times New Roman" panose="02020603050405020304"/>
                       </a:endParaRPr>
                     </a:p>
                   </a:txBody>
@@ -10263,17 +10293,17 @@
                       <a:r>
                         <a:rPr lang="zh-CN" sz="1400" b="1" kern="100">
                           <a:effectLst/>
-                          <a:latin typeface="Calibri"/>
-                          <a:ea typeface="宋体"/>
-                          <a:cs typeface="Times New Roman"/>
+                          <a:latin typeface="Calibri" panose="020F0502020204030204"/>
+                          <a:ea typeface="宋体" panose="02010600030101010101" pitchFamily="2" charset="-122"/>
+                          <a:cs typeface="Times New Roman" panose="02020603050405020304"/>
                         </a:rPr>
                         <a:t>沟通时间</a:t>
                       </a:r>
                       <a:endParaRPr lang="zh-CN" sz="1400" kern="100">
                         <a:effectLst/>
-                        <a:latin typeface="Calibri"/>
-                        <a:ea typeface="宋体"/>
-                        <a:cs typeface="Times New Roman"/>
+                        <a:latin typeface="Calibri" panose="020F0502020204030204"/>
+                        <a:ea typeface="宋体" panose="02010600030101010101" pitchFamily="2" charset="-122"/>
+                        <a:cs typeface="Times New Roman" panose="02020603050405020304"/>
                       </a:endParaRPr>
                     </a:p>
                   </a:txBody>
@@ -10332,17 +10362,17 @@
                       <a:r>
                         <a:rPr lang="zh-CN" sz="1400" b="1" kern="100">
                           <a:effectLst/>
-                          <a:latin typeface="Calibri"/>
-                          <a:ea typeface="宋体"/>
-                          <a:cs typeface="Times New Roman"/>
+                          <a:latin typeface="Calibri" panose="020F0502020204030204"/>
+                          <a:ea typeface="宋体" panose="02010600030101010101" pitchFamily="2" charset="-122"/>
+                          <a:cs typeface="Times New Roman" panose="02020603050405020304"/>
                         </a:rPr>
                         <a:t>参与人员</a:t>
                       </a:r>
                       <a:endParaRPr lang="zh-CN" sz="1400" kern="100">
                         <a:effectLst/>
-                        <a:latin typeface="Calibri"/>
-                        <a:ea typeface="宋体"/>
-                        <a:cs typeface="Times New Roman"/>
+                        <a:latin typeface="Calibri" panose="020F0502020204030204"/>
+                        <a:ea typeface="宋体" panose="02010600030101010101" pitchFamily="2" charset="-122"/>
+                        <a:cs typeface="Times New Roman" panose="02020603050405020304"/>
                       </a:endParaRPr>
                     </a:p>
                   </a:txBody>
@@ -10401,17 +10431,17 @@
                       <a:r>
                         <a:rPr lang="zh-CN" sz="1400" b="1" kern="100">
                           <a:effectLst/>
-                          <a:latin typeface="Calibri"/>
-                          <a:ea typeface="宋体"/>
-                          <a:cs typeface="Times New Roman"/>
+                          <a:latin typeface="Calibri" panose="020F0502020204030204"/>
+                          <a:ea typeface="宋体" panose="02010600030101010101" pitchFamily="2" charset="-122"/>
+                          <a:cs typeface="Times New Roman" panose="02020603050405020304"/>
                         </a:rPr>
                         <a:t>产出</a:t>
                       </a:r>
                       <a:endParaRPr lang="zh-CN" sz="1400" kern="100">
                         <a:effectLst/>
-                        <a:latin typeface="Calibri"/>
-                        <a:ea typeface="宋体"/>
-                        <a:cs typeface="Times New Roman"/>
+                        <a:latin typeface="Calibri" panose="020F0502020204030204"/>
+                        <a:ea typeface="宋体" panose="02010600030101010101" pitchFamily="2" charset="-122"/>
+                        <a:cs typeface="Times New Roman" panose="02020603050405020304"/>
                       </a:endParaRPr>
                     </a:p>
                   </a:txBody>
@@ -10472,12 +10502,18 @@
                       <a:r>
                         <a:rPr lang="zh-CN" sz="1400" kern="100" dirty="0">
                           <a:effectLst/>
-                          <a:latin typeface="Calibri"/>
-                          <a:ea typeface="宋体"/>
-                          <a:cs typeface="Times New Roman"/>
+                          <a:latin typeface="Calibri" panose="020F0502020204030204"/>
+                          <a:ea typeface="宋体" panose="02010600030101010101" pitchFamily="2" charset="-122"/>
+                          <a:cs typeface="Times New Roman" panose="02020603050405020304"/>
                         </a:rPr>
                         <a:t>周常会议</a:t>
                       </a:r>
+                      <a:endParaRPr lang="zh-CN" sz="1400" kern="100" dirty="0">
+                        <a:effectLst/>
+                        <a:latin typeface="Calibri" panose="020F0502020204030204"/>
+                        <a:ea typeface="宋体" panose="02010600030101010101" pitchFamily="2" charset="-122"/>
+                        <a:cs typeface="Times New Roman" panose="02020603050405020304"/>
+                      </a:endParaRPr>
                     </a:p>
                   </a:txBody>
                   <a:tcPr marL="68580" marR="68580" marT="0" marB="0">
@@ -10532,12 +10568,18 @@
                       <a:r>
                         <a:rPr lang="zh-CN" sz="1400" kern="100" dirty="0">
                           <a:effectLst/>
-                          <a:latin typeface="Calibri"/>
-                          <a:ea typeface="宋体"/>
-                          <a:cs typeface="Times New Roman"/>
+                          <a:latin typeface="Calibri" panose="020F0502020204030204"/>
+                          <a:ea typeface="宋体" panose="02010600030101010101" pitchFamily="2" charset="-122"/>
+                          <a:cs typeface="Times New Roman" panose="02020603050405020304"/>
                         </a:rPr>
                         <a:t>座谈开会</a:t>
                       </a:r>
+                      <a:endParaRPr lang="zh-CN" sz="1400" kern="100" dirty="0">
+                        <a:effectLst/>
+                        <a:latin typeface="Calibri" panose="020F0502020204030204"/>
+                        <a:ea typeface="宋体" panose="02010600030101010101" pitchFamily="2" charset="-122"/>
+                        <a:cs typeface="Times New Roman" panose="02020603050405020304"/>
+                      </a:endParaRPr>
                     </a:p>
                   </a:txBody>
                   <a:tcPr marL="68580" marR="68580" marT="0" marB="0">
@@ -10592,26 +10634,26 @@
                       <a:r>
                         <a:rPr lang="zh-CN" sz="1400" kern="100" dirty="0">
                           <a:effectLst/>
-                          <a:latin typeface="Calibri"/>
-                          <a:ea typeface="宋体"/>
-                          <a:cs typeface="Times New Roman"/>
+                          <a:latin typeface="Calibri" panose="020F0502020204030204"/>
+                          <a:ea typeface="宋体" panose="02010600030101010101" pitchFamily="2" charset="-122"/>
+                          <a:cs typeface="Times New Roman" panose="02020603050405020304"/>
                         </a:rPr>
                         <a:t>弘毅</a:t>
                       </a:r>
                       <a:r>
                         <a:rPr lang="en-US" sz="1400" kern="100" dirty="0">
                           <a:effectLst/>
-                          <a:latin typeface="Calibri"/>
-                          <a:ea typeface="宋体"/>
-                          <a:cs typeface="Times New Roman"/>
+                          <a:latin typeface="Calibri" panose="020F0502020204030204"/>
+                          <a:ea typeface="宋体" panose="02010600030101010101" pitchFamily="2" charset="-122"/>
+                          <a:cs typeface="Times New Roman" panose="02020603050405020304"/>
                         </a:rPr>
                         <a:t>1-602</a:t>
                       </a:r>
                       <a:endParaRPr lang="zh-CN" sz="1400" kern="100" dirty="0">
                         <a:effectLst/>
-                        <a:latin typeface="Calibri"/>
-                        <a:ea typeface="宋体"/>
-                        <a:cs typeface="Times New Roman"/>
+                        <a:latin typeface="Calibri" panose="020F0502020204030204"/>
+                        <a:ea typeface="宋体" panose="02010600030101010101" pitchFamily="2" charset="-122"/>
+                        <a:cs typeface="Times New Roman" panose="02020603050405020304"/>
                       </a:endParaRPr>
                     </a:p>
                   </a:txBody>
@@ -10667,12 +10709,18 @@
                       <a:r>
                         <a:rPr lang="zh-CN" sz="1400" kern="100">
                           <a:effectLst/>
-                          <a:latin typeface="Calibri"/>
-                          <a:ea typeface="宋体"/>
-                          <a:cs typeface="Times New Roman"/>
+                          <a:latin typeface="Calibri" panose="020F0502020204030204"/>
+                          <a:ea typeface="宋体" panose="02010600030101010101" pitchFamily="2" charset="-122"/>
+                          <a:cs typeface="Times New Roman" panose="02020603050405020304"/>
                         </a:rPr>
                         <a:t>星期五助教任务布置后，小组成员任务完成后的检查</a:t>
                       </a:r>
+                      <a:endParaRPr lang="zh-CN" sz="1400" kern="100">
+                        <a:effectLst/>
+                        <a:latin typeface="Calibri" panose="020F0502020204030204"/>
+                        <a:ea typeface="宋体" panose="02010600030101010101" pitchFamily="2" charset="-122"/>
+                        <a:cs typeface="Times New Roman" panose="02020603050405020304"/>
+                      </a:endParaRPr>
                     </a:p>
                   </a:txBody>
                   <a:tcPr marL="68580" marR="68580" marT="0" marB="0">
@@ -10727,12 +10775,18 @@
                       <a:r>
                         <a:rPr lang="zh-CN" sz="1400" kern="100">
                           <a:effectLst/>
-                          <a:latin typeface="Calibri"/>
-                          <a:ea typeface="宋体"/>
-                          <a:cs typeface="Times New Roman"/>
+                          <a:latin typeface="Calibri" panose="020F0502020204030204"/>
+                          <a:ea typeface="宋体" panose="02010600030101010101" pitchFamily="2" charset="-122"/>
+                          <a:cs typeface="Times New Roman" panose="02020603050405020304"/>
                         </a:rPr>
                         <a:t>全体成员</a:t>
                       </a:r>
+                      <a:endParaRPr lang="zh-CN" sz="1400" kern="100">
+                        <a:effectLst/>
+                        <a:latin typeface="Calibri" panose="020F0502020204030204"/>
+                        <a:ea typeface="宋体" panose="02010600030101010101" pitchFamily="2" charset="-122"/>
+                        <a:cs typeface="Times New Roman" panose="02020603050405020304"/>
+                      </a:endParaRPr>
                     </a:p>
                   </a:txBody>
                   <a:tcPr marL="68580" marR="68580" marT="0" marB="0">
@@ -10787,30 +10841,36 @@
                       <a:r>
                         <a:rPr lang="zh-CN" sz="1400" kern="100">
                           <a:effectLst/>
-                          <a:latin typeface="Calibri"/>
-                          <a:ea typeface="宋体"/>
-                          <a:cs typeface="Times New Roman"/>
+                          <a:latin typeface="Calibri" panose="020F0502020204030204"/>
+                          <a:ea typeface="宋体" panose="02010600030101010101" pitchFamily="2" charset="-122"/>
+                          <a:cs typeface="Times New Roman" panose="02020603050405020304"/>
                         </a:rPr>
                         <a:t>会议纪要</a:t>
                       </a:r>
                       <a:r>
                         <a:rPr lang="en-US" sz="1400" kern="100">
                           <a:effectLst/>
-                          <a:latin typeface="Calibri"/>
-                          <a:ea typeface="宋体"/>
-                          <a:cs typeface="Times New Roman"/>
+                          <a:latin typeface="Calibri" panose="020F0502020204030204"/>
+                          <a:ea typeface="宋体" panose="02010600030101010101" pitchFamily="2" charset="-122"/>
+                          <a:cs typeface="Times New Roman" panose="02020603050405020304"/>
                         </a:rPr>
                         <a:t>/</a:t>
                       </a:r>
                       <a:r>
                         <a:rPr lang="zh-CN" sz="1400" kern="100">
                           <a:effectLst/>
-                          <a:latin typeface="Calibri"/>
-                          <a:ea typeface="宋体"/>
-                          <a:cs typeface="Times New Roman"/>
+                          <a:latin typeface="Calibri" panose="020F0502020204030204"/>
+                          <a:ea typeface="宋体" panose="02010600030101010101" pitchFamily="2" charset="-122"/>
+                          <a:cs typeface="Times New Roman" panose="02020603050405020304"/>
                         </a:rPr>
                         <a:t>录音文件</a:t>
                       </a:r>
+                      <a:endParaRPr lang="zh-CN" sz="1400" kern="100">
+                        <a:effectLst/>
+                        <a:latin typeface="Calibri" panose="020F0502020204030204"/>
+                        <a:ea typeface="宋体" panose="02010600030101010101" pitchFamily="2" charset="-122"/>
+                        <a:cs typeface="Times New Roman" panose="02020603050405020304"/>
+                      </a:endParaRPr>
                     </a:p>
                   </a:txBody>
                   <a:tcPr marL="68580" marR="68580" marT="0" marB="0">
@@ -10867,12 +10927,18 @@
                       <a:r>
                         <a:rPr lang="zh-CN" sz="1400" kern="100">
                           <a:effectLst/>
-                          <a:latin typeface="Calibri"/>
-                          <a:ea typeface="宋体"/>
-                          <a:cs typeface="Times New Roman"/>
+                          <a:latin typeface="Calibri" panose="020F0502020204030204"/>
+                          <a:ea typeface="宋体" panose="02010600030101010101" pitchFamily="2" charset="-122"/>
+                          <a:cs typeface="Times New Roman" panose="02020603050405020304"/>
                         </a:rPr>
                         <a:t>评审会议</a:t>
                       </a:r>
+                      <a:endParaRPr lang="zh-CN" sz="1400" kern="100">
+                        <a:effectLst/>
+                        <a:latin typeface="Calibri" panose="020F0502020204030204"/>
+                        <a:ea typeface="宋体" panose="02010600030101010101" pitchFamily="2" charset="-122"/>
+                        <a:cs typeface="Times New Roman" panose="02020603050405020304"/>
+                      </a:endParaRPr>
                     </a:p>
                   </a:txBody>
                   <a:tcPr marL="68580" marR="68580" marT="0" marB="0">
@@ -10927,12 +10993,18 @@
                       <a:r>
                         <a:rPr lang="zh-CN" sz="1400" kern="100">
                           <a:effectLst/>
-                          <a:latin typeface="Calibri"/>
-                          <a:ea typeface="宋体"/>
-                          <a:cs typeface="Times New Roman"/>
+                          <a:latin typeface="Calibri" panose="020F0502020204030204"/>
+                          <a:ea typeface="宋体" panose="02010600030101010101" pitchFamily="2" charset="-122"/>
+                          <a:cs typeface="Times New Roman" panose="02020603050405020304"/>
                         </a:rPr>
                         <a:t>座谈开会</a:t>
                       </a:r>
+                      <a:endParaRPr lang="zh-CN" sz="1400" kern="100">
+                        <a:effectLst/>
+                        <a:latin typeface="Calibri" panose="020F0502020204030204"/>
+                        <a:ea typeface="宋体" panose="02010600030101010101" pitchFamily="2" charset="-122"/>
+                        <a:cs typeface="Times New Roman" panose="02020603050405020304"/>
+                      </a:endParaRPr>
                     </a:p>
                   </a:txBody>
                   <a:tcPr marL="68580" marR="68580" marT="0" marB="0">
@@ -10987,26 +11059,26 @@
                       <a:r>
                         <a:rPr lang="zh-CN" sz="1400" kern="100" dirty="0">
                           <a:effectLst/>
-                          <a:latin typeface="Calibri"/>
-                          <a:ea typeface="宋体"/>
-                          <a:cs typeface="Times New Roman"/>
+                          <a:latin typeface="Calibri" panose="020F0502020204030204"/>
+                          <a:ea typeface="宋体" panose="02010600030101010101" pitchFamily="2" charset="-122"/>
+                          <a:cs typeface="Times New Roman" panose="02020603050405020304"/>
                         </a:rPr>
                         <a:t>弘毅</a:t>
                       </a:r>
                       <a:r>
                         <a:rPr lang="en-US" sz="1400" kern="100" dirty="0">
                           <a:effectLst/>
-                          <a:latin typeface="Calibri"/>
-                          <a:ea typeface="宋体"/>
-                          <a:cs typeface="Times New Roman"/>
+                          <a:latin typeface="Calibri" panose="020F0502020204030204"/>
+                          <a:ea typeface="宋体" panose="02010600030101010101" pitchFamily="2" charset="-122"/>
+                          <a:cs typeface="Times New Roman" panose="02020603050405020304"/>
                         </a:rPr>
                         <a:t>1-602</a:t>
                       </a:r>
                       <a:endParaRPr lang="zh-CN" sz="1400" kern="100" dirty="0">
                         <a:effectLst/>
-                        <a:latin typeface="Calibri"/>
-                        <a:ea typeface="宋体"/>
-                        <a:cs typeface="Times New Roman"/>
+                        <a:latin typeface="Calibri" panose="020F0502020204030204"/>
+                        <a:ea typeface="宋体" panose="02010600030101010101" pitchFamily="2" charset="-122"/>
+                        <a:cs typeface="Times New Roman" panose="02020603050405020304"/>
                       </a:endParaRPr>
                     </a:p>
                   </a:txBody>
@@ -11062,12 +11134,18 @@
                       <a:r>
                         <a:rPr lang="zh-CN" sz="1400" kern="100" dirty="0">
                           <a:effectLst/>
-                          <a:latin typeface="Calibri"/>
-                          <a:ea typeface="宋体"/>
-                          <a:cs typeface="Times New Roman"/>
+                          <a:latin typeface="Calibri" panose="020F0502020204030204"/>
+                          <a:ea typeface="宋体" panose="02010600030101010101" pitchFamily="2" charset="-122"/>
+                          <a:cs typeface="Times New Roman" panose="02020603050405020304"/>
                         </a:rPr>
                         <a:t>每周三或周五（视具体评审日期而定）评审结束之后</a:t>
                       </a:r>
+                      <a:endParaRPr lang="zh-CN" sz="1400" kern="100" dirty="0">
+                        <a:effectLst/>
+                        <a:latin typeface="Calibri" panose="020F0502020204030204"/>
+                        <a:ea typeface="宋体" panose="02010600030101010101" pitchFamily="2" charset="-122"/>
+                        <a:cs typeface="Times New Roman" panose="02020603050405020304"/>
+                      </a:endParaRPr>
                     </a:p>
                   </a:txBody>
                   <a:tcPr marL="68580" marR="68580" marT="0" marB="0">
@@ -11122,12 +11200,18 @@
                       <a:r>
                         <a:rPr lang="zh-CN" sz="1400" kern="100">
                           <a:effectLst/>
-                          <a:latin typeface="Calibri"/>
-                          <a:ea typeface="宋体"/>
-                          <a:cs typeface="Times New Roman"/>
+                          <a:latin typeface="Calibri" panose="020F0502020204030204"/>
+                          <a:ea typeface="宋体" panose="02010600030101010101" pitchFamily="2" charset="-122"/>
+                          <a:cs typeface="Times New Roman" panose="02020603050405020304"/>
                         </a:rPr>
                         <a:t>全体成员</a:t>
                       </a:r>
+                      <a:endParaRPr lang="zh-CN" sz="1400" kern="100">
+                        <a:effectLst/>
+                        <a:latin typeface="Calibri" panose="020F0502020204030204"/>
+                        <a:ea typeface="宋体" panose="02010600030101010101" pitchFamily="2" charset="-122"/>
+                        <a:cs typeface="Times New Roman" panose="02020603050405020304"/>
+                      </a:endParaRPr>
                     </a:p>
                   </a:txBody>
                   <a:tcPr marL="68580" marR="68580" marT="0" marB="0">
@@ -11182,30 +11266,36 @@
                       <a:r>
                         <a:rPr lang="zh-CN" sz="1400" kern="100">
                           <a:effectLst/>
-                          <a:latin typeface="Calibri"/>
-                          <a:ea typeface="宋体"/>
-                          <a:cs typeface="Times New Roman"/>
+                          <a:latin typeface="Calibri" panose="020F0502020204030204"/>
+                          <a:ea typeface="宋体" panose="02010600030101010101" pitchFamily="2" charset="-122"/>
+                          <a:cs typeface="Times New Roman" panose="02020603050405020304"/>
                         </a:rPr>
                         <a:t>会议纪要</a:t>
                       </a:r>
                       <a:r>
                         <a:rPr lang="en-US" sz="1400" kern="100">
                           <a:effectLst/>
-                          <a:latin typeface="Calibri"/>
-                          <a:ea typeface="宋体"/>
-                          <a:cs typeface="Times New Roman"/>
+                          <a:latin typeface="Calibri" panose="020F0502020204030204"/>
+                          <a:ea typeface="宋体" panose="02010600030101010101" pitchFamily="2" charset="-122"/>
+                          <a:cs typeface="Times New Roman" panose="02020603050405020304"/>
                         </a:rPr>
                         <a:t>/</a:t>
                       </a:r>
                       <a:r>
                         <a:rPr lang="zh-CN" sz="1400" kern="100">
                           <a:effectLst/>
-                          <a:latin typeface="Calibri"/>
-                          <a:ea typeface="宋体"/>
-                          <a:cs typeface="Times New Roman"/>
+                          <a:latin typeface="Calibri" panose="020F0502020204030204"/>
+                          <a:ea typeface="宋体" panose="02010600030101010101" pitchFamily="2" charset="-122"/>
+                          <a:cs typeface="Times New Roman" panose="02020603050405020304"/>
                         </a:rPr>
                         <a:t>录音文件</a:t>
                       </a:r>
+                      <a:endParaRPr lang="zh-CN" sz="1400" kern="100">
+                        <a:effectLst/>
+                        <a:latin typeface="Calibri" panose="020F0502020204030204"/>
+                        <a:ea typeface="宋体" panose="02010600030101010101" pitchFamily="2" charset="-122"/>
+                        <a:cs typeface="Times New Roman" panose="02020603050405020304"/>
+                      </a:endParaRPr>
                     </a:p>
                   </a:txBody>
                   <a:tcPr marL="68580" marR="68580" marT="0" marB="0">
@@ -11262,12 +11352,18 @@
                       <a:r>
                         <a:rPr lang="zh-CN" sz="1400" kern="100">
                           <a:effectLst/>
-                          <a:latin typeface="Calibri"/>
-                          <a:ea typeface="宋体"/>
-                          <a:cs typeface="Times New Roman"/>
+                          <a:latin typeface="Calibri" panose="020F0502020204030204"/>
+                          <a:ea typeface="宋体" panose="02010600030101010101" pitchFamily="2" charset="-122"/>
+                          <a:cs typeface="Times New Roman" panose="02020603050405020304"/>
                         </a:rPr>
                         <a:t>日常进度报告</a:t>
                       </a:r>
+                      <a:endParaRPr lang="zh-CN" sz="1400" kern="100">
+                        <a:effectLst/>
+                        <a:latin typeface="Calibri" panose="020F0502020204030204"/>
+                        <a:ea typeface="宋体" panose="02010600030101010101" pitchFamily="2" charset="-122"/>
+                        <a:cs typeface="Times New Roman" panose="02020603050405020304"/>
+                      </a:endParaRPr>
                     </a:p>
                   </a:txBody>
                   <a:tcPr marL="68580" marR="68580" marT="0" marB="0">
@@ -11322,12 +11418,18 @@
                       <a:r>
                         <a:rPr lang="zh-CN" sz="1400" kern="100">
                           <a:effectLst/>
-                          <a:latin typeface="Calibri"/>
-                          <a:ea typeface="宋体"/>
-                          <a:cs typeface="Times New Roman"/>
+                          <a:latin typeface="Calibri" panose="020F0502020204030204"/>
+                          <a:ea typeface="宋体" panose="02010600030101010101" pitchFamily="2" charset="-122"/>
+                          <a:cs typeface="Times New Roman" panose="02020603050405020304"/>
                         </a:rPr>
                         <a:t>微信群报告</a:t>
                       </a:r>
+                      <a:endParaRPr lang="zh-CN" sz="1400" kern="100">
+                        <a:effectLst/>
+                        <a:latin typeface="Calibri" panose="020F0502020204030204"/>
+                        <a:ea typeface="宋体" panose="02010600030101010101" pitchFamily="2" charset="-122"/>
+                        <a:cs typeface="Times New Roman" panose="02020603050405020304"/>
+                      </a:endParaRPr>
                     </a:p>
                   </a:txBody>
                   <a:tcPr marL="68580" marR="68580" marT="0" marB="0">
@@ -11382,12 +11484,18 @@
                       <a:r>
                         <a:rPr lang="zh-CN" sz="1400" kern="100">
                           <a:effectLst/>
-                          <a:latin typeface="Calibri"/>
-                          <a:ea typeface="宋体"/>
-                          <a:cs typeface="Times New Roman"/>
+                          <a:latin typeface="Calibri" panose="020F0502020204030204"/>
+                          <a:ea typeface="宋体" panose="02010600030101010101" pitchFamily="2" charset="-122"/>
+                          <a:cs typeface="Times New Roman" panose="02020603050405020304"/>
                         </a:rPr>
                         <a:t>网络</a:t>
                       </a:r>
+                      <a:endParaRPr lang="zh-CN" sz="1400" kern="100">
+                        <a:effectLst/>
+                        <a:latin typeface="Calibri" panose="020F0502020204030204"/>
+                        <a:ea typeface="宋体" panose="02010600030101010101" pitchFamily="2" charset="-122"/>
+                        <a:cs typeface="Times New Roman" panose="02020603050405020304"/>
+                      </a:endParaRPr>
                     </a:p>
                   </a:txBody>
                   <a:tcPr marL="68580" marR="68580" marT="0" marB="0">
@@ -11442,12 +11550,18 @@
                       <a:r>
                         <a:rPr lang="zh-CN" sz="1400" kern="100" dirty="0">
                           <a:effectLst/>
-                          <a:latin typeface="Calibri"/>
-                          <a:ea typeface="宋体"/>
-                          <a:cs typeface="Times New Roman"/>
+                          <a:latin typeface="Calibri" panose="020F0502020204030204"/>
+                          <a:ea typeface="宋体" panose="02010600030101010101" pitchFamily="2" charset="-122"/>
+                          <a:cs typeface="Times New Roman" panose="02020603050405020304"/>
                         </a:rPr>
                         <a:t>工作时完成任务后</a:t>
                       </a:r>
+                      <a:endParaRPr lang="zh-CN" sz="1400" kern="100" dirty="0">
+                        <a:effectLst/>
+                        <a:latin typeface="Calibri" panose="020F0502020204030204"/>
+                        <a:ea typeface="宋体" panose="02010600030101010101" pitchFamily="2" charset="-122"/>
+                        <a:cs typeface="Times New Roman" panose="02020603050405020304"/>
+                      </a:endParaRPr>
                     </a:p>
                   </a:txBody>
                   <a:tcPr marL="68580" marR="68580" marT="0" marB="0">
@@ -11502,12 +11616,18 @@
                       <a:r>
                         <a:rPr lang="zh-CN" sz="1400" kern="100" dirty="0">
                           <a:effectLst/>
-                          <a:latin typeface="Calibri"/>
-                          <a:ea typeface="宋体"/>
-                          <a:cs typeface="Times New Roman"/>
+                          <a:latin typeface="Calibri" panose="020F0502020204030204"/>
+                          <a:ea typeface="宋体" panose="02010600030101010101" pitchFamily="2" charset="-122"/>
+                          <a:cs typeface="Times New Roman" panose="02020603050405020304"/>
                         </a:rPr>
                         <a:t>全体成员</a:t>
                       </a:r>
+                      <a:endParaRPr lang="zh-CN" sz="1400" kern="100" dirty="0">
+                        <a:effectLst/>
+                        <a:latin typeface="Calibri" panose="020F0502020204030204"/>
+                        <a:ea typeface="宋体" panose="02010600030101010101" pitchFamily="2" charset="-122"/>
+                        <a:cs typeface="Times New Roman" panose="02020603050405020304"/>
+                      </a:endParaRPr>
                     </a:p>
                   </a:txBody>
                   <a:tcPr marL="68580" marR="68580" marT="0" marB="0">
@@ -11562,12 +11682,18 @@
                       <a:r>
                         <a:rPr lang="zh-CN" sz="1400" kern="100">
                           <a:effectLst/>
-                          <a:latin typeface="Calibri"/>
-                          <a:ea typeface="宋体"/>
-                          <a:cs typeface="Times New Roman"/>
+                          <a:latin typeface="Calibri" panose="020F0502020204030204"/>
+                          <a:ea typeface="宋体" panose="02010600030101010101" pitchFamily="2" charset="-122"/>
+                          <a:cs typeface="Times New Roman" panose="02020603050405020304"/>
                         </a:rPr>
                         <a:t>无</a:t>
                       </a:r>
+                      <a:endParaRPr lang="zh-CN" sz="1400" kern="100">
+                        <a:effectLst/>
+                        <a:latin typeface="Calibri" panose="020F0502020204030204"/>
+                        <a:ea typeface="宋体" panose="02010600030101010101" pitchFamily="2" charset="-122"/>
+                        <a:cs typeface="Times New Roman" panose="02020603050405020304"/>
+                      </a:endParaRPr>
                     </a:p>
                   </a:txBody>
                   <a:tcPr marL="68580" marR="68580" marT="0" marB="0">
@@ -11624,12 +11750,18 @@
                       <a:r>
                         <a:rPr lang="zh-CN" sz="1400" kern="100">
                           <a:effectLst/>
-                          <a:latin typeface="Calibri"/>
-                          <a:ea typeface="宋体"/>
-                          <a:cs typeface="Times New Roman"/>
+                          <a:latin typeface="Calibri" panose="020F0502020204030204"/>
+                          <a:ea typeface="宋体" panose="02010600030101010101" pitchFamily="2" charset="-122"/>
+                          <a:cs typeface="Times New Roman" panose="02020603050405020304"/>
                         </a:rPr>
                         <a:t>客户沟通</a:t>
                       </a:r>
+                      <a:endParaRPr lang="zh-CN" sz="1400" kern="100">
+                        <a:effectLst/>
+                        <a:latin typeface="Calibri" panose="020F0502020204030204"/>
+                        <a:ea typeface="宋体" panose="02010600030101010101" pitchFamily="2" charset="-122"/>
+                        <a:cs typeface="Times New Roman" panose="02020603050405020304"/>
+                      </a:endParaRPr>
                     </a:p>
                   </a:txBody>
                   <a:tcPr marL="68580" marR="68580" marT="0" marB="0">
@@ -11684,12 +11816,18 @@
                       <a:r>
                         <a:rPr lang="zh-CN" sz="1400" kern="100">
                           <a:effectLst/>
-                          <a:latin typeface="Calibri"/>
-                          <a:ea typeface="宋体"/>
-                          <a:cs typeface="Times New Roman"/>
+                          <a:latin typeface="Calibri" panose="020F0502020204030204"/>
+                          <a:ea typeface="宋体" panose="02010600030101010101" pitchFamily="2" charset="-122"/>
+                          <a:cs typeface="Times New Roman" panose="02020603050405020304"/>
                         </a:rPr>
                         <a:t>邮件</a:t>
                       </a:r>
+                      <a:endParaRPr lang="zh-CN" sz="1400" kern="100">
+                        <a:effectLst/>
+                        <a:latin typeface="Calibri" panose="020F0502020204030204"/>
+                        <a:ea typeface="宋体" panose="02010600030101010101" pitchFamily="2" charset="-122"/>
+                        <a:cs typeface="Times New Roman" panose="02020603050405020304"/>
+                      </a:endParaRPr>
                     </a:p>
                   </a:txBody>
                   <a:tcPr marL="68580" marR="68580" marT="0" marB="0">
@@ -11744,12 +11882,18 @@
                       <a:r>
                         <a:rPr lang="zh-CN" sz="1400" kern="100">
                           <a:effectLst/>
-                          <a:latin typeface="Calibri"/>
-                          <a:ea typeface="宋体"/>
-                          <a:cs typeface="Times New Roman"/>
+                          <a:latin typeface="Calibri" panose="020F0502020204030204"/>
+                          <a:ea typeface="宋体" panose="02010600030101010101" pitchFamily="2" charset="-122"/>
+                          <a:cs typeface="Times New Roman" panose="02020603050405020304"/>
                         </a:rPr>
                         <a:t>网络</a:t>
                       </a:r>
+                      <a:endParaRPr lang="zh-CN" sz="1400" kern="100">
+                        <a:effectLst/>
+                        <a:latin typeface="Calibri" panose="020F0502020204030204"/>
+                        <a:ea typeface="宋体" panose="02010600030101010101" pitchFamily="2" charset="-122"/>
+                        <a:cs typeface="Times New Roman" panose="02020603050405020304"/>
+                      </a:endParaRPr>
                     </a:p>
                   </a:txBody>
                   <a:tcPr marL="68580" marR="68580" marT="0" marB="0">
@@ -11804,12 +11948,18 @@
                       <a:r>
                         <a:rPr lang="zh-CN" sz="1400" kern="100">
                           <a:effectLst/>
-                          <a:latin typeface="Calibri"/>
-                          <a:ea typeface="宋体"/>
-                          <a:cs typeface="Times New Roman"/>
+                          <a:latin typeface="Calibri" panose="020F0502020204030204"/>
+                          <a:ea typeface="宋体" panose="02010600030101010101" pitchFamily="2" charset="-122"/>
+                          <a:cs typeface="Times New Roman" panose="02020603050405020304"/>
                         </a:rPr>
                         <a:t>视需要而定</a:t>
                       </a:r>
+                      <a:endParaRPr lang="zh-CN" sz="1400" kern="100">
+                        <a:effectLst/>
+                        <a:latin typeface="Calibri" panose="020F0502020204030204"/>
+                        <a:ea typeface="宋体" panose="02010600030101010101" pitchFamily="2" charset="-122"/>
+                        <a:cs typeface="Times New Roman" panose="02020603050405020304"/>
+                      </a:endParaRPr>
                     </a:p>
                   </a:txBody>
                   <a:tcPr marL="68580" marR="68580" marT="0" marB="0">
@@ -11864,12 +12014,18 @@
                       <a:r>
                         <a:rPr lang="zh-CN" sz="1400" kern="100" dirty="0">
                           <a:effectLst/>
-                          <a:latin typeface="Calibri"/>
-                          <a:ea typeface="宋体"/>
-                          <a:cs typeface="Times New Roman"/>
+                          <a:latin typeface="Calibri" panose="020F0502020204030204"/>
+                          <a:ea typeface="宋体" panose="02010600030101010101" pitchFamily="2" charset="-122"/>
+                          <a:cs typeface="Times New Roman" panose="02020603050405020304"/>
                         </a:rPr>
                         <a:t>全体成员，项目下达者，项目使用者</a:t>
                       </a:r>
+                      <a:endParaRPr lang="zh-CN" sz="1400" kern="100" dirty="0">
+                        <a:effectLst/>
+                        <a:latin typeface="Calibri" panose="020F0502020204030204"/>
+                        <a:ea typeface="宋体" panose="02010600030101010101" pitchFamily="2" charset="-122"/>
+                        <a:cs typeface="Times New Roman" panose="02020603050405020304"/>
+                      </a:endParaRPr>
                     </a:p>
                   </a:txBody>
                   <a:tcPr marL="68580" marR="68580" marT="0" marB="0">
@@ -11924,12 +12080,18 @@
                       <a:r>
                         <a:rPr lang="zh-CN" sz="1400" kern="100" dirty="0">
                           <a:effectLst/>
-                          <a:latin typeface="Calibri"/>
-                          <a:ea typeface="宋体"/>
-                          <a:cs typeface="Times New Roman"/>
+                          <a:latin typeface="Calibri" panose="020F0502020204030204"/>
+                          <a:ea typeface="宋体" panose="02010600030101010101" pitchFamily="2" charset="-122"/>
+                          <a:cs typeface="Times New Roman" panose="02020603050405020304"/>
                         </a:rPr>
                         <a:t>邮件</a:t>
                       </a:r>
+                      <a:endParaRPr lang="zh-CN" sz="1400" kern="100" dirty="0">
+                        <a:effectLst/>
+                        <a:latin typeface="Calibri" panose="020F0502020204030204"/>
+                        <a:ea typeface="宋体" panose="02010600030101010101" pitchFamily="2" charset="-122"/>
+                        <a:cs typeface="Times New Roman" panose="02020603050405020304"/>
+                      </a:endParaRPr>
                     </a:p>
                   </a:txBody>
                   <a:tcPr marL="68580" marR="68580" marT="0" marB="0">
@@ -12103,6 +12265,7 @@
               <a:rPr lang="en-US" sz="2400" dirty="0"/>
               <a:t>5</a:t>
             </a:r>
+            <a:endParaRPr lang="en-US" sz="2400" dirty="0"/>
           </a:p>
         </p:txBody>
       </p:sp>
@@ -12196,7 +12359,7 @@
           <p:nvPr/>
         </p:nvPicPr>
         <p:blipFill>
-          <a:blip r:embed="rId2"/>
+          <a:blip r:embed="rId1"/>
           <a:stretch>
             <a:fillRect/>
           </a:stretch>
@@ -12338,6 +12501,7 @@
               <a:rPr lang="en-US" sz="2400" dirty="0"/>
               <a:t>6</a:t>
             </a:r>
+            <a:endParaRPr lang="en-US" sz="2400" dirty="0"/>
           </a:p>
         </p:txBody>
       </p:sp>
@@ -12420,6 +12584,7 @@
               <a:rPr lang="zh-CN" altLang="zh-CN" sz="2400" b="1" dirty="0"/>
               <a:t>版本命名策略</a:t>
             </a:r>
+            <a:endParaRPr lang="zh-CN" altLang="zh-CN" sz="2400" b="1" dirty="0"/>
           </a:p>
         </p:txBody>
       </p:sp>
@@ -12449,6 +12614,7 @@
               <a:rPr lang="zh-CN" altLang="zh-CN" sz="2400" b="1" dirty="0"/>
               <a:t>版本格式</a:t>
             </a:r>
+            <a:endParaRPr lang="zh-CN" altLang="zh-CN" sz="2400" b="1" dirty="0"/>
           </a:p>
           <a:p>
             <a:r>
@@ -12479,6 +12645,7 @@
               <a:rPr lang="zh-CN" altLang="zh-CN" sz="2400" dirty="0"/>
               <a:t>修正版本号。</a:t>
             </a:r>
+            <a:endParaRPr lang="zh-CN" altLang="zh-CN" sz="2400" dirty="0"/>
           </a:p>
           <a:p>
             <a:r>
@@ -12504,6 +12671,7 @@
               <a:rPr lang="zh-CN" altLang="zh-CN" sz="2400" dirty="0"/>
               <a:t>。</a:t>
             </a:r>
+            <a:endParaRPr lang="zh-CN" altLang="zh-CN" sz="2400" dirty="0"/>
           </a:p>
         </p:txBody>
       </p:sp>
@@ -12561,18 +12729,21 @@
               <a:rPr lang="zh-CN" altLang="zh-CN" dirty="0"/>
               <a:t>当文件内容有了重大的变化或改进，主版本号加一。</a:t>
             </a:r>
+            <a:endParaRPr lang="zh-CN" altLang="zh-CN" dirty="0"/>
           </a:p>
           <a:p>
             <a:r>
               <a:rPr lang="zh-CN" altLang="zh-CN" dirty="0"/>
               <a:t>当文档的内容有了模块的增加、补充等，子版本号加一。</a:t>
             </a:r>
+            <a:endParaRPr lang="zh-CN" altLang="zh-CN" dirty="0"/>
           </a:p>
           <a:p>
             <a:r>
               <a:rPr lang="zh-CN" altLang="zh-CN" dirty="0"/>
               <a:t>当文档的内容有了小修改，如修正了纰漏等，修正版本号加一。</a:t>
             </a:r>
+            <a:endParaRPr lang="zh-CN" altLang="zh-CN" dirty="0"/>
           </a:p>
           <a:p>
             <a:r>
@@ -12710,6 +12881,7 @@
               <a:rPr lang="en-US" sz="2400" dirty="0"/>
               <a:t>6</a:t>
             </a:r>
+            <a:endParaRPr lang="en-US" sz="2400" dirty="0"/>
           </a:p>
         </p:txBody>
       </p:sp>
@@ -12785,6 +12957,7 @@
               <a:rPr lang="zh-CN" altLang="zh-CN" sz="2400" b="1" dirty="0"/>
               <a:t>规范</a:t>
             </a:r>
+            <a:endParaRPr lang="zh-CN" altLang="zh-CN" sz="2400" b="1" dirty="0"/>
           </a:p>
         </p:txBody>
       </p:sp>
@@ -12818,6 +12991,7 @@
               <a:rPr lang="zh-CN" altLang="zh-CN" sz="2400" b="1" dirty="0"/>
               <a:t>配置结构</a:t>
             </a:r>
+            <a:endParaRPr lang="zh-CN" altLang="zh-CN" sz="2400" b="1" dirty="0"/>
           </a:p>
           <a:p>
             <a:r>
@@ -12872,6 +13046,7 @@
               <a:rPr lang="zh-CN" altLang="zh-CN" sz="2400" b="1" dirty="0"/>
               <a:t>提交规范</a:t>
             </a:r>
+            <a:endParaRPr lang="zh-CN" altLang="zh-CN" sz="2400" b="1" dirty="0"/>
           </a:p>
         </p:txBody>
       </p:sp>
@@ -12929,6 +13104,7 @@
               <a:rPr lang="zh-CN" altLang="zh-CN" dirty="0"/>
               <a:t>，防止冲突。</a:t>
             </a:r>
+            <a:endParaRPr lang="zh-CN" altLang="zh-CN" dirty="0"/>
           </a:p>
           <a:p>
             <a:pPr lvl="0"/>
@@ -12952,6 +13128,7 @@
               <a:rPr lang="zh-CN" altLang="zh-CN" dirty="0"/>
               <a:t>主分支上</a:t>
             </a:r>
+            <a:endParaRPr lang="zh-CN" altLang="zh-CN" dirty="0"/>
           </a:p>
           <a:p>
             <a:pPr lvl="0"/>
@@ -12967,6 +13144,7 @@
               <a:rPr lang="zh-CN" altLang="zh-CN" dirty="0"/>
               <a:t>上传可行性分析报告</a:t>
             </a:r>
+            <a:endParaRPr lang="zh-CN" altLang="zh-CN" dirty="0"/>
           </a:p>
         </p:txBody>
       </p:sp>
@@ -13097,6 +13275,7 @@
               <a:rPr lang="en-US" sz="2400" dirty="0"/>
               <a:t>7</a:t>
             </a:r>
+            <a:endParaRPr lang="en-US" sz="2400" dirty="0"/>
           </a:p>
         </p:txBody>
       </p:sp>
@@ -13189,6 +13368,7 @@
               <a:rPr lang="zh-CN" altLang="zh-CN" sz="2400" b="1" dirty="0"/>
               <a:t>成本度量</a:t>
             </a:r>
+            <a:endParaRPr lang="zh-CN" altLang="zh-CN" sz="2400" b="1" dirty="0"/>
           </a:p>
         </p:txBody>
       </p:sp>
@@ -13218,6 +13398,7 @@
               <a:rPr lang="zh-CN" altLang="zh-CN" sz="2400" b="1" dirty="0"/>
               <a:t>计量单位</a:t>
             </a:r>
+            <a:endParaRPr lang="zh-CN" altLang="zh-CN" sz="2400" b="1" dirty="0"/>
           </a:p>
           <a:p>
             <a:pPr lvl="0"/>
@@ -13225,6 +13406,7 @@
               <a:rPr lang="zh-CN" altLang="zh-CN" sz="2400" dirty="0"/>
               <a:t>薪酬：元</a:t>
             </a:r>
+            <a:endParaRPr lang="zh-CN" altLang="zh-CN" sz="2400" dirty="0"/>
           </a:p>
           <a:p>
             <a:pPr lvl="0"/>
@@ -13240,6 +13422,7 @@
               <a:rPr lang="zh-CN" altLang="zh-CN" sz="2400" dirty="0"/>
               <a:t>小时</a:t>
             </a:r>
+            <a:endParaRPr lang="zh-CN" altLang="zh-CN" sz="2400" dirty="0"/>
           </a:p>
           <a:p>
             <a:pPr lvl="0"/>
@@ -13247,6 +13430,7 @@
               <a:rPr lang="zh-CN" altLang="zh-CN" sz="2400" dirty="0"/>
               <a:t>工时：时</a:t>
             </a:r>
+            <a:endParaRPr lang="zh-CN" altLang="zh-CN" sz="2400" dirty="0"/>
           </a:p>
           <a:p>
             <a:pPr lvl="0"/>
@@ -13254,6 +13438,7 @@
               <a:rPr lang="zh-CN" altLang="zh-CN" sz="2400" dirty="0"/>
               <a:t>费用：元</a:t>
             </a:r>
+            <a:endParaRPr lang="zh-CN" altLang="zh-CN" sz="2400" dirty="0"/>
           </a:p>
         </p:txBody>
       </p:sp>
@@ -13283,6 +13468,7 @@
               <a:rPr lang="zh-CN" altLang="zh-CN" sz="2400" b="1" dirty="0"/>
               <a:t>精确度</a:t>
             </a:r>
+            <a:endParaRPr lang="zh-CN" altLang="zh-CN" sz="2400" b="1" dirty="0"/>
           </a:p>
         </p:txBody>
       </p:sp>
@@ -13382,6 +13568,7 @@
               <a:rPr lang="zh-CN" altLang="zh-CN" sz="2400" b="1" dirty="0"/>
               <a:t>准确度</a:t>
             </a:r>
+            <a:endParaRPr lang="zh-CN" altLang="zh-CN" sz="2400" b="1" dirty="0"/>
           </a:p>
         </p:txBody>
       </p:sp>
@@ -13577,6 +13764,7 @@
               <a:rPr lang="en-US" sz="2400" dirty="0"/>
               <a:t>7</a:t>
             </a:r>
+            <a:endParaRPr lang="en-US" sz="2400" dirty="0"/>
           </a:p>
         </p:txBody>
       </p:sp>
@@ -13659,6 +13847,7 @@
               <a:rPr lang="zh-CN" altLang="zh-CN" sz="2400" b="1" dirty="0"/>
               <a:t>成本估计</a:t>
             </a:r>
+            <a:endParaRPr lang="zh-CN" altLang="zh-CN" sz="2400" b="1" dirty="0"/>
           </a:p>
         </p:txBody>
       </p:sp>
@@ -13710,34 +13899,10 @@
                 <a:tableStyleId>{5C22544A-7EE6-4342-B048-85BDC9FD1C3A}</a:tableStyleId>
               </a:tblPr>
               <a:tblGrid>
-                <a:gridCol w="1407795">
-                  <a:extLst>
-                    <a:ext uri="{9D8B030D-6E8A-4147-A177-3AD203B41FA5}">
-                      <a16:colId xmlns:a16="http://schemas.microsoft.com/office/drawing/2014/main" xmlns="" val="20000"/>
-                    </a:ext>
-                  </a:extLst>
-                </a:gridCol>
-                <a:gridCol w="1407795">
-                  <a:extLst>
-                    <a:ext uri="{9D8B030D-6E8A-4147-A177-3AD203B41FA5}">
-                      <a16:colId xmlns:a16="http://schemas.microsoft.com/office/drawing/2014/main" xmlns="" val="20001"/>
-                    </a:ext>
-                  </a:extLst>
-                </a:gridCol>
-                <a:gridCol w="1405255">
-                  <a:extLst>
-                    <a:ext uri="{9D8B030D-6E8A-4147-A177-3AD203B41FA5}">
-                      <a16:colId xmlns:a16="http://schemas.microsoft.com/office/drawing/2014/main" xmlns="" val="20002"/>
-                    </a:ext>
-                  </a:extLst>
-                </a:gridCol>
-                <a:gridCol w="1401445">
-                  <a:extLst>
-                    <a:ext uri="{9D8B030D-6E8A-4147-A177-3AD203B41FA5}">
-                      <a16:colId xmlns:a16="http://schemas.microsoft.com/office/drawing/2014/main" xmlns="" val="20003"/>
-                    </a:ext>
-                  </a:extLst>
-                </a:gridCol>
+                <a:gridCol w="1407795"/>
+                <a:gridCol w="1407795"/>
+                <a:gridCol w="1405255"/>
+                <a:gridCol w="1401445"/>
               </a:tblGrid>
               <a:tr h="0">
                 <a:tc>
@@ -13844,11 +14009,6 @@
                   </a:txBody>
                   <a:tcPr marL="68580" marR="68580" marT="0" marB="0"/>
                 </a:tc>
-                <a:extLst>
-                  <a:ext uri="{0D108BD9-81ED-4DB2-BD59-A6C34878D82A}">
-                    <a16:rowId xmlns:a16="http://schemas.microsoft.com/office/drawing/2014/main" xmlns="" val="10000"/>
-                  </a:ext>
-                </a:extLst>
               </a:tr>
               <a:tr h="0">
                 <a:tc>
@@ -13955,11 +14115,6 @@
                   </a:txBody>
                   <a:tcPr marL="68580" marR="68580" marT="0" marB="0"/>
                 </a:tc>
-                <a:extLst>
-                  <a:ext uri="{0D108BD9-81ED-4DB2-BD59-A6C34878D82A}">
-                    <a16:rowId xmlns:a16="http://schemas.microsoft.com/office/drawing/2014/main" xmlns="" val="10001"/>
-                  </a:ext>
-                </a:extLst>
               </a:tr>
               <a:tr h="0">
                 <a:tc>
@@ -14066,11 +14221,6 @@
                   </a:txBody>
                   <a:tcPr marL="68580" marR="68580" marT="0" marB="0"/>
                 </a:tc>
-                <a:extLst>
-                  <a:ext uri="{0D108BD9-81ED-4DB2-BD59-A6C34878D82A}">
-                    <a16:rowId xmlns:a16="http://schemas.microsoft.com/office/drawing/2014/main" xmlns="" val="10002"/>
-                  </a:ext>
-                </a:extLst>
               </a:tr>
               <a:tr h="198120">
                 <a:tc>
@@ -14177,11 +14327,6 @@
                   </a:txBody>
                   <a:tcPr marL="68580" marR="68580" marT="0" marB="0"/>
                 </a:tc>
-                <a:extLst>
-                  <a:ext uri="{0D108BD9-81ED-4DB2-BD59-A6C34878D82A}">
-                    <a16:rowId xmlns:a16="http://schemas.microsoft.com/office/drawing/2014/main" xmlns="" val="10003"/>
-                  </a:ext>
-                </a:extLst>
               </a:tr>
               <a:tr h="198120">
                 <a:tc>
@@ -14288,11 +14433,6 @@
                   </a:txBody>
                   <a:tcPr marL="68580" marR="68580" marT="0" marB="0"/>
                 </a:tc>
-                <a:extLst>
-                  <a:ext uri="{0D108BD9-81ED-4DB2-BD59-A6C34878D82A}">
-                    <a16:rowId xmlns:a16="http://schemas.microsoft.com/office/drawing/2014/main" xmlns="" val="10004"/>
-                  </a:ext>
-                </a:extLst>
               </a:tr>
               <a:tr h="164465">
                 <a:tc>
@@ -14399,11 +14539,6 @@
                   </a:txBody>
                   <a:tcPr marL="68580" marR="68580" marT="0" marB="0"/>
                 </a:tc>
-                <a:extLst>
-                  <a:ext uri="{0D108BD9-81ED-4DB2-BD59-A6C34878D82A}">
-                    <a16:rowId xmlns:a16="http://schemas.microsoft.com/office/drawing/2014/main" xmlns="" val="10005"/>
-                  </a:ext>
-                </a:extLst>
               </a:tr>
             </a:tbl>
           </a:graphicData>
@@ -14435,6 +14570,7 @@
               <a:rPr lang="zh-CN" altLang="zh-CN" sz="2400" b="1" dirty="0"/>
               <a:t>预算</a:t>
             </a:r>
+            <a:endParaRPr lang="zh-CN" altLang="zh-CN" sz="2400" b="1" dirty="0"/>
           </a:p>
         </p:txBody>
       </p:sp>
@@ -14447,7 +14583,7 @@
           <p:nvPr/>
         </p:nvPicPr>
         <p:blipFill>
-          <a:blip r:embed="rId2"/>
+          <a:blip r:embed="rId1"/>
           <a:stretch>
             <a:fillRect/>
           </a:stretch>
@@ -14589,6 +14725,7 @@
               <a:rPr lang="en-US" sz="2400" dirty="0"/>
               <a:t>8</a:t>
             </a:r>
+            <a:endParaRPr lang="en-US" sz="2400" dirty="0"/>
           </a:p>
         </p:txBody>
       </p:sp>
@@ -14624,6 +14761,13 @@
               </a:rPr>
               <a:t>会议记录</a:t>
             </a:r>
+            <a:endParaRPr lang="zh-CN" sz="2665" dirty="0" smtClean="0">
+              <a:solidFill>
+                <a:srgbClr val="183A5D"/>
+              </a:solidFill>
+              <a:latin typeface="微软雅黑" panose="020B0503020204020204" pitchFamily="34" charset="-122"/>
+              <a:ea typeface="微软雅黑" panose="020B0503020204020204" pitchFamily="34" charset="-122"/>
+            </a:endParaRPr>
           </a:p>
         </p:txBody>
       </p:sp>
@@ -14636,7 +14780,7 @@
           <p:nvPr/>
         </p:nvPicPr>
         <p:blipFill>
-          <a:blip r:embed="rId2"/>
+          <a:blip r:embed="rId1"/>
           <a:stretch>
             <a:fillRect/>
           </a:stretch>
@@ -14778,6 +14922,7 @@
               <a:rPr lang="en-US" sz="2400" dirty="0"/>
               <a:t>9</a:t>
             </a:r>
+            <a:endParaRPr lang="en-US" sz="2400" dirty="0"/>
           </a:p>
         </p:txBody>
       </p:sp>
@@ -14823,6 +14968,13 @@
               </a:rPr>
               <a:t>WBS</a:t>
             </a:r>
+            <a:endParaRPr lang="en-US" altLang="zh-CN" sz="2665" dirty="0" smtClean="0">
+              <a:solidFill>
+                <a:srgbClr val="183A5D"/>
+              </a:solidFill>
+              <a:latin typeface="微软雅黑" panose="020B0503020204020204" pitchFamily="34" charset="-122"/>
+              <a:ea typeface="微软雅黑" panose="020B0503020204020204" pitchFamily="34" charset="-122"/>
+            </a:endParaRPr>
           </a:p>
         </p:txBody>
       </p:sp>
@@ -14835,7 +14987,7 @@
           <p:nvPr/>
         </p:nvPicPr>
         <p:blipFill>
-          <a:blip r:embed="rId2">
+          <a:blip r:embed="rId1">
             <a:extLst>
               <a:ext uri="{28A0092B-C50C-407E-A947-70E740481C1C}">
                 <a14:useLocalDpi xmlns:a14="http://schemas.microsoft.com/office/drawing/2010/main" val="0"/>
@@ -15228,6 +15380,11 @@
               </a:rPr>
               <a:t>3</a:t>
             </a:r>
+            <a:endParaRPr lang="en-US" altLang="zh-CN" sz="3600" dirty="0">
+              <a:latin typeface="+mj-lt"/>
+              <a:ea typeface="Arial Unicode MS" panose="020B0604020202020204" pitchFamily="34" charset="-122"/>
+              <a:cs typeface="Arial Unicode MS" panose="020B0604020202020204" pitchFamily="34" charset="-122"/>
+            </a:endParaRPr>
           </a:p>
         </p:txBody>
       </p:sp>
@@ -15444,6 +15601,13 @@
               </a:rPr>
               <a:t>目录</a:t>
             </a:r>
+            <a:endParaRPr lang="zh-CN" altLang="zh-CN" sz="3200" b="1" dirty="0">
+              <a:solidFill>
+                <a:schemeClr val="bg1"/>
+              </a:solidFill>
+              <a:latin typeface="微软雅黑" panose="020B0503020204020204" pitchFamily="34" charset="-122"/>
+              <a:ea typeface="微软雅黑" panose="020B0503020204020204" pitchFamily="34" charset="-122"/>
+            </a:endParaRPr>
           </a:p>
         </p:txBody>
       </p:sp>
@@ -15506,6 +15670,11 @@
               </a:rPr>
               <a:t>4</a:t>
             </a:r>
+            <a:endParaRPr lang="en-US" altLang="zh-CN" sz="3600" dirty="0">
+              <a:latin typeface="+mj-lt"/>
+              <a:ea typeface="Arial Unicode MS" panose="020B0604020202020204" pitchFamily="34" charset="-122"/>
+              <a:cs typeface="Arial Unicode MS" panose="020B0604020202020204" pitchFamily="34" charset="-122"/>
+            </a:endParaRPr>
           </a:p>
         </p:txBody>
       </p:sp>
@@ -15819,6 +15988,11 @@
               </a:rPr>
               <a:t>5</a:t>
             </a:r>
+            <a:endParaRPr lang="en-US" altLang="zh-CN" sz="3600" dirty="0">
+              <a:latin typeface="+mj-lt"/>
+              <a:ea typeface="Arial Unicode MS" panose="020B0604020202020204" pitchFamily="34" charset="-122"/>
+              <a:cs typeface="Arial Unicode MS" panose="020B0604020202020204" pitchFamily="34" charset="-122"/>
+            </a:endParaRPr>
           </a:p>
         </p:txBody>
       </p:sp>
@@ -15881,6 +16055,11 @@
               </a:rPr>
               <a:t>6</a:t>
             </a:r>
+            <a:endParaRPr lang="en-US" altLang="zh-CN" sz="3600" dirty="0">
+              <a:latin typeface="+mj-lt"/>
+              <a:ea typeface="Arial Unicode MS" panose="020B0604020202020204" pitchFamily="34" charset="-122"/>
+              <a:cs typeface="Arial Unicode MS" panose="020B0604020202020204" pitchFamily="34" charset="-122"/>
+            </a:endParaRPr>
           </a:p>
         </p:txBody>
       </p:sp>
@@ -16194,6 +16373,11 @@
               </a:rPr>
               <a:t>7</a:t>
             </a:r>
+            <a:endParaRPr lang="en-US" altLang="zh-CN" sz="3600" dirty="0">
+              <a:latin typeface="+mj-lt"/>
+              <a:ea typeface="Arial Unicode MS" panose="020B0604020202020204" pitchFamily="34" charset="-122"/>
+              <a:cs typeface="Arial Unicode MS" panose="020B0604020202020204" pitchFamily="34" charset="-122"/>
+            </a:endParaRPr>
           </a:p>
         </p:txBody>
       </p:sp>
@@ -16387,6 +16571,11 @@
               </a:rPr>
               <a:t>0</a:t>
             </a:r>
+            <a:endParaRPr lang="en-US" altLang="zh-CN" sz="3600" dirty="0">
+              <a:latin typeface="+mj-lt"/>
+              <a:ea typeface="Arial Unicode MS" panose="020B0604020202020204" pitchFamily="34" charset="-122"/>
+              <a:cs typeface="Arial Unicode MS" panose="020B0604020202020204" pitchFamily="34" charset="-122"/>
+            </a:endParaRPr>
           </a:p>
         </p:txBody>
       </p:sp>
@@ -16498,6 +16687,14 @@
                 </a:rPr>
                 <a:t>项目简介</a:t>
               </a:r>
+              <a:endParaRPr lang="zh-CN" altLang="zh-CN" sz="2000" b="1" kern="100" dirty="0">
+                <a:solidFill>
+                  <a:schemeClr val="bg1"/>
+                </a:solidFill>
+                <a:latin typeface="微软雅黑" panose="020B0503020204020204" pitchFamily="34" charset="-122"/>
+                <a:ea typeface="微软雅黑" panose="020B0503020204020204" pitchFamily="34" charset="-122"/>
+                <a:cs typeface="Times New Roman" panose="02020603050405020304" pitchFamily="18" charset="0"/>
+              </a:endParaRPr>
             </a:p>
           </p:txBody>
         </p:sp>
@@ -16561,6 +16758,11 @@
               </a:rPr>
               <a:t>8</a:t>
             </a:r>
+            <a:endParaRPr lang="en-US" altLang="zh-CN" sz="3600" dirty="0">
+              <a:latin typeface="+mj-lt"/>
+              <a:ea typeface="Arial Unicode MS" panose="020B0604020202020204" pitchFamily="34" charset="-122"/>
+              <a:cs typeface="Arial Unicode MS" panose="020B0604020202020204" pitchFamily="34" charset="-122"/>
+            </a:endParaRPr>
           </a:p>
         </p:txBody>
       </p:sp>
@@ -16672,6 +16874,14 @@
                 </a:rPr>
                 <a:t>会议记录</a:t>
               </a:r>
+              <a:endParaRPr lang="zh-CN" altLang="zh-CN" sz="2000" b="1" kern="100" dirty="0">
+                <a:solidFill>
+                  <a:schemeClr val="bg1"/>
+                </a:solidFill>
+                <a:latin typeface="微软雅黑" panose="020B0503020204020204" pitchFamily="34" charset="-122"/>
+                <a:ea typeface="微软雅黑" panose="020B0503020204020204" pitchFamily="34" charset="-122"/>
+                <a:cs typeface="Times New Roman" panose="02020603050405020304" pitchFamily="18" charset="0"/>
+              </a:endParaRPr>
             </a:p>
           </p:txBody>
         </p:sp>
@@ -16735,6 +16945,11 @@
               </a:rPr>
               <a:t>9</a:t>
             </a:r>
+            <a:endParaRPr lang="en-US" altLang="zh-CN" sz="3600" dirty="0">
+              <a:latin typeface="+mj-lt"/>
+              <a:ea typeface="Arial Unicode MS" panose="020B0604020202020204" pitchFamily="34" charset="-122"/>
+              <a:cs typeface="Arial Unicode MS" panose="020B0604020202020204" pitchFamily="34" charset="-122"/>
+            </a:endParaRPr>
           </a:p>
         </p:txBody>
       </p:sp>
@@ -16846,6 +17061,14 @@
                 </a:rPr>
                 <a:t>WBS</a:t>
               </a:r>
+              <a:endParaRPr lang="en-US" altLang="zh-CN" sz="2000" b="1" kern="100" dirty="0">
+                <a:solidFill>
+                  <a:schemeClr val="bg1"/>
+                </a:solidFill>
+                <a:latin typeface="微软雅黑" panose="020B0503020204020204" pitchFamily="34" charset="-122"/>
+                <a:ea typeface="微软雅黑" panose="020B0503020204020204" pitchFamily="34" charset="-122"/>
+                <a:cs typeface="Times New Roman" panose="02020603050405020304" pitchFamily="18" charset="0"/>
+              </a:endParaRPr>
             </a:p>
           </p:txBody>
         </p:sp>
@@ -16909,6 +17132,11 @@
               </a:rPr>
               <a:t>10</a:t>
             </a:r>
+            <a:endParaRPr lang="en-US" altLang="zh-CN" sz="3600" dirty="0">
+              <a:latin typeface="+mj-lt"/>
+              <a:ea typeface="Arial Unicode MS" panose="020B0604020202020204" pitchFamily="34" charset="-122"/>
+              <a:cs typeface="Arial Unicode MS" panose="020B0604020202020204" pitchFamily="34" charset="-122"/>
+            </a:endParaRPr>
           </a:p>
         </p:txBody>
       </p:sp>
@@ -17020,6 +17248,14 @@
                 </a:rPr>
                 <a:t>可行性分析报告</a:t>
               </a:r>
+              <a:endParaRPr lang="zh-CN" altLang="zh-CN" sz="2000" b="1" kern="100" dirty="0">
+                <a:solidFill>
+                  <a:schemeClr val="bg1"/>
+                </a:solidFill>
+                <a:latin typeface="微软雅黑" panose="020B0503020204020204" pitchFamily="34" charset="-122"/>
+                <a:ea typeface="微软雅黑" panose="020B0503020204020204" pitchFamily="34" charset="-122"/>
+                <a:cs typeface="Times New Roman" panose="02020603050405020304" pitchFamily="18" charset="0"/>
+              </a:endParaRPr>
             </a:p>
           </p:txBody>
         </p:sp>
@@ -17083,6 +17319,11 @@
               </a:rPr>
               <a:t>11</a:t>
             </a:r>
+            <a:endParaRPr lang="en-US" altLang="zh-CN" sz="3600" dirty="0">
+              <a:latin typeface="+mj-lt"/>
+              <a:ea typeface="Arial Unicode MS" panose="020B0604020202020204" pitchFamily="34" charset="-122"/>
+              <a:cs typeface="Arial Unicode MS" panose="020B0604020202020204" pitchFamily="34" charset="-122"/>
+            </a:endParaRPr>
           </a:p>
         </p:txBody>
       </p:sp>
@@ -17194,6 +17435,14 @@
                 </a:rPr>
                 <a:t>项目章程</a:t>
               </a:r>
+              <a:endParaRPr lang="zh-CN" altLang="zh-CN" sz="2000" b="1" kern="100" dirty="0">
+                <a:solidFill>
+                  <a:schemeClr val="bg1"/>
+                </a:solidFill>
+                <a:latin typeface="微软雅黑" panose="020B0503020204020204" pitchFamily="34" charset="-122"/>
+                <a:ea typeface="微软雅黑" panose="020B0503020204020204" pitchFamily="34" charset="-122"/>
+                <a:cs typeface="Times New Roman" panose="02020603050405020304" pitchFamily="18" charset="0"/>
+              </a:endParaRPr>
             </a:p>
           </p:txBody>
         </p:sp>
@@ -17203,13 +17452,13 @@
   <p:clrMapOvr>
     <a:masterClrMapping/>
   </p:clrMapOvr>
-  <mc:AlternateContent xmlns:mc="http://schemas.openxmlformats.org/markup-compatibility/2006" xmlns:p14="http://schemas.microsoft.com/office/powerpoint/2010/main">
-    <mc:Choice Requires="p14">
+  <mc:AlternateContent xmlns:mc="http://schemas.openxmlformats.org/markup-compatibility/2006">
+    <mc:Choice xmlns:p14="http://schemas.microsoft.com/office/powerpoint/2010/main" Requires="p14">
       <p:transition spd="slow" p14:dur="1200" advClick="0" advTm="0">
         <p14:prism/>
       </p:transition>
     </mc:Choice>
-    <mc:Fallback xmlns="">
+    <mc:Fallback>
       <p:transition spd="slow" advClick="0" advTm="0">
         <p:fade/>
       </p:transition>
@@ -18804,6 +19053,7 @@
               <a:rPr lang="en-US" sz="2400" dirty="0"/>
               <a:t>9</a:t>
             </a:r>
+            <a:endParaRPr lang="en-US" sz="2400" dirty="0"/>
           </a:p>
         </p:txBody>
       </p:sp>
@@ -18849,6 +19099,13 @@
               </a:rPr>
               <a:t>WBS</a:t>
             </a:r>
+            <a:endParaRPr lang="en-US" altLang="zh-CN" sz="2665" dirty="0" smtClean="0">
+              <a:solidFill>
+                <a:srgbClr val="183A5D"/>
+              </a:solidFill>
+              <a:latin typeface="微软雅黑" panose="020B0503020204020204" pitchFamily="34" charset="-122"/>
+              <a:ea typeface="微软雅黑" panose="020B0503020204020204" pitchFamily="34" charset="-122"/>
+            </a:endParaRPr>
           </a:p>
         </p:txBody>
       </p:sp>
@@ -18861,7 +19118,7 @@
           <p:nvPr/>
         </p:nvPicPr>
         <p:blipFill>
-          <a:blip r:embed="rId2">
+          <a:blip r:embed="rId1">
             <a:extLst>
               <a:ext uri="{28A0092B-C50C-407E-A947-70E740481C1C}">
                 <a14:useLocalDpi xmlns:a14="http://schemas.microsoft.com/office/drawing/2010/main" val="0"/>
@@ -19033,6 +19290,7 @@
               <a:rPr lang="en-US" sz="2400" dirty="0"/>
               <a:t>9</a:t>
             </a:r>
+            <a:endParaRPr lang="en-US" sz="2400" dirty="0"/>
           </a:p>
         </p:txBody>
       </p:sp>
@@ -19078,6 +19336,13 @@
               </a:rPr>
               <a:t>WBS-io</a:t>
             </a:r>
+            <a:endParaRPr lang="en-US" altLang="zh-CN" sz="2665" dirty="0" smtClean="0">
+              <a:solidFill>
+                <a:srgbClr val="183A5D"/>
+              </a:solidFill>
+              <a:latin typeface="微软雅黑" panose="020B0503020204020204" pitchFamily="34" charset="-122"/>
+              <a:ea typeface="微软雅黑" panose="020B0503020204020204" pitchFamily="34" charset="-122"/>
+            </a:endParaRPr>
           </a:p>
         </p:txBody>
       </p:sp>
@@ -19090,7 +19355,7 @@
           <p:nvPr/>
         </p:nvPicPr>
         <p:blipFill>
-          <a:blip r:embed="rId2">
+          <a:blip r:embed="rId1">
             <a:extLst>
               <a:ext uri="{28A0092B-C50C-407E-A947-70E740481C1C}">
                 <a14:useLocalDpi xmlns:a14="http://schemas.microsoft.com/office/drawing/2010/main" val="0"/>
@@ -19262,6 +19527,7 @@
               <a:rPr lang="en-US" sz="2400" dirty="0"/>
               <a:t>10</a:t>
             </a:r>
+            <a:endParaRPr lang="en-US" sz="2400" dirty="0"/>
           </a:p>
         </p:txBody>
       </p:sp>
@@ -19297,6 +19563,13 @@
               </a:rPr>
               <a:t>可行性分析报告</a:t>
             </a:r>
+            <a:endParaRPr lang="zh-CN" altLang="en-US" sz="2665" dirty="0" smtClean="0">
+              <a:solidFill>
+                <a:srgbClr val="183A5D"/>
+              </a:solidFill>
+              <a:latin typeface="微软雅黑" panose="020B0503020204020204" pitchFamily="34" charset="-122"/>
+              <a:ea typeface="微软雅黑" panose="020B0503020204020204" pitchFamily="34" charset="-122"/>
+            </a:endParaRPr>
           </a:p>
         </p:txBody>
       </p:sp>
@@ -19309,7 +19582,7 @@
           <p:nvPr/>
         </p:nvPicPr>
         <p:blipFill>
-          <a:blip r:embed="rId2">
+          <a:blip r:embed="rId1">
             <a:extLst>
               <a:ext uri="{28A0092B-C50C-407E-A947-70E740481C1C}">
                 <a14:useLocalDpi xmlns:a14="http://schemas.microsoft.com/office/drawing/2010/main" val="0"/>
@@ -19481,6 +19754,7 @@
               <a:rPr lang="en-US" sz="2400" dirty="0"/>
               <a:t>11</a:t>
             </a:r>
+            <a:endParaRPr lang="en-US" sz="2400" dirty="0"/>
           </a:p>
         </p:txBody>
       </p:sp>
@@ -19516,6 +19790,13 @@
               </a:rPr>
               <a:t>项目章程</a:t>
             </a:r>
+            <a:endParaRPr lang="zh-CN" altLang="en-US" sz="2665" dirty="0" smtClean="0">
+              <a:solidFill>
+                <a:srgbClr val="183A5D"/>
+              </a:solidFill>
+              <a:latin typeface="微软雅黑" panose="020B0503020204020204" pitchFamily="34" charset="-122"/>
+              <a:ea typeface="微软雅黑" panose="020B0503020204020204" pitchFamily="34" charset="-122"/>
+            </a:endParaRPr>
           </a:p>
         </p:txBody>
       </p:sp>
@@ -19528,7 +19809,7 @@
           <p:nvPr/>
         </p:nvPicPr>
         <p:blipFill>
-          <a:blip r:embed="rId2"/>
+          <a:blip r:embed="rId1"/>
           <a:stretch>
             <a:fillRect/>
           </a:stretch>
@@ -19741,15 +20022,41 @@
             </a:pPr>
             <a:r>
               <a:rPr lang="en-US" altLang="zh-CN" dirty="0" smtClean="0">
+                <a:hlinkClick r:id="rId1" action="ppaction://hlinkfile"/>
+              </a:rPr>
+              <a:t>《PRD2018-G11-</a:t>
+            </a:r>
+            <a:r>
+              <a:rPr lang="zh-CN" altLang="en-US" dirty="0" smtClean="0">
+                <a:hlinkClick r:id="rId1" action="ppaction://hlinkfile"/>
+              </a:rPr>
+              <a:t>可行性分析报告</a:t>
+            </a:r>
+            <a:r>
+              <a:rPr lang="en-US" altLang="zh-CN" dirty="0" smtClean="0">
+                <a:hlinkClick r:id="rId1" action="ppaction://hlinkfile"/>
+              </a:rPr>
+              <a:t>》</a:t>
+            </a:r>
+            <a:endParaRPr lang="en-US" altLang="zh-CN" dirty="0" smtClean="0"/>
+          </a:p>
+          <a:p>
+            <a:pPr>
+              <a:lnSpc>
+                <a:spcPct val="150000"/>
+              </a:lnSpc>
+            </a:pPr>
+            <a:r>
+              <a:rPr lang="en-US" altLang="zh-CN" dirty="0">
                 <a:hlinkClick r:id="rId2" action="ppaction://hlinkfile"/>
               </a:rPr>
               <a:t>《PRD2018-G11-</a:t>
             </a:r>
             <a:r>
-              <a:rPr lang="zh-CN" altLang="en-US" dirty="0" smtClean="0">
+              <a:rPr lang="zh-CN" altLang="en-US" dirty="0">
                 <a:hlinkClick r:id="rId2" action="ppaction://hlinkfile"/>
               </a:rPr>
-              <a:t>可行性分析报告</a:t>
+              <a:t>项目章程</a:t>
             </a:r>
             <a:r>
               <a:rPr lang="en-US" altLang="zh-CN" dirty="0" smtClean="0">
@@ -19775,7 +20082,7 @@
               <a:rPr lang="zh-CN" altLang="en-US" dirty="0">
                 <a:hlinkClick r:id="rId3" action="ppaction://hlinkfile"/>
               </a:rPr>
-              <a:t>项目章程</a:t>
+              <a:t>需求工程项目计划</a:t>
             </a:r>
             <a:r>
               <a:rPr lang="en-US" altLang="zh-CN" dirty="0" smtClean="0">
@@ -19801,7 +20108,7 @@
               <a:rPr lang="zh-CN" altLang="en-US" dirty="0">
                 <a:hlinkClick r:id="rId4" action="ppaction://hlinkfile"/>
               </a:rPr>
-              <a:t>需求工程项目计划</a:t>
+              <a:t>会议记录</a:t>
             </a:r>
             <a:r>
               <a:rPr lang="en-US" altLang="zh-CN" dirty="0" smtClean="0">
@@ -19827,7 +20134,13 @@
               <a:rPr lang="zh-CN" altLang="en-US" dirty="0">
                 <a:hlinkClick r:id="rId5" action="ppaction://hlinkfile"/>
               </a:rPr>
-              <a:t>会议记录</a:t>
+              <a:t>项目总体计划</a:t>
+            </a:r>
+            <a:r>
+              <a:rPr lang="en-US" altLang="zh-CN" dirty="0">
+                <a:hlinkClick r:id="rId5" action="ppaction://hlinkfile"/>
+              </a:rPr>
+              <a:t>WBS</a:t>
             </a:r>
             <a:r>
               <a:rPr lang="en-US" altLang="zh-CN" dirty="0" smtClean="0">
@@ -19853,13 +20166,51 @@
               <a:rPr lang="zh-CN" altLang="en-US" dirty="0">
                 <a:hlinkClick r:id="rId6" action="ppaction://hlinkfile"/>
               </a:rPr>
-              <a:t>项目总体计划</a:t>
+              <a:t>需求工程项目计划</a:t>
             </a:r>
             <a:r>
               <a:rPr lang="en-US" altLang="zh-CN" dirty="0">
                 <a:hlinkClick r:id="rId6" action="ppaction://hlinkfile"/>
               </a:rPr>
               <a:t>WBS</a:t>
+            </a:r>
+            <a:r>
+              <a:rPr lang="en-US" altLang="zh-CN" dirty="0" smtClean="0">
+                <a:hlinkClick r:id="rId6" action="ppaction://hlinkfile"/>
+              </a:rPr>
+              <a:t>》</a:t>
+            </a:r>
+            <a:endParaRPr lang="en-US" altLang="zh-CN" dirty="0" smtClean="0"/>
+          </a:p>
+          <a:p>
+            <a:pPr>
+              <a:lnSpc>
+                <a:spcPct val="150000"/>
+              </a:lnSpc>
+            </a:pPr>
+            <a:r>
+              <a:rPr lang="en-US" altLang="zh-CN" dirty="0">
+                <a:hlinkClick r:id="rId6" action="ppaction://hlinkfile"/>
+              </a:rPr>
+              <a:t>《PRD2018-G11-</a:t>
+            </a:r>
+            <a:r>
+              <a:rPr lang="zh-CN" altLang="en-US" dirty="0">
+                <a:hlinkClick r:id="rId6" action="ppaction://hlinkfile"/>
+              </a:rPr>
+              <a:t>需求工程项目计划</a:t>
+            </a:r>
+            <a:r>
+              <a:rPr lang="en-US" altLang="zh-CN" dirty="0">
+                <a:hlinkClick r:id="rId6" action="ppaction://hlinkfile"/>
+              </a:rPr>
+              <a:t>WBS-</a:t>
+            </a:r>
+            <a:r>
+              <a:rPr lang="en-US" altLang="zh-CN" dirty="0" err="1">
+                <a:hlinkClick r:id="rId6" action="ppaction://hlinkfile"/>
+              </a:rPr>
+              <a:t>io</a:t>
             </a:r>
             <a:r>
               <a:rPr lang="en-US" altLang="zh-CN" dirty="0" smtClean="0">
@@ -19885,51 +20236,7 @@
               <a:rPr lang="zh-CN" altLang="en-US" dirty="0">
                 <a:hlinkClick r:id="rId7" action="ppaction://hlinkfile"/>
               </a:rPr>
-              <a:t>需求工程项目计划</a:t>
-            </a:r>
-            <a:r>
-              <a:rPr lang="en-US" altLang="zh-CN" dirty="0">
-                <a:hlinkClick r:id="rId7" action="ppaction://hlinkfile"/>
-              </a:rPr>
-              <a:t>WBS</a:t>
-            </a:r>
-            <a:r>
-              <a:rPr lang="en-US" altLang="zh-CN" dirty="0" smtClean="0">
-                <a:hlinkClick r:id="rId7" action="ppaction://hlinkfile"/>
-              </a:rPr>
-              <a:t>》</a:t>
-            </a:r>
-            <a:endParaRPr lang="en-US" altLang="zh-CN" dirty="0" smtClean="0"/>
-          </a:p>
-          <a:p>
-            <a:pPr>
-              <a:lnSpc>
-                <a:spcPct val="150000"/>
-              </a:lnSpc>
-            </a:pPr>
-            <a:r>
-              <a:rPr lang="en-US" altLang="zh-CN" dirty="0">
-                <a:hlinkClick r:id="rId7" action="ppaction://hlinkfile"/>
-              </a:rPr>
-              <a:t>《PRD2018-G11-</a:t>
-            </a:r>
-            <a:r>
-              <a:rPr lang="zh-CN" altLang="en-US" dirty="0">
-                <a:hlinkClick r:id="rId7" action="ppaction://hlinkfile"/>
-              </a:rPr>
-              <a:t>需求工程项目计划</a:t>
-            </a:r>
-            <a:r>
-              <a:rPr lang="en-US" altLang="zh-CN" dirty="0">
-                <a:hlinkClick r:id="rId7" action="ppaction://hlinkfile"/>
-              </a:rPr>
-              <a:t>WBS-</a:t>
-            </a:r>
-            <a:r>
-              <a:rPr lang="en-US" altLang="zh-CN" dirty="0" err="1">
-                <a:hlinkClick r:id="rId7" action="ppaction://hlinkfile"/>
-              </a:rPr>
-              <a:t>io</a:t>
+              <a:t>需求工程计划甘特图</a:t>
             </a:r>
             <a:r>
               <a:rPr lang="en-US" altLang="zh-CN" dirty="0" smtClean="0">
@@ -19948,32 +20255,6 @@
             <a:r>
               <a:rPr lang="en-US" altLang="zh-CN" dirty="0">
                 <a:hlinkClick r:id="rId8" action="ppaction://hlinkfile"/>
-              </a:rPr>
-              <a:t>《PRD2018-G11-</a:t>
-            </a:r>
-            <a:r>
-              <a:rPr lang="zh-CN" altLang="en-US" dirty="0">
-                <a:hlinkClick r:id="rId8" action="ppaction://hlinkfile"/>
-              </a:rPr>
-              <a:t>需求工程计划甘特图</a:t>
-            </a:r>
-            <a:r>
-              <a:rPr lang="en-US" altLang="zh-CN" dirty="0" smtClean="0">
-                <a:hlinkClick r:id="rId8" action="ppaction://hlinkfile"/>
-              </a:rPr>
-              <a:t>》</a:t>
-            </a:r>
-            <a:endParaRPr lang="en-US" altLang="zh-CN" dirty="0" smtClean="0"/>
-          </a:p>
-          <a:p>
-            <a:pPr>
-              <a:lnSpc>
-                <a:spcPct val="150000"/>
-              </a:lnSpc>
-            </a:pPr>
-            <a:r>
-              <a:rPr lang="en-US" altLang="zh-CN" dirty="0">
-                <a:hlinkClick r:id="rId9" action="ppaction://hlinkfile"/>
               </a:rPr>
               <a:t>《PRD2018-G11-OBS-v1.0.0》</a:t>
             </a:r>
@@ -20136,20 +20417,8 @@
                 <a:tableStyleId>{5C22544A-7EE6-4342-B048-85BDC9FD1C3A}</a:tableStyleId>
               </a:tblPr>
               <a:tblGrid>
-                <a:gridCol w="2738864">
-                  <a:extLst>
-                    <a:ext uri="{9D8B030D-6E8A-4147-A177-3AD203B41FA5}">
-                      <a16:colId xmlns:a16="http://schemas.microsoft.com/office/drawing/2014/main" xmlns="" val="20000"/>
-                    </a:ext>
-                  </a:extLst>
-                </a:gridCol>
-                <a:gridCol w="4245610">
-                  <a:extLst>
-                    <a:ext uri="{9D8B030D-6E8A-4147-A177-3AD203B41FA5}">
-                      <a16:colId xmlns:a16="http://schemas.microsoft.com/office/drawing/2014/main" xmlns="" val="20001"/>
-                    </a:ext>
-                  </a:extLst>
-                </a:gridCol>
+                <a:gridCol w="2738864"/>
+                <a:gridCol w="4245610"/>
               </a:tblGrid>
               <a:tr h="1463744">
                 <a:tc>
@@ -20197,6 +20466,11 @@
                         </a:rPr>
                         <a:t>》</a:t>
                       </a:r>
+                      <a:endParaRPr lang="en-US" altLang="zh-CN" sz="2400" b="0" dirty="0" smtClean="0">
+                        <a:solidFill>
+                          <a:schemeClr val="tx1"/>
+                        </a:solidFill>
+                      </a:endParaRPr>
                     </a:p>
                     <a:p>
                       <a:pPr algn="l">
@@ -20256,6 +20530,11 @@
                         </a:rPr>
                         <a:t>     </a:t>
                       </a:r>
+                      <a:endParaRPr lang="en-US" altLang="zh-CN" sz="2400" b="0" dirty="0" smtClean="0">
+                        <a:solidFill>
+                          <a:schemeClr val="tx1"/>
+                        </a:solidFill>
+                      </a:endParaRPr>
                     </a:p>
                     <a:p>
                       <a:pPr algn="l"/>
@@ -20299,11 +20578,6 @@
                     </a:solidFill>
                   </a:tcPr>
                 </a:tc>
-                <a:extLst>
-                  <a:ext uri="{0D108BD9-81ED-4DB2-BD59-A6C34878D82A}">
-                    <a16:rowId xmlns:a16="http://schemas.microsoft.com/office/drawing/2014/main" xmlns="" val="10000"/>
-                  </a:ext>
-                </a:extLst>
               </a:tr>
               <a:tr h="1270000">
                 <a:tc>
@@ -20354,6 +20628,11 @@
                         </a:rPr>
                         <a:t>》</a:t>
                       </a:r>
+                      <a:endParaRPr lang="en-US" altLang="zh-CN" dirty="0" smtClean="0">
+                        <a:solidFill>
+                          <a:schemeClr val="tx1"/>
+                        </a:solidFill>
+                      </a:endParaRPr>
                     </a:p>
                     <a:p>
                       <a:pPr algn="l">
@@ -20432,19 +20711,6 @@
                         </a:rPr>
                         <a:t>   Joy Beatty</a:t>
                       </a:r>
-                    </a:p>
-                    <a:p>
-                      <a:pPr algn="l">
-                        <a:buNone/>
-                      </a:pPr>
-                      <a:r>
-                        <a:rPr lang="zh-CN" altLang="en-US" baseline="0" dirty="0" smtClean="0">
-                          <a:solidFill>
-                            <a:schemeClr val="tx1"/>
-                          </a:solidFill>
-                        </a:rPr>
-                        <a:t>清华大学出版社</a:t>
-                      </a:r>
                       <a:endParaRPr lang="en-US" altLang="zh-CN" baseline="0" dirty="0" smtClean="0">
                         <a:solidFill>
                           <a:schemeClr val="tx1"/>
@@ -20456,6 +20722,24 @@
                         <a:buNone/>
                       </a:pPr>
                       <a:r>
+                        <a:rPr lang="zh-CN" altLang="en-US" baseline="0" dirty="0" smtClean="0">
+                          <a:solidFill>
+                            <a:schemeClr val="tx1"/>
+                          </a:solidFill>
+                        </a:rPr>
+                        <a:t>清华大学出版社</a:t>
+                      </a:r>
+                      <a:endParaRPr lang="en-US" altLang="zh-CN" baseline="0" dirty="0" smtClean="0">
+                        <a:solidFill>
+                          <a:schemeClr val="tx1"/>
+                        </a:solidFill>
+                      </a:endParaRPr>
+                    </a:p>
+                    <a:p>
+                      <a:pPr algn="l">
+                        <a:buNone/>
+                      </a:pPr>
+                      <a:r>
                         <a:rPr lang="en-US" altLang="zh-CN" baseline="0" dirty="0" smtClean="0">
                           <a:solidFill>
                             <a:schemeClr val="tx1"/>
@@ -20512,11 +20796,6 @@
                   </a:txBody>
                   <a:tcPr/>
                 </a:tc>
-                <a:extLst>
-                  <a:ext uri="{0D108BD9-81ED-4DB2-BD59-A6C34878D82A}">
-                    <a16:rowId xmlns:a16="http://schemas.microsoft.com/office/drawing/2014/main" xmlns="" val="10001"/>
-                  </a:ext>
-                </a:extLst>
               </a:tr>
               <a:tr h="1271270">
                 <a:tc>
@@ -20643,11 +20922,6 @@
                     </a:solidFill>
                   </a:tcPr>
                 </a:tc>
-                <a:extLst>
-                  <a:ext uri="{0D108BD9-81ED-4DB2-BD59-A6C34878D82A}">
-                    <a16:rowId xmlns:a16="http://schemas.microsoft.com/office/drawing/2014/main" xmlns="" val="10002"/>
-                  </a:ext>
-                </a:extLst>
               </a:tr>
             </a:tbl>
           </a:graphicData>
@@ -20658,13 +20932,13 @@
   <p:clrMapOvr>
     <a:masterClrMapping/>
   </p:clrMapOvr>
-  <mc:AlternateContent xmlns:mc="http://schemas.openxmlformats.org/markup-compatibility/2006" xmlns:p14="http://schemas.microsoft.com/office/powerpoint/2010/main">
-    <mc:Choice Requires="p14">
+  <mc:AlternateContent xmlns:mc="http://schemas.openxmlformats.org/markup-compatibility/2006">
+    <mc:Choice xmlns:p14="http://schemas.microsoft.com/office/powerpoint/2010/main" Requires="p14">
       <p:transition spd="slow" p14:dur="1200" advClick="0" advTm="0">
         <p14:prism/>
       </p:transition>
     </mc:Choice>
-    <mc:Fallback xmlns="">
+    <mc:Fallback>
       <p:transition spd="slow" advClick="0" advTm="0">
         <p:fade/>
       </p:transition>
@@ -21042,6 +21316,13 @@
               </a:rPr>
               <a:t>分工及考评</a:t>
             </a:r>
+            <a:endParaRPr lang="zh-CN" sz="3200" b="1" dirty="0">
+              <a:solidFill>
+                <a:schemeClr val="bg1"/>
+              </a:solidFill>
+              <a:latin typeface="微软雅黑" panose="020B0503020204020204" pitchFamily="34" charset="-122"/>
+              <a:ea typeface="微软雅黑" panose="020B0503020204020204" pitchFamily="34" charset="-122"/>
+            </a:endParaRPr>
           </a:p>
         </p:txBody>
       </p:sp>
@@ -21051,13 +21332,7 @@
           <p:cNvGraphicFramePr>
             <a:graphicFrameLocks noGrp="1"/>
           </p:cNvGraphicFramePr>
-          <p:nvPr>
-            <p:extLst>
-              <p:ext uri="{D42A27DB-BD31-4B8C-83A1-F6EECF244321}">
-                <p14:modId xmlns:p14="http://schemas.microsoft.com/office/powerpoint/2010/main" val="2170962781"/>
-              </p:ext>
-            </p:extLst>
-          </p:nvPr>
+          <p:nvPr/>
         </p:nvGraphicFramePr>
         <p:xfrm>
           <a:off x="3214886" y="1485578"/>
@@ -21070,27 +21345,9 @@
                 <a:tableStyleId>{5C22544A-7EE6-4342-B048-85BDC9FD1C3A}</a:tableStyleId>
               </a:tblPr>
               <a:tblGrid>
-                <a:gridCol w="2708981">
-                  <a:extLst>
-                    <a:ext uri="{9D8B030D-6E8A-4147-A177-3AD203B41FA5}">
-                      <a16:colId xmlns:a16="http://schemas.microsoft.com/office/drawing/2014/main" xmlns="" val="20000"/>
-                    </a:ext>
-                  </a:extLst>
-                </a:gridCol>
-                <a:gridCol w="2708981">
-                  <a:extLst>
-                    <a:ext uri="{9D8B030D-6E8A-4147-A177-3AD203B41FA5}">
-                      <a16:colId xmlns:a16="http://schemas.microsoft.com/office/drawing/2014/main" xmlns="" val="20001"/>
-                    </a:ext>
-                  </a:extLst>
-                </a:gridCol>
-                <a:gridCol w="2708981">
-                  <a:extLst>
-                    <a:ext uri="{9D8B030D-6E8A-4147-A177-3AD203B41FA5}">
-                      <a16:colId xmlns:a16="http://schemas.microsoft.com/office/drawing/2014/main" xmlns="" val="20002"/>
-                    </a:ext>
-                  </a:extLst>
-                </a:gridCol>
+                <a:gridCol w="2708981"/>
+                <a:gridCol w="2708981"/>
+                <a:gridCol w="2708981"/>
               </a:tblGrid>
               <a:tr h="370840">
                 <a:tc>
@@ -21135,11 +21392,6 @@
                   </a:txBody>
                   <a:tcPr/>
                 </a:tc>
-                <a:extLst>
-                  <a:ext uri="{0D108BD9-81ED-4DB2-BD59-A6C34878D82A}">
-                    <a16:rowId xmlns:a16="http://schemas.microsoft.com/office/drawing/2014/main" xmlns="" val="10000"/>
-                  </a:ext>
-                </a:extLst>
               </a:tr>
               <a:tr h="370840">
                 <a:tc>
@@ -21200,11 +21452,6 @@
                   </a:txBody>
                   <a:tcPr/>
                 </a:tc>
-                <a:extLst>
-                  <a:ext uri="{0D108BD9-81ED-4DB2-BD59-A6C34878D82A}">
-                    <a16:rowId xmlns:a16="http://schemas.microsoft.com/office/drawing/2014/main" xmlns="" val="10001"/>
-                  </a:ext>
-                </a:extLst>
               </a:tr>
               <a:tr h="731520">
                 <a:tc>
@@ -21238,40 +21485,6 @@
                         <a:rPr lang="zh-CN" altLang="en-US" dirty="0"/>
                         <a:t>管理，支持条件，</a:t>
                       </a:r>
-                    </a:p>
-                  </a:txBody>
-                  <a:tcPr/>
-                </a:tc>
-                <a:tc>
-                  <a:txBody>
-                    <a:bodyPr/>
-                    <a:lstStyle/>
-                    <a:p>
-                      <a:r>
-                        <a:rPr lang="en-US" altLang="zh-CN" dirty="0" smtClean="0"/>
-                        <a:t>9.7</a:t>
-                      </a:r>
-                      <a:endParaRPr lang="en-US" altLang="zh-CN" dirty="0"/>
-                    </a:p>
-                  </a:txBody>
-                  <a:tcPr/>
-                </a:tc>
-                <a:extLst>
-                  <a:ext uri="{0D108BD9-81ED-4DB2-BD59-A6C34878D82A}">
-                    <a16:rowId xmlns:a16="http://schemas.microsoft.com/office/drawing/2014/main" xmlns="" val="10002"/>
-                  </a:ext>
-                </a:extLst>
-              </a:tr>
-              <a:tr h="370840">
-                <a:tc>
-                  <a:txBody>
-                    <a:bodyPr/>
-                    <a:lstStyle/>
-                    <a:p>
-                      <a:r>
-                        <a:rPr lang="zh-CN" altLang="en-US" dirty="0" smtClean="0"/>
-                        <a:t>陈子卿</a:t>
-                      </a:r>
                       <a:endParaRPr lang="zh-CN" altLang="en-US" dirty="0"/>
                     </a:p>
                   </a:txBody>
@@ -21283,41 +21496,24 @@
                     <a:lstStyle/>
                     <a:p>
                       <a:r>
-                        <a:rPr lang="zh-CN" altLang="en-US"/>
-                        <a:t>项目预算，成本管理，风险计划</a:t>
-                      </a:r>
+                        <a:rPr lang="en-US" altLang="zh-CN" dirty="0" smtClean="0"/>
+                        <a:t>9.7</a:t>
+                      </a:r>
+                      <a:endParaRPr lang="en-US" altLang="zh-CN" dirty="0"/>
                     </a:p>
                   </a:txBody>
                   <a:tcPr/>
                 </a:tc>
+              </a:tr>
+              <a:tr h="370840">
                 <a:tc>
                   <a:txBody>
                     <a:bodyPr/>
                     <a:lstStyle/>
                     <a:p>
                       <a:r>
-                        <a:rPr lang="en-US" altLang="zh-CN"/>
-                        <a:t>9.4</a:t>
-                      </a:r>
-                    </a:p>
-                  </a:txBody>
-                  <a:tcPr/>
-                </a:tc>
-                <a:extLst>
-                  <a:ext uri="{0D108BD9-81ED-4DB2-BD59-A6C34878D82A}">
-                    <a16:rowId xmlns:a16="http://schemas.microsoft.com/office/drawing/2014/main" xmlns="" val="10003"/>
-                  </a:ext>
-                </a:extLst>
-              </a:tr>
-              <a:tr h="731520">
-                <a:tc>
-                  <a:txBody>
-                    <a:bodyPr/>
-                    <a:lstStyle/>
-                    <a:p>
-                      <a:r>
                         <a:rPr lang="zh-CN" altLang="en-US" dirty="0" smtClean="0"/>
-                        <a:t>蔡峰</a:t>
+                        <a:t>陈子卿</a:t>
                       </a:r>
                       <a:endParaRPr lang="zh-CN" altLang="en-US" dirty="0"/>
                     </a:p>
@@ -21330,13 +21526,10 @@
                     <a:lstStyle/>
                     <a:p>
                       <a:r>
-                        <a:rPr lang="en-US" altLang="zh-CN"/>
-                        <a:t>OBS</a:t>
-                      </a:r>
-                      <a:r>
                         <a:rPr lang="zh-CN" altLang="en-US"/>
-                        <a:t>，人力资源管理，沟通管理</a:t>
-                      </a:r>
+                        <a:t>项目预算，成本管理，风险计划</a:t>
+                      </a:r>
+                      <a:endParaRPr lang="zh-CN" altLang="en-US"/>
                     </a:p>
                   </a:txBody>
                   <a:tcPr/>
@@ -21347,21 +21540,16 @@
                     <a:lstStyle/>
                     <a:p>
                       <a:r>
-                        <a:rPr lang="en-US" altLang="zh-CN" dirty="0" smtClean="0"/>
-                        <a:t>9.3</a:t>
-                      </a:r>
-                      <a:endParaRPr lang="en-US" altLang="zh-CN" dirty="0"/>
+                        <a:rPr lang="en-US" altLang="zh-CN"/>
+                        <a:t>9.4</a:t>
+                      </a:r>
+                      <a:endParaRPr lang="en-US" altLang="zh-CN"/>
                     </a:p>
                   </a:txBody>
                   <a:tcPr/>
                 </a:tc>
-                <a:extLst>
-                  <a:ext uri="{0D108BD9-81ED-4DB2-BD59-A6C34878D82A}">
-                    <a16:rowId xmlns:a16="http://schemas.microsoft.com/office/drawing/2014/main" xmlns="" val="10004"/>
-                  </a:ext>
-                </a:extLst>
               </a:tr>
-              <a:tr h="370840">
+              <a:tr h="731520">
                 <a:tc>
                   <a:txBody>
                     <a:bodyPr/>
@@ -21369,7 +21557,7 @@
                     <a:p>
                       <a:r>
                         <a:rPr lang="zh-CN" altLang="en-US" dirty="0" smtClean="0"/>
-                        <a:t>苏雨豪</a:t>
+                        <a:t>蔡峰</a:t>
                       </a:r>
                       <a:endParaRPr lang="zh-CN" altLang="en-US" dirty="0"/>
                     </a:p>
@@ -21382,32 +21570,42 @@
                     <a:lstStyle/>
                     <a:p>
                       <a:r>
-                        <a:rPr lang="zh-CN" altLang="en-US" dirty="0"/>
-                        <a:t>答辩</a:t>
-                      </a:r>
-                      <a:r>
-                        <a:rPr lang="en-US" altLang="zh-CN" dirty="0"/>
-                        <a:t>PPT</a:t>
-                      </a:r>
-                      <a:r>
-                        <a:rPr lang="zh-CN" altLang="en-US" dirty="0"/>
-                        <a:t>的制作，</a:t>
-                      </a:r>
-                      <a:r>
-                        <a:rPr lang="en-US" altLang="zh-CN" dirty="0"/>
-                        <a:t>wbs-</a:t>
-                      </a:r>
-                      <a:r>
-                        <a:rPr lang="en-US" altLang="zh-CN" dirty="0" err="1"/>
-                        <a:t>io</a:t>
-                      </a:r>
-                      <a:r>
-                        <a:rPr lang="zh-CN" altLang="en-US" dirty="0"/>
-                        <a:t>的</a:t>
-                      </a:r>
+                        <a:rPr lang="en-US" altLang="zh-CN"/>
+                        <a:t>OBS</a:t>
+                      </a:r>
+                      <a:r>
+                        <a:rPr lang="zh-CN" altLang="en-US"/>
+                        <a:t>，人力资源管理，沟通管理</a:t>
+                      </a:r>
+                      <a:endParaRPr lang="zh-CN" altLang="en-US"/>
+                    </a:p>
+                  </a:txBody>
+                  <a:tcPr/>
+                </a:tc>
+                <a:tc>
+                  <a:txBody>
+                    <a:bodyPr/>
+                    <a:lstStyle/>
+                    <a:p>
+                      <a:r>
+                        <a:rPr lang="en-US" altLang="zh-CN" dirty="0" smtClean="0"/>
+                        <a:t>9.3</a:t>
+                      </a:r>
+                      <a:endParaRPr lang="en-US" altLang="zh-CN" dirty="0"/>
+                    </a:p>
+                  </a:txBody>
+                  <a:tcPr/>
+                </a:tc>
+              </a:tr>
+              <a:tr h="370840">
+                <a:tc>
+                  <a:txBody>
+                    <a:bodyPr/>
+                    <a:lstStyle/>
+                    <a:p>
                       <a:r>
                         <a:rPr lang="zh-CN" altLang="en-US" dirty="0" smtClean="0"/>
-                        <a:t>制作，项目章程</a:t>
+                        <a:t>苏雨豪</a:t>
                       </a:r>
                       <a:endParaRPr lang="zh-CN" altLang="en-US" dirty="0"/>
                     </a:p>
@@ -21420,18 +21618,52 @@
                     <a:lstStyle/>
                     <a:p>
                       <a:r>
+                        <a:rPr lang="zh-CN" altLang="en-US" dirty="0"/>
+                        <a:t>答辩</a:t>
+                      </a:r>
+                      <a:r>
                         <a:rPr lang="en-US" altLang="zh-CN" dirty="0"/>
-                        <a:t>9.5</a:t>
-                      </a:r>
+                        <a:t>PPT</a:t>
+                      </a:r>
+                      <a:r>
+                        <a:rPr lang="zh-CN" altLang="en-US" dirty="0"/>
+                        <a:t>的制作，</a:t>
+                      </a:r>
+                      <a:r>
+                        <a:rPr lang="en-US" altLang="zh-CN" dirty="0"/>
+                        <a:t>wbs-</a:t>
+                      </a:r>
+                      <a:r>
+                        <a:rPr lang="en-US" altLang="zh-CN" dirty="0" err="1"/>
+                        <a:t>io</a:t>
+                      </a:r>
+                      <a:r>
+                        <a:rPr lang="zh-CN" altLang="en-US" dirty="0"/>
+                        <a:t>的</a:t>
+                      </a:r>
+                      <a:r>
+                        <a:rPr lang="zh-CN" altLang="en-US" dirty="0" smtClean="0"/>
+                        <a:t>制作，项目章程</a:t>
+                      </a:r>
+                      <a:endParaRPr lang="zh-CN" altLang="en-US" dirty="0"/>
                     </a:p>
                   </a:txBody>
                   <a:tcPr/>
                 </a:tc>
-                <a:extLst>
-                  <a:ext uri="{0D108BD9-81ED-4DB2-BD59-A6C34878D82A}">
-                    <a16:rowId xmlns:a16="http://schemas.microsoft.com/office/drawing/2014/main" xmlns="" val="10005"/>
-                  </a:ext>
-                </a:extLst>
+                <a:tc>
+                  <a:txBody>
+                    <a:bodyPr/>
+                    <a:lstStyle/>
+                    <a:p>
+                      <a:r>
+                        <a:rPr lang="en-US" altLang="zh-CN" dirty="0"/>
+                        <a:t>9.5</a:t>
+                      </a:r>
+                      <a:endParaRPr lang="en-US" altLang="zh-CN" dirty="0"/>
+                    </a:p>
+                  </a:txBody>
+                  <a:tcPr/>
+                </a:tc>
               </a:tr>
             </a:tbl>
           </a:graphicData>
@@ -21442,13 +21674,13 @@
   <p:clrMapOvr>
     <a:masterClrMapping/>
   </p:clrMapOvr>
-  <mc:AlternateContent xmlns:mc="http://schemas.openxmlformats.org/markup-compatibility/2006" xmlns:p14="http://schemas.microsoft.com/office/powerpoint/2010/main">
-    <mc:Choice Requires="p14">
+  <mc:AlternateContent xmlns:mc="http://schemas.openxmlformats.org/markup-compatibility/2006">
+    <mc:Choice xmlns:p14="http://schemas.microsoft.com/office/powerpoint/2010/main" Requires="p14">
       <p:transition spd="slow" p14:dur="1200" advClick="0" advTm="0">
         <p14:prism/>
       </p:transition>
     </mc:Choice>
-    <mc:Fallback xmlns="">
+    <mc:Fallback>
       <p:transition spd="slow" advClick="0" advTm="0">
         <p:fade/>
       </p:transition>
@@ -22319,6 +22551,16 @@
               </a:rPr>
               <a:t>汇报结束 感谢观看</a:t>
             </a:r>
+            <a:endParaRPr lang="zh-CN" altLang="en-US" sz="3600" b="1" dirty="0">
+              <a:solidFill>
+                <a:schemeClr val="tx1">
+                  <a:lumMod val="75000"/>
+                  <a:lumOff val="25000"/>
+                </a:schemeClr>
+              </a:solidFill>
+              <a:latin typeface="微软雅黑" panose="020B0503020204020204" pitchFamily="34" charset="-122"/>
+              <a:ea typeface="微软雅黑" panose="020B0503020204020204" pitchFamily="34" charset="-122"/>
+            </a:endParaRPr>
           </a:p>
         </p:txBody>
       </p:sp>
@@ -22480,16 +22722,16 @@
             <a:picLocks noChangeAspect="1"/>
           </p:cNvPicPr>
           <p:nvPr>
-            <a:audioFile r:link="rId2"/>
+            <a:audioFile r:link="rId1"/>
             <p:extLst>
               <p:ext uri="{DAA4B4D4-6D71-4841-9C94-3DE7FCFB9230}">
-                <p14:media xmlns:p14="http://schemas.microsoft.com/office/powerpoint/2010/main" r:embed="rId1"/>
+                <p14:media xmlns:p14="http://schemas.microsoft.com/office/powerpoint/2010/main" r:embed="rId2"/>
               </p:ext>
             </p:extLst>
           </p:nvPr>
         </p:nvPicPr>
         <p:blipFill>
-          <a:blip r:embed="rId5"/>
+          <a:blip r:embed="rId3"/>
           <a:stretch>
             <a:fillRect/>
           </a:stretch>
@@ -22537,6 +22779,14 @@
               </a:rPr>
               <a:t>浙江大学城市学院</a:t>
             </a:r>
+            <a:endParaRPr lang="zh-CN" altLang="en-US" kern="300" spc="2000">
+              <a:solidFill>
+                <a:schemeClr val="tx1"/>
+              </a:solidFill>
+              <a:uFillTx/>
+              <a:latin typeface="+中文标题" charset="0"/>
+              <a:ea typeface="+mj-ea"/>
+            </a:endParaRPr>
           </a:p>
         </p:txBody>
       </p:sp>
@@ -22545,13 +22795,13 @@
   <p:clrMapOvr>
     <a:masterClrMapping/>
   </p:clrMapOvr>
-  <mc:AlternateContent xmlns:mc="http://schemas.openxmlformats.org/markup-compatibility/2006" xmlns:p14="http://schemas.microsoft.com/office/powerpoint/2010/main">
-    <mc:Choice Requires="p14">
+  <mc:AlternateContent xmlns:mc="http://schemas.openxmlformats.org/markup-compatibility/2006">
+    <mc:Choice xmlns:p14="http://schemas.microsoft.com/office/powerpoint/2010/main" Requires="p14">
       <p:transition spd="slow" p14:dur="1600" advClick="0" advTm="0">
         <p:blinds dir="vert"/>
       </p:transition>
     </mc:Choice>
-    <mc:Fallback xmlns="">
+    <mc:Fallback>
       <p:transition spd="slow" advClick="0" advTm="0">
         <p:blinds dir="vert"/>
       </p:transition>
@@ -23716,6 +23966,10 @@
               </a:rPr>
               <a:t>软件工程教学辅助软件</a:t>
             </a:r>
+            <a:endParaRPr lang="zh-CN" altLang="en-US" sz="2000" dirty="0">
+              <a:latin typeface="微软雅黑" panose="020B0503020204020204" pitchFamily="34" charset="-122"/>
+              <a:ea typeface="微软雅黑" panose="020B0503020204020204" pitchFamily="34" charset="-122"/>
+            </a:endParaRPr>
           </a:p>
           <a:p>
             <a:pPr algn="just">
@@ -23765,6 +24019,13 @@
               </a:rPr>
               <a:t>项目简介</a:t>
             </a:r>
+            <a:endParaRPr lang="zh-CN" altLang="en-US" sz="3200" b="1" dirty="0">
+              <a:solidFill>
+                <a:schemeClr val="bg1"/>
+              </a:solidFill>
+              <a:latin typeface="微软雅黑" panose="020B0503020204020204" pitchFamily="34" charset="-122"/>
+              <a:ea typeface="微软雅黑" panose="020B0503020204020204" pitchFamily="34" charset="-122"/>
+            </a:endParaRPr>
           </a:p>
         </p:txBody>
       </p:sp>
@@ -24477,6 +24738,13 @@
               </a:rPr>
               <a:t>项目简介</a:t>
             </a:r>
+            <a:endParaRPr lang="zh-CN" altLang="en-US" sz="3200" b="1" dirty="0">
+              <a:solidFill>
+                <a:schemeClr val="bg1"/>
+              </a:solidFill>
+              <a:latin typeface="微软雅黑" panose="020B0503020204020204" pitchFamily="34" charset="-122"/>
+              <a:ea typeface="微软雅黑" panose="020B0503020204020204" pitchFamily="34" charset="-122"/>
+            </a:endParaRPr>
           </a:p>
         </p:txBody>
       </p:sp>
@@ -24499,34 +24767,10 @@
                 <a:tableStyleId>{5FD0F851-EC5A-4D38-B0AD-8093EC10F338}</a:tableStyleId>
               </a:tblPr>
               <a:tblGrid>
-                <a:gridCol w="1250315">
-                  <a:extLst>
-                    <a:ext uri="{9D8B030D-6E8A-4147-A177-3AD203B41FA5}">
-                      <a16:colId xmlns:a16="http://schemas.microsoft.com/office/drawing/2014/main" xmlns="" val="20000"/>
-                    </a:ext>
-                  </a:extLst>
-                </a:gridCol>
-                <a:gridCol w="2049145">
-                  <a:extLst>
-                    <a:ext uri="{9D8B030D-6E8A-4147-A177-3AD203B41FA5}">
-                      <a16:colId xmlns:a16="http://schemas.microsoft.com/office/drawing/2014/main" xmlns="" val="20001"/>
-                    </a:ext>
-                  </a:extLst>
-                </a:gridCol>
-                <a:gridCol w="3168015">
-                  <a:extLst>
-                    <a:ext uri="{9D8B030D-6E8A-4147-A177-3AD203B41FA5}">
-                      <a16:colId xmlns:a16="http://schemas.microsoft.com/office/drawing/2014/main" xmlns="" val="20002"/>
-                    </a:ext>
-                  </a:extLst>
-                </a:gridCol>
-                <a:gridCol w="1623060">
-                  <a:extLst>
-                    <a:ext uri="{9D8B030D-6E8A-4147-A177-3AD203B41FA5}">
-                      <a16:colId xmlns:a16="http://schemas.microsoft.com/office/drawing/2014/main" xmlns="" val="20003"/>
-                    </a:ext>
-                  </a:extLst>
-                </a:gridCol>
+                <a:gridCol w="1250315"/>
+                <a:gridCol w="2049145"/>
+                <a:gridCol w="3168015"/>
+                <a:gridCol w="1623060"/>
               </a:tblGrid>
               <a:tr h="504825">
                 <a:tc>
@@ -24673,11 +24917,6 @@
                     </a:solidFill>
                   </a:tcPr>
                 </a:tc>
-                <a:extLst>
-                  <a:ext uri="{0D108BD9-81ED-4DB2-BD59-A6C34878D82A}">
-                    <a16:rowId xmlns:a16="http://schemas.microsoft.com/office/drawing/2014/main" xmlns="" val="10000"/>
-                  </a:ext>
-                </a:extLst>
               </a:tr>
               <a:tr h="663575">
                 <a:tc>
@@ -24699,124 +24938,7 @@
                         </a:rPr>
                         <a:t>杨枨</a:t>
                       </a:r>
-                    </a:p>
-                  </a:txBody>
-                  <a:tcPr marL="68580" marR="68580" marT="0" marB="0" anchor="ctr"/>
-                </a:tc>
-                <a:tc>
-                  <a:txBody>
-                    <a:bodyPr/>
-                    <a:lstStyle/>
-                    <a:p>
-                      <a:pPr lvl="0" indent="266700" algn="l">
-                        <a:spcAft>
-                          <a:spcPts val="0"/>
-                        </a:spcAft>
-                      </a:pPr>
-                      <a:r>
-                        <a:rPr lang="en-US" sz="1800" kern="100" dirty="0">
-                          <a:effectLst/>
-                          <a:latin typeface="+mn-ea"/>
-                          <a:ea typeface="+mn-ea"/>
-                          <a:cs typeface="Times New Roman" panose="02020603050405020304" pitchFamily="18" charset="0"/>
-                        </a:rPr>
-                        <a:t>13357102333</a:t>
-                      </a:r>
-                    </a:p>
-                  </a:txBody>
-                  <a:tcPr marL="68580" marR="68580" marT="0" marB="0" anchor="ctr"/>
-                </a:tc>
-                <a:tc>
-                  <a:txBody>
-                    <a:bodyPr/>
-                    <a:lstStyle/>
-                    <a:p>
-                      <a:pPr lvl="0" indent="127000" algn="l">
-                        <a:spcAft>
-                          <a:spcPts val="0"/>
-                        </a:spcAft>
-                      </a:pPr>
-                      <a:r>
-                        <a:rPr lang="en-US" sz="1800" u="none" strike="noStrike" kern="100" dirty="0">
-                          <a:solidFill>
-                            <a:srgbClr val="0563C1"/>
-                          </a:solidFill>
-                          <a:effectLst/>
-                          <a:latin typeface="+mn-ea"/>
-                          <a:ea typeface="+mn-ea"/>
-                          <a:cs typeface="Times New Roman" panose="02020603050405020304" pitchFamily="18" charset="0"/>
-                        </a:rPr>
-                        <a:t>yangc@zucc.edu.cn</a:t>
-                      </a:r>
-                    </a:p>
-                  </a:txBody>
-                  <a:tcPr marL="68580" marR="68580" marT="0" marB="0" anchor="ctr"/>
-                </a:tc>
-                <a:tc>
-                  <a:txBody>
-                    <a:bodyPr/>
-                    <a:lstStyle/>
-                    <a:p>
-                      <a:pPr lvl="0" indent="266700" algn="l">
-                        <a:spcAft>
-                          <a:spcPts val="0"/>
-                        </a:spcAft>
-                      </a:pPr>
-                      <a:r>
-                        <a:rPr sz="1800" kern="100" dirty="0">
-                          <a:effectLst/>
-                          <a:latin typeface="+mn-ea"/>
-                          <a:ea typeface="+mn-ea"/>
-                          <a:cs typeface="Times New Roman" panose="02020603050405020304" pitchFamily="18" charset="0"/>
-                        </a:rPr>
-                        <a:t>理四</a:t>
-                      </a:r>
-                      <a:r>
-                        <a:rPr sz="1800" kern="100" dirty="0" smtClean="0">
-                          <a:effectLst/>
-                          <a:latin typeface="+mn-ea"/>
-                          <a:ea typeface="+mn-ea"/>
-                          <a:cs typeface="Times New Roman" panose="02020603050405020304" pitchFamily="18" charset="0"/>
-                        </a:rPr>
-                        <a:t>504</a:t>
-                      </a:r>
-                      <a:endParaRPr lang="en-US" sz="1800" kern="100" dirty="0" smtClean="0">
-                        <a:effectLst/>
-                        <a:latin typeface="+mn-ea"/>
-                        <a:ea typeface="+mn-ea"/>
-                        <a:cs typeface="Times New Roman" panose="02020603050405020304" pitchFamily="18" charset="0"/>
-                      </a:endParaRPr>
-                    </a:p>
-                  </a:txBody>
-                  <a:tcPr marL="68580" marR="68580" marT="0" marB="0" anchor="ctr"/>
-                </a:tc>
-                <a:extLst>
-                  <a:ext uri="{0D108BD9-81ED-4DB2-BD59-A6C34878D82A}">
-                    <a16:rowId xmlns:a16="http://schemas.microsoft.com/office/drawing/2014/main" xmlns="" val="10001"/>
-                  </a:ext>
-                </a:extLst>
-              </a:tr>
-              <a:tr h="663575">
-                <a:tc>
-                  <a:txBody>
-                    <a:bodyPr/>
-                    <a:lstStyle/>
-                    <a:p>
-                      <a:pPr lvl="0" indent="266700" algn="l">
-                        <a:spcAft>
-                          <a:spcPts val="0"/>
-                        </a:spcAft>
-                      </a:pPr>
-                      <a:r>
-                        <a:rPr lang="zh-CN" altLang="en-US" sz="1800" kern="100" dirty="0" smtClean="0">
-                          <a:effectLst/>
-                          <a:latin typeface="+mn-ea"/>
-                          <a:ea typeface="+mn-ea"/>
-                          <a:cs typeface="Times New Roman" panose="02020603050405020304" pitchFamily="18" charset="0"/>
-                        </a:rPr>
-                        <a:t>侯宏仑</a:t>
-                      </a:r>
-                      <a:endParaRPr lang="zh-CN" sz="1800" kern="100" dirty="0">
+                      <a:endParaRPr lang="zh-CN" sz="1800" kern="100">
                         <a:effectLst/>
                         <a:latin typeface="+mn-ea"/>
                         <a:ea typeface="+mn-ea"/>
@@ -24837,13 +24959,13 @@
                         </a:spcAft>
                       </a:pPr>
                       <a:r>
-                        <a:rPr lang="en-US" sz="1800" kern="100" dirty="0" smtClean="0">
+                        <a:rPr lang="en-US" sz="1800" kern="100" dirty="0">
                           <a:effectLst/>
                           <a:latin typeface="+mn-ea"/>
                           <a:ea typeface="+mn-ea"/>
                           <a:cs typeface="Times New Roman" panose="02020603050405020304" pitchFamily="18" charset="0"/>
                         </a:rPr>
-                        <a:t>13071858629</a:t>
+                        <a:t>13357102333</a:t>
                       </a:r>
                       <a:endParaRPr lang="en-US" sz="1800" kern="100" dirty="0">
                         <a:effectLst/>
@@ -24866,7 +24988,7 @@
                         </a:spcAft>
                       </a:pPr>
                       <a:r>
-                        <a:rPr lang="en-US" sz="1800" u="none" strike="noStrike" kern="100" dirty="0" smtClean="0">
+                        <a:rPr lang="en-US" sz="1800" u="none" strike="noStrike" kern="100" dirty="0">
                           <a:solidFill>
                             <a:srgbClr val="0563C1"/>
                           </a:solidFill>
@@ -24875,7 +24997,7 @@
                           <a:ea typeface="+mn-ea"/>
                           <a:cs typeface="Times New Roman" panose="02020603050405020304" pitchFamily="18" charset="0"/>
                         </a:rPr>
-                        <a:t>houhl@zucc.edu.cn</a:t>
+                        <a:t>yangc@zucc.edu.cn</a:t>
                       </a:r>
                       <a:endParaRPr lang="en-US" sz="1800" u="none" strike="noStrike" kern="100" dirty="0">
                         <a:solidFill>
@@ -24901,7 +25023,7 @@
                         </a:spcAft>
                       </a:pPr>
                       <a:r>
-                        <a:rPr lang="zh-CN" altLang="en-US" sz="1800" kern="100" dirty="0" smtClean="0">
+                        <a:rPr sz="1800" kern="100" dirty="0">
                           <a:effectLst/>
                           <a:latin typeface="+mn-ea"/>
                           <a:ea typeface="+mn-ea"/>
@@ -24910,13 +25032,13 @@
                         <a:t>理四</a:t>
                       </a:r>
                       <a:r>
-                        <a:rPr lang="en-US" altLang="zh-CN" sz="1800" kern="100" dirty="0" smtClean="0">
+                        <a:rPr sz="1800" kern="100" dirty="0" smtClean="0">
                           <a:effectLst/>
                           <a:latin typeface="+mn-ea"/>
                           <a:ea typeface="+mn-ea"/>
                           <a:cs typeface="Times New Roman" panose="02020603050405020304" pitchFamily="18" charset="0"/>
                         </a:rPr>
-                        <a:t>501</a:t>
+                        <a:t>504</a:t>
                       </a:r>
                       <a:endParaRPr lang="en-US" sz="1800" kern="100" dirty="0" smtClean="0">
                         <a:effectLst/>
@@ -24928,11 +25050,139 @@
                   </a:txBody>
                   <a:tcPr marL="68580" marR="68580" marT="0" marB="0" anchor="ctr"/>
                 </a:tc>
-                <a:extLst>
-                  <a:ext uri="{0D108BD9-81ED-4DB2-BD59-A6C34878D82A}">
-                    <a16:rowId xmlns:a16="http://schemas.microsoft.com/office/drawing/2014/main" xmlns="" val="10002"/>
-                  </a:ext>
-                </a:extLst>
+              </a:tr>
+              <a:tr h="663575">
+                <a:tc>
+                  <a:txBody>
+                    <a:bodyPr/>
+                    <a:lstStyle/>
+                    <a:p>
+                      <a:pPr lvl="0" indent="266700" algn="l">
+                        <a:spcAft>
+                          <a:spcPts val="0"/>
+                        </a:spcAft>
+                      </a:pPr>
+                      <a:r>
+                        <a:rPr lang="zh-CN" altLang="en-US" sz="1800" kern="100" dirty="0" smtClean="0">
+                          <a:effectLst/>
+                          <a:latin typeface="+mn-ea"/>
+                          <a:ea typeface="+mn-ea"/>
+                          <a:cs typeface="Times New Roman" panose="02020603050405020304" pitchFamily="18" charset="0"/>
+                        </a:rPr>
+                        <a:t>侯宏仑</a:t>
+                      </a:r>
+                      <a:endParaRPr lang="zh-CN" sz="1800" kern="100" dirty="0">
+                        <a:effectLst/>
+                        <a:latin typeface="+mn-ea"/>
+                        <a:ea typeface="+mn-ea"/>
+                        <a:cs typeface="Times New Roman" panose="02020603050405020304" pitchFamily="18" charset="0"/>
+                      </a:endParaRPr>
+                    </a:p>
+                  </a:txBody>
+                  <a:tcPr marL="68580" marR="68580" marT="0" marB="0" anchor="ctr"/>
+                </a:tc>
+                <a:tc>
+                  <a:txBody>
+                    <a:bodyPr/>
+                    <a:lstStyle/>
+                    <a:p>
+                      <a:pPr lvl="0" indent="266700" algn="l">
+                        <a:spcAft>
+                          <a:spcPts val="0"/>
+                        </a:spcAft>
+                      </a:pPr>
+                      <a:r>
+                        <a:rPr lang="en-US" sz="1800" kern="100" dirty="0" smtClean="0">
+                          <a:effectLst/>
+                          <a:latin typeface="+mn-ea"/>
+                          <a:ea typeface="+mn-ea"/>
+                          <a:cs typeface="Times New Roman" panose="02020603050405020304" pitchFamily="18" charset="0"/>
+                        </a:rPr>
+                        <a:t>13071858629</a:t>
+                      </a:r>
+                      <a:endParaRPr lang="en-US" sz="1800" kern="100" dirty="0">
+                        <a:effectLst/>
+                        <a:latin typeface="+mn-ea"/>
+                        <a:ea typeface="+mn-ea"/>
+                        <a:cs typeface="Times New Roman" panose="02020603050405020304" pitchFamily="18" charset="0"/>
+                      </a:endParaRPr>
+                    </a:p>
+                  </a:txBody>
+                  <a:tcPr marL="68580" marR="68580" marT="0" marB="0" anchor="ctr"/>
+                </a:tc>
+                <a:tc>
+                  <a:txBody>
+                    <a:bodyPr/>
+                    <a:lstStyle/>
+                    <a:p>
+                      <a:pPr lvl="0" indent="127000" algn="l">
+                        <a:spcAft>
+                          <a:spcPts val="0"/>
+                        </a:spcAft>
+                      </a:pPr>
+                      <a:r>
+                        <a:rPr lang="en-US" sz="1800" u="none" strike="noStrike" kern="100" dirty="0" smtClean="0">
+                          <a:solidFill>
+                            <a:srgbClr val="0563C1"/>
+                          </a:solidFill>
+                          <a:effectLst/>
+                          <a:latin typeface="+mn-ea"/>
+                          <a:ea typeface="+mn-ea"/>
+                          <a:cs typeface="Times New Roman" panose="02020603050405020304" pitchFamily="18" charset="0"/>
+                        </a:rPr>
+                        <a:t>houhl@zucc.edu.cn</a:t>
+                      </a:r>
+                      <a:endParaRPr lang="en-US" sz="1800" u="none" strike="noStrike" kern="100" dirty="0">
+                        <a:solidFill>
+                          <a:srgbClr val="0563C1"/>
+                        </a:solidFill>
+                        <a:effectLst/>
+                        <a:latin typeface="+mn-ea"/>
+                        <a:ea typeface="+mn-ea"/>
+                        <a:cs typeface="Times New Roman" panose="02020603050405020304" pitchFamily="18" charset="0"/>
+                      </a:endParaRPr>
+                    </a:p>
+                  </a:txBody>
+                  <a:tcPr marL="68580" marR="68580" marT="0" marB="0" anchor="ctr"/>
+                </a:tc>
+                <a:tc>
+                  <a:txBody>
+                    <a:bodyPr/>
+                    <a:lstStyle/>
+                    <a:p>
+                      <a:pPr lvl="0" indent="266700" algn="l">
+                        <a:spcAft>
+                          <a:spcPts val="0"/>
+                        </a:spcAft>
+                      </a:pPr>
+                      <a:r>
+                        <a:rPr lang="zh-CN" altLang="en-US" sz="1800" kern="100" dirty="0" smtClean="0">
+                          <a:effectLst/>
+                          <a:latin typeface="+mn-ea"/>
+                          <a:ea typeface="+mn-ea"/>
+                          <a:cs typeface="Times New Roman" panose="02020603050405020304" pitchFamily="18" charset="0"/>
+                        </a:rPr>
+                        <a:t>理四</a:t>
+                      </a:r>
+                      <a:r>
+                        <a:rPr lang="en-US" altLang="zh-CN" sz="1800" kern="100" dirty="0" smtClean="0">
+                          <a:effectLst/>
+                          <a:latin typeface="+mn-ea"/>
+                          <a:ea typeface="+mn-ea"/>
+                          <a:cs typeface="Times New Roman" panose="02020603050405020304" pitchFamily="18" charset="0"/>
+                        </a:rPr>
+                        <a:t>501</a:t>
+                      </a:r>
+                      <a:endParaRPr lang="en-US" sz="1800" kern="100" dirty="0" smtClean="0">
+                        <a:effectLst/>
+                        <a:latin typeface="+mn-ea"/>
+                        <a:ea typeface="+mn-ea"/>
+                        <a:cs typeface="Times New Roman" panose="02020603050405020304" pitchFamily="18" charset="0"/>
+                      </a:endParaRPr>
+                    </a:p>
+                  </a:txBody>
+                  <a:tcPr marL="68580" marR="68580" marT="0" marB="0" anchor="ctr"/>
+                </a:tc>
               </a:tr>
             </a:tbl>
           </a:graphicData>
@@ -24964,6 +25214,7 @@
               <a:rPr lang="zh-CN" altLang="en-US"/>
               <a:t>项目提出者：</a:t>
             </a:r>
+            <a:endParaRPr lang="zh-CN" altLang="en-US"/>
           </a:p>
         </p:txBody>
       </p:sp>
@@ -25362,6 +25613,13 @@
               </a:rPr>
               <a:t>项目简介</a:t>
             </a:r>
+            <a:endParaRPr lang="zh-CN" altLang="en-US" sz="3200" b="1" dirty="0">
+              <a:solidFill>
+                <a:schemeClr val="bg1"/>
+              </a:solidFill>
+              <a:latin typeface="微软雅黑" panose="020B0503020204020204" pitchFamily="34" charset="-122"/>
+              <a:ea typeface="微软雅黑" panose="020B0503020204020204" pitchFamily="34" charset="-122"/>
+            </a:endParaRPr>
           </a:p>
         </p:txBody>
       </p:sp>
@@ -25402,6 +25660,18 @@
               </a:rPr>
               <a:t>开发团队：</a:t>
             </a:r>
+            <a:endParaRPr lang="zh-CN" altLang="en-US" sz="2800" b="1">
+              <a:solidFill>
+                <a:schemeClr val="tx1"/>
+              </a:solidFill>
+              <a:effectLst>
+                <a:outerShdw blurRad="38100" dist="19050" dir="2700000" algn="tl" rotWithShape="0">
+                  <a:schemeClr val="dk1">
+                    <a:alpha val="40000"/>
+                  </a:schemeClr>
+                </a:outerShdw>
+              </a:effectLst>
+            </a:endParaRPr>
           </a:p>
         </p:txBody>
       </p:sp>
@@ -25424,34 +25694,10 @@
                 <a:tableStyleId>{5C22544A-7EE6-4342-B048-85BDC9FD1C3A}</a:tableStyleId>
               </a:tblPr>
               <a:tblGrid>
-                <a:gridCol w="2031736">
-                  <a:extLst>
-                    <a:ext uri="{9D8B030D-6E8A-4147-A177-3AD203B41FA5}">
-                      <a16:colId xmlns:a16="http://schemas.microsoft.com/office/drawing/2014/main" xmlns="" val="20000"/>
-                    </a:ext>
-                  </a:extLst>
-                </a:gridCol>
-                <a:gridCol w="2031736">
-                  <a:extLst>
-                    <a:ext uri="{9D8B030D-6E8A-4147-A177-3AD203B41FA5}">
-                      <a16:colId xmlns:a16="http://schemas.microsoft.com/office/drawing/2014/main" xmlns="" val="20001"/>
-                    </a:ext>
-                  </a:extLst>
-                </a:gridCol>
-                <a:gridCol w="2031736">
-                  <a:extLst>
-                    <a:ext uri="{9D8B030D-6E8A-4147-A177-3AD203B41FA5}">
-                      <a16:colId xmlns:a16="http://schemas.microsoft.com/office/drawing/2014/main" xmlns="" val="20002"/>
-                    </a:ext>
-                  </a:extLst>
-                </a:gridCol>
-                <a:gridCol w="2031736">
-                  <a:extLst>
-                    <a:ext uri="{9D8B030D-6E8A-4147-A177-3AD203B41FA5}">
-                      <a16:colId xmlns:a16="http://schemas.microsoft.com/office/drawing/2014/main" xmlns="" val="20003"/>
-                    </a:ext>
-                  </a:extLst>
-                </a:gridCol>
+                <a:gridCol w="2031736"/>
+                <a:gridCol w="2031736"/>
+                <a:gridCol w="2031736"/>
+                <a:gridCol w="2031736"/>
               </a:tblGrid>
               <a:tr h="370840">
                 <a:tc>
@@ -25510,11 +25756,6 @@
                   </a:txBody>
                   <a:tcPr/>
                 </a:tc>
-                <a:extLst>
-                  <a:ext uri="{0D108BD9-81ED-4DB2-BD59-A6C34878D82A}">
-                    <a16:rowId xmlns:a16="http://schemas.microsoft.com/office/drawing/2014/main" xmlns="" val="10000"/>
-                  </a:ext>
-                </a:extLst>
               </a:tr>
               <a:tr h="370840">
                 <a:tc>
@@ -25589,11 +25830,6 @@
                   </a:txBody>
                   <a:tcPr/>
                 </a:tc>
-                <a:extLst>
-                  <a:ext uri="{0D108BD9-81ED-4DB2-BD59-A6C34878D82A}">
-                    <a16:rowId xmlns:a16="http://schemas.microsoft.com/office/drawing/2014/main" xmlns="" val="10001"/>
-                  </a:ext>
-                </a:extLst>
               </a:tr>
               <a:tr h="370840">
                 <a:tc>
@@ -25668,11 +25904,6 @@
                   </a:txBody>
                   <a:tcPr/>
                 </a:tc>
-                <a:extLst>
-                  <a:ext uri="{0D108BD9-81ED-4DB2-BD59-A6C34878D82A}">
-                    <a16:rowId xmlns:a16="http://schemas.microsoft.com/office/drawing/2014/main" xmlns="" val="10002"/>
-                  </a:ext>
-                </a:extLst>
               </a:tr>
               <a:tr h="370840">
                 <a:tc>
@@ -25747,11 +25978,6 @@
                   </a:txBody>
                   <a:tcPr/>
                 </a:tc>
-                <a:extLst>
-                  <a:ext uri="{0D108BD9-81ED-4DB2-BD59-A6C34878D82A}">
-                    <a16:rowId xmlns:a16="http://schemas.microsoft.com/office/drawing/2014/main" xmlns="" val="10003"/>
-                  </a:ext>
-                </a:extLst>
               </a:tr>
               <a:tr h="370840">
                 <a:tc>
@@ -25826,11 +26052,6 @@
                   </a:txBody>
                   <a:tcPr/>
                 </a:tc>
-                <a:extLst>
-                  <a:ext uri="{0D108BD9-81ED-4DB2-BD59-A6C34878D82A}">
-                    <a16:rowId xmlns:a16="http://schemas.microsoft.com/office/drawing/2014/main" xmlns="" val="10004"/>
-                  </a:ext>
-                </a:extLst>
               </a:tr>
               <a:tr h="370840">
                 <a:tc>
@@ -25905,11 +26126,6 @@
                   </a:txBody>
                   <a:tcPr/>
                 </a:tc>
-                <a:extLst>
-                  <a:ext uri="{0D108BD9-81ED-4DB2-BD59-A6C34878D82A}">
-                    <a16:rowId xmlns:a16="http://schemas.microsoft.com/office/drawing/2014/main" xmlns="" val="10005"/>
-                  </a:ext>
-                </a:extLst>
               </a:tr>
             </a:tbl>
           </a:graphicData>
@@ -26404,7 +26620,7 @@
           <p:nvPr/>
         </p:nvPicPr>
         <p:blipFill>
-          <a:blip r:embed="rId2"/>
+          <a:blip r:embed="rId1"/>
           <a:stretch>
             <a:fillRect/>
           </a:stretch>
@@ -26546,6 +26762,7 @@
               <a:rPr lang="en-US" sz="2400" dirty="0"/>
               <a:t>2</a:t>
             </a:r>
+            <a:endParaRPr lang="en-US" sz="2400" dirty="0"/>
           </a:p>
         </p:txBody>
       </p:sp>
@@ -26618,6 +26835,7 @@
               <a:rPr lang="zh-CN" altLang="zh-CN" sz="2400" dirty="0"/>
               <a:t>小组成员每人一台开发主机</a:t>
             </a:r>
+            <a:endParaRPr lang="zh-CN" altLang="zh-CN" sz="2400" dirty="0"/>
           </a:p>
           <a:p>
             <a:pPr lvl="0"/>
@@ -26625,6 +26843,7 @@
               <a:rPr lang="zh-CN" altLang="zh-CN" sz="2400" dirty="0"/>
               <a:t>阿里云服务器</a:t>
             </a:r>
+            <a:endParaRPr lang="zh-CN" altLang="zh-CN" sz="2400" dirty="0"/>
           </a:p>
           <a:p>
             <a:pPr lvl="0"/>
@@ -26748,6 +26967,7 @@
               <a:rPr lang="en-US" altLang="zh-CN" sz="2400" dirty="0" smtClean="0"/>
               <a:t>Bugzilla</a:t>
             </a:r>
+            <a:endParaRPr lang="en-US" altLang="zh-CN" sz="2400" dirty="0" smtClean="0"/>
           </a:p>
           <a:p>
             <a:pPr lvl="0"/>
@@ -26763,6 +26983,7 @@
               <a:rPr lang="en-US" altLang="zh-CN" sz="2400" dirty="0" smtClean="0"/>
               <a:t>RSA</a:t>
             </a:r>
+            <a:endParaRPr lang="en-US" altLang="zh-CN" sz="2400" dirty="0" smtClean="0"/>
           </a:p>
           <a:p>
             <a:pPr lvl="0"/>
@@ -26961,6 +27182,13 @@
               </a:rPr>
               <a:t>人力资源管理计划</a:t>
             </a:r>
+            <a:endParaRPr lang="zh-CN" altLang="en-US" sz="2665" dirty="0">
+              <a:solidFill>
+                <a:srgbClr val="183A5D"/>
+              </a:solidFill>
+              <a:latin typeface="微软雅黑" panose="020B0503020204020204" pitchFamily="34" charset="-122"/>
+              <a:ea typeface="微软雅黑" panose="020B0503020204020204" pitchFamily="34" charset="-122"/>
+            </a:endParaRPr>
           </a:p>
         </p:txBody>
       </p:sp>
@@ -26983,55 +27211,13 @@
                 <a:tableStyleId>{5C22544A-7EE6-4342-B048-85BDC9FD1C3A}</a:tableStyleId>
               </a:tblPr>
               <a:tblGrid>
-                <a:gridCol w="858639">
-                  <a:extLst>
-                    <a:ext uri="{9D8B030D-6E8A-4147-A177-3AD203B41FA5}">
-                      <a16:colId xmlns:a16="http://schemas.microsoft.com/office/drawing/2014/main" xmlns="" val="20000"/>
-                    </a:ext>
-                  </a:extLst>
-                </a:gridCol>
-                <a:gridCol w="858639">
-                  <a:extLst>
-                    <a:ext uri="{9D8B030D-6E8A-4147-A177-3AD203B41FA5}">
-                      <a16:colId xmlns:a16="http://schemas.microsoft.com/office/drawing/2014/main" xmlns="" val="20001"/>
-                    </a:ext>
-                  </a:extLst>
-                </a:gridCol>
-                <a:gridCol w="858639">
-                  <a:extLst>
-                    <a:ext uri="{9D8B030D-6E8A-4147-A177-3AD203B41FA5}">
-                      <a16:colId xmlns:a16="http://schemas.microsoft.com/office/drawing/2014/main" xmlns="" val="20002"/>
-                    </a:ext>
-                  </a:extLst>
-                </a:gridCol>
-                <a:gridCol w="858639">
-                  <a:extLst>
-                    <a:ext uri="{9D8B030D-6E8A-4147-A177-3AD203B41FA5}">
-                      <a16:colId xmlns:a16="http://schemas.microsoft.com/office/drawing/2014/main" xmlns="" val="20003"/>
-                    </a:ext>
-                  </a:extLst>
-                </a:gridCol>
-                <a:gridCol w="858639">
-                  <a:extLst>
-                    <a:ext uri="{9D8B030D-6E8A-4147-A177-3AD203B41FA5}">
-                      <a16:colId xmlns:a16="http://schemas.microsoft.com/office/drawing/2014/main" xmlns="" val="20004"/>
-                    </a:ext>
-                  </a:extLst>
-                </a:gridCol>
-                <a:gridCol w="1000658">
-                  <a:extLst>
-                    <a:ext uri="{9D8B030D-6E8A-4147-A177-3AD203B41FA5}">
-                      <a16:colId xmlns:a16="http://schemas.microsoft.com/office/drawing/2014/main" xmlns="" val="20005"/>
-                    </a:ext>
-                  </a:extLst>
-                </a:gridCol>
-                <a:gridCol w="859363">
-                  <a:extLst>
-                    <a:ext uri="{9D8B030D-6E8A-4147-A177-3AD203B41FA5}">
-                      <a16:colId xmlns:a16="http://schemas.microsoft.com/office/drawing/2014/main" xmlns="" val="20006"/>
-                    </a:ext>
-                  </a:extLst>
-                </a:gridCol>
+                <a:gridCol w="858639"/>
+                <a:gridCol w="858639"/>
+                <a:gridCol w="858639"/>
+                <a:gridCol w="858639"/>
+                <a:gridCol w="858639"/>
+                <a:gridCol w="1000658"/>
+                <a:gridCol w="859363"/>
               </a:tblGrid>
               <a:tr h="252028">
                 <a:tc>
@@ -27216,11 +27402,6 @@
                   </a:txBody>
                   <a:tcPr marL="68580" marR="68580" marT="0" marB="0" anchor="ctr"/>
                 </a:tc>
-                <a:extLst>
-                  <a:ext uri="{0D108BD9-81ED-4DB2-BD59-A6C34878D82A}">
-                    <a16:rowId xmlns:a16="http://schemas.microsoft.com/office/drawing/2014/main" xmlns="" val="10000"/>
-                  </a:ext>
-                </a:extLst>
               </a:tr>
               <a:tr h="756084">
                 <a:tc>
@@ -27417,11 +27598,6 @@
                   </a:txBody>
                   <a:tcPr marL="68580" marR="68580" marT="0" marB="0" anchor="ctr"/>
                 </a:tc>
-                <a:extLst>
-                  <a:ext uri="{0D108BD9-81ED-4DB2-BD59-A6C34878D82A}">
-                    <a16:rowId xmlns:a16="http://schemas.microsoft.com/office/drawing/2014/main" xmlns="" val="10001"/>
-                  </a:ext>
-                </a:extLst>
               </a:tr>
             </a:tbl>
           </a:graphicData>
@@ -27446,55 +27622,13 @@
                 <a:tableStyleId>{5C22544A-7EE6-4342-B048-85BDC9FD1C3A}</a:tableStyleId>
               </a:tblPr>
               <a:tblGrid>
-                <a:gridCol w="694690">
-                  <a:extLst>
-                    <a:ext uri="{9D8B030D-6E8A-4147-A177-3AD203B41FA5}">
-                      <a16:colId xmlns:a16="http://schemas.microsoft.com/office/drawing/2014/main" xmlns="" val="20000"/>
-                    </a:ext>
-                  </a:extLst>
-                </a:gridCol>
-                <a:gridCol w="694055">
-                  <a:extLst>
-                    <a:ext uri="{9D8B030D-6E8A-4147-A177-3AD203B41FA5}">
-                      <a16:colId xmlns:a16="http://schemas.microsoft.com/office/drawing/2014/main" xmlns="" val="20001"/>
-                    </a:ext>
-                  </a:extLst>
-                </a:gridCol>
-                <a:gridCol w="711200">
-                  <a:extLst>
-                    <a:ext uri="{9D8B030D-6E8A-4147-A177-3AD203B41FA5}">
-                      <a16:colId xmlns:a16="http://schemas.microsoft.com/office/drawing/2014/main" xmlns="" val="20002"/>
-                    </a:ext>
-                  </a:extLst>
-                </a:gridCol>
-                <a:gridCol w="713105">
-                  <a:extLst>
-                    <a:ext uri="{9D8B030D-6E8A-4147-A177-3AD203B41FA5}">
-                      <a16:colId xmlns:a16="http://schemas.microsoft.com/office/drawing/2014/main" xmlns="" val="20003"/>
-                    </a:ext>
-                  </a:extLst>
-                </a:gridCol>
-                <a:gridCol w="758190">
-                  <a:extLst>
-                    <a:ext uri="{9D8B030D-6E8A-4147-A177-3AD203B41FA5}">
-                      <a16:colId xmlns:a16="http://schemas.microsoft.com/office/drawing/2014/main" xmlns="" val="20004"/>
-                    </a:ext>
-                  </a:extLst>
-                </a:gridCol>
-                <a:gridCol w="990600">
-                  <a:extLst>
-                    <a:ext uri="{9D8B030D-6E8A-4147-A177-3AD203B41FA5}">
-                      <a16:colId xmlns:a16="http://schemas.microsoft.com/office/drawing/2014/main" xmlns="" val="20005"/>
-                    </a:ext>
-                  </a:extLst>
-                </a:gridCol>
-                <a:gridCol w="706120">
-                  <a:extLst>
-                    <a:ext uri="{9D8B030D-6E8A-4147-A177-3AD203B41FA5}">
-                      <a16:colId xmlns:a16="http://schemas.microsoft.com/office/drawing/2014/main" xmlns="" val="20006"/>
-                    </a:ext>
-                  </a:extLst>
-                </a:gridCol>
+                <a:gridCol w="694690"/>
+                <a:gridCol w="694055"/>
+                <a:gridCol w="711200"/>
+                <a:gridCol w="713105"/>
+                <a:gridCol w="758190"/>
+                <a:gridCol w="990600"/>
+                <a:gridCol w="706120"/>
               </a:tblGrid>
               <a:tr h="0">
                 <a:tc>
@@ -27679,11 +27813,6 @@
                   </a:txBody>
                   <a:tcPr marL="68580" marR="68580" marT="0" marB="0" anchor="ctr"/>
                 </a:tc>
-                <a:extLst>
-                  <a:ext uri="{0D108BD9-81ED-4DB2-BD59-A6C34878D82A}">
-                    <a16:rowId xmlns:a16="http://schemas.microsoft.com/office/drawing/2014/main" xmlns="" val="10000"/>
-                  </a:ext>
-                </a:extLst>
               </a:tr>
               <a:tr h="0">
                 <a:tc>
@@ -27886,11 +28015,6 @@
                   </a:txBody>
                   <a:tcPr marL="68580" marR="68580" marT="0" marB="0"/>
                 </a:tc>
-                <a:extLst>
-                  <a:ext uri="{0D108BD9-81ED-4DB2-BD59-A6C34878D82A}">
-                    <a16:rowId xmlns:a16="http://schemas.microsoft.com/office/drawing/2014/main" xmlns="" val="10001"/>
-                  </a:ext>
-                </a:extLst>
               </a:tr>
             </a:tbl>
           </a:graphicData>
@@ -27932,6 +28056,7 @@
               <a:rPr lang="zh-CN" altLang="zh-CN" sz="1600" dirty="0"/>
               <a:t>负责项目管理工作，安排项目资源，对项目的规模、进度、工作量、质量、费用、风险、缺陷等进行控制，保证项目按计划运行，实现课程下达的项目目标</a:t>
             </a:r>
+            <a:endParaRPr lang="zh-CN" altLang="zh-CN" sz="1600" dirty="0"/>
           </a:p>
         </p:txBody>
       </p:sp>
@@ -27960,12 +28085,14 @@
               <a:rPr lang="zh-CN" altLang="zh-CN" sz="1400" dirty="0"/>
               <a:t>本职概述：</a:t>
             </a:r>
+            <a:endParaRPr lang="zh-CN" altLang="zh-CN" sz="1400" dirty="0"/>
           </a:p>
           <a:p>
             <a:r>
               <a:rPr lang="zh-CN" altLang="zh-CN" sz="1400" dirty="0"/>
               <a:t>负责会议记录和录音</a:t>
             </a:r>
+            <a:endParaRPr lang="zh-CN" altLang="zh-CN" sz="1400" dirty="0"/>
           </a:p>
         </p:txBody>
       </p:sp>
@@ -27988,55 +28115,13 @@
                 <a:tableStyleId>{5C22544A-7EE6-4342-B048-85BDC9FD1C3A}</a:tableStyleId>
               </a:tblPr>
               <a:tblGrid>
-                <a:gridCol w="694690">
-                  <a:extLst>
-                    <a:ext uri="{9D8B030D-6E8A-4147-A177-3AD203B41FA5}">
-                      <a16:colId xmlns:a16="http://schemas.microsoft.com/office/drawing/2014/main" xmlns="" val="20000"/>
-                    </a:ext>
-                  </a:extLst>
-                </a:gridCol>
-                <a:gridCol w="694055">
-                  <a:extLst>
-                    <a:ext uri="{9D8B030D-6E8A-4147-A177-3AD203B41FA5}">
-                      <a16:colId xmlns:a16="http://schemas.microsoft.com/office/drawing/2014/main" xmlns="" val="20001"/>
-                    </a:ext>
-                  </a:extLst>
-                </a:gridCol>
-                <a:gridCol w="711200">
-                  <a:extLst>
-                    <a:ext uri="{9D8B030D-6E8A-4147-A177-3AD203B41FA5}">
-                      <a16:colId xmlns:a16="http://schemas.microsoft.com/office/drawing/2014/main" xmlns="" val="20002"/>
-                    </a:ext>
-                  </a:extLst>
-                </a:gridCol>
-                <a:gridCol w="713105">
-                  <a:extLst>
-                    <a:ext uri="{9D8B030D-6E8A-4147-A177-3AD203B41FA5}">
-                      <a16:colId xmlns:a16="http://schemas.microsoft.com/office/drawing/2014/main" xmlns="" val="20003"/>
-                    </a:ext>
-                  </a:extLst>
-                </a:gridCol>
-                <a:gridCol w="758190">
-                  <a:extLst>
-                    <a:ext uri="{9D8B030D-6E8A-4147-A177-3AD203B41FA5}">
-                      <a16:colId xmlns:a16="http://schemas.microsoft.com/office/drawing/2014/main" xmlns="" val="20004"/>
-                    </a:ext>
-                  </a:extLst>
-                </a:gridCol>
-                <a:gridCol w="990600">
-                  <a:extLst>
-                    <a:ext uri="{9D8B030D-6E8A-4147-A177-3AD203B41FA5}">
-                      <a16:colId xmlns:a16="http://schemas.microsoft.com/office/drawing/2014/main" xmlns="" val="20005"/>
-                    </a:ext>
-                  </a:extLst>
-                </a:gridCol>
-                <a:gridCol w="706120">
-                  <a:extLst>
-                    <a:ext uri="{9D8B030D-6E8A-4147-A177-3AD203B41FA5}">
-                      <a16:colId xmlns:a16="http://schemas.microsoft.com/office/drawing/2014/main" xmlns="" val="20006"/>
-                    </a:ext>
-                  </a:extLst>
-                </a:gridCol>
+                <a:gridCol w="694690"/>
+                <a:gridCol w="694055"/>
+                <a:gridCol w="711200"/>
+                <a:gridCol w="713105"/>
+                <a:gridCol w="758190"/>
+                <a:gridCol w="990600"/>
+                <a:gridCol w="706120"/>
               </a:tblGrid>
               <a:tr h="160020">
                 <a:tc>
@@ -28221,11 +28306,6 @@
                   </a:txBody>
                   <a:tcPr marL="68580" marR="68580" marT="0" marB="0" anchor="ctr"/>
                 </a:tc>
-                <a:extLst>
-                  <a:ext uri="{0D108BD9-81ED-4DB2-BD59-A6C34878D82A}">
-                    <a16:rowId xmlns:a16="http://schemas.microsoft.com/office/drawing/2014/main" xmlns="" val="10000"/>
-                  </a:ext>
-                </a:extLst>
               </a:tr>
               <a:tr h="0">
                 <a:tc>
@@ -28408,11 +28488,6 @@
                   </a:txBody>
                   <a:tcPr marL="68580" marR="68580" marT="0" marB="0" anchor="ctr"/>
                 </a:tc>
-                <a:extLst>
-                  <a:ext uri="{0D108BD9-81ED-4DB2-BD59-A6C34878D82A}">
-                    <a16:rowId xmlns:a16="http://schemas.microsoft.com/office/drawing/2014/main" xmlns="" val="10001"/>
-                  </a:ext>
-                </a:extLst>
               </a:tr>
             </a:tbl>
           </a:graphicData>
@@ -28450,6 +28525,9 @@
               </a:rPr>
               <a:t>本职概述：</a:t>
             </a:r>
+            <a:endParaRPr lang="zh-CN" sz="1050" b="0">
+              <a:ea typeface="宋体" panose="02010600030101010101" pitchFamily="2" charset="-122"/>
+            </a:endParaRPr>
           </a:p>
           <a:p>
             <a:pPr indent="0"/>
@@ -28626,6 +28704,13 @@
               </a:rPr>
               <a:t>人力资源管理计划</a:t>
             </a:r>
+            <a:endParaRPr lang="zh-CN" altLang="en-US" sz="2665" dirty="0">
+              <a:solidFill>
+                <a:srgbClr val="183A5D"/>
+              </a:solidFill>
+              <a:latin typeface="微软雅黑" panose="020B0503020204020204" pitchFamily="34" charset="-122"/>
+              <a:ea typeface="微软雅黑" panose="020B0503020204020204" pitchFamily="34" charset="-122"/>
+            </a:endParaRPr>
           </a:p>
         </p:txBody>
       </p:sp>
@@ -28654,12 +28739,14 @@
               <a:rPr lang="zh-CN" altLang="zh-CN" sz="1200" dirty="0"/>
               <a:t>本职概述：</a:t>
             </a:r>
+            <a:endParaRPr lang="zh-CN" altLang="zh-CN" sz="1200" dirty="0"/>
           </a:p>
           <a:p>
             <a:r>
               <a:rPr lang="zh-CN" altLang="zh-CN" sz="1200" dirty="0"/>
               <a:t>负责计划软件配置管理活动，标识配置项，建立基线，进行版本和变更控制，保证相关人员能够方便地通过软件配置管理获得有用的信息</a:t>
             </a:r>
+            <a:endParaRPr lang="zh-CN" altLang="zh-CN" sz="1200" dirty="0"/>
           </a:p>
         </p:txBody>
       </p:sp>
@@ -28682,55 +28769,13 @@
                 <a:tableStyleId>{5C22544A-7EE6-4342-B048-85BDC9FD1C3A}</a:tableStyleId>
               </a:tblPr>
               <a:tblGrid>
-                <a:gridCol w="694690">
-                  <a:extLst>
-                    <a:ext uri="{9D8B030D-6E8A-4147-A177-3AD203B41FA5}">
-                      <a16:colId xmlns:a16="http://schemas.microsoft.com/office/drawing/2014/main" xmlns="" val="20000"/>
-                    </a:ext>
-                  </a:extLst>
-                </a:gridCol>
-                <a:gridCol w="694055">
-                  <a:extLst>
-                    <a:ext uri="{9D8B030D-6E8A-4147-A177-3AD203B41FA5}">
-                      <a16:colId xmlns:a16="http://schemas.microsoft.com/office/drawing/2014/main" xmlns="" val="20001"/>
-                    </a:ext>
-                  </a:extLst>
-                </a:gridCol>
-                <a:gridCol w="711200">
-                  <a:extLst>
-                    <a:ext uri="{9D8B030D-6E8A-4147-A177-3AD203B41FA5}">
-                      <a16:colId xmlns:a16="http://schemas.microsoft.com/office/drawing/2014/main" xmlns="" val="20002"/>
-                    </a:ext>
-                  </a:extLst>
-                </a:gridCol>
-                <a:gridCol w="713105">
-                  <a:extLst>
-                    <a:ext uri="{9D8B030D-6E8A-4147-A177-3AD203B41FA5}">
-                      <a16:colId xmlns:a16="http://schemas.microsoft.com/office/drawing/2014/main" xmlns="" val="20003"/>
-                    </a:ext>
-                  </a:extLst>
-                </a:gridCol>
-                <a:gridCol w="758190">
-                  <a:extLst>
-                    <a:ext uri="{9D8B030D-6E8A-4147-A177-3AD203B41FA5}">
-                      <a16:colId xmlns:a16="http://schemas.microsoft.com/office/drawing/2014/main" xmlns="" val="20004"/>
-                    </a:ext>
-                  </a:extLst>
-                </a:gridCol>
-                <a:gridCol w="990600">
-                  <a:extLst>
-                    <a:ext uri="{9D8B030D-6E8A-4147-A177-3AD203B41FA5}">
-                      <a16:colId xmlns:a16="http://schemas.microsoft.com/office/drawing/2014/main" xmlns="" val="20005"/>
-                    </a:ext>
-                  </a:extLst>
-                </a:gridCol>
-                <a:gridCol w="706120">
-                  <a:extLst>
-                    <a:ext uri="{9D8B030D-6E8A-4147-A177-3AD203B41FA5}">
-                      <a16:colId xmlns:a16="http://schemas.microsoft.com/office/drawing/2014/main" xmlns="" val="20006"/>
-                    </a:ext>
-                  </a:extLst>
-                </a:gridCol>
+                <a:gridCol w="694690"/>
+                <a:gridCol w="694055"/>
+                <a:gridCol w="711200"/>
+                <a:gridCol w="713105"/>
+                <a:gridCol w="758190"/>
+                <a:gridCol w="990600"/>
+                <a:gridCol w="706120"/>
               </a:tblGrid>
               <a:tr h="0">
                 <a:tc>
@@ -28915,11 +28960,6 @@
                   </a:txBody>
                   <a:tcPr marL="68580" marR="68580" marT="0" marB="0" anchor="ctr"/>
                 </a:tc>
-                <a:extLst>
-                  <a:ext uri="{0D108BD9-81ED-4DB2-BD59-A6C34878D82A}">
-                    <a16:rowId xmlns:a16="http://schemas.microsoft.com/office/drawing/2014/main" xmlns="" val="10000"/>
-                  </a:ext>
-                </a:extLst>
               </a:tr>
               <a:tr h="0">
                 <a:tc>
@@ -29140,11 +29180,6 @@
                   </a:txBody>
                   <a:tcPr marL="68580" marR="68580" marT="0" marB="0" anchor="ctr"/>
                 </a:tc>
-                <a:extLst>
-                  <a:ext uri="{0D108BD9-81ED-4DB2-BD59-A6C34878D82A}">
-                    <a16:rowId xmlns:a16="http://schemas.microsoft.com/office/drawing/2014/main" xmlns="" val="10001"/>
-                  </a:ext>
-                </a:extLst>
               </a:tr>
             </a:tbl>
           </a:graphicData>
@@ -29175,12 +29210,14 @@
               <a:rPr lang="zh-CN" altLang="zh-CN" sz="1200" dirty="0"/>
               <a:t>本职概述：</a:t>
             </a:r>
+            <a:endParaRPr lang="zh-CN" altLang="zh-CN" sz="1200" dirty="0"/>
           </a:p>
           <a:p>
             <a:r>
               <a:rPr lang="zh-CN" altLang="zh-CN" sz="1200" dirty="0"/>
               <a:t>负责安排用户访谈，主要负责组织小组成员，了解他们的课余时间，安排访谈活动</a:t>
             </a:r>
+            <a:endParaRPr lang="zh-CN" altLang="zh-CN" sz="1200" dirty="0"/>
           </a:p>
         </p:txBody>
       </p:sp>
@@ -29203,55 +29240,13 @@
                 <a:tableStyleId>{5C22544A-7EE6-4342-B048-85BDC9FD1C3A}</a:tableStyleId>
               </a:tblPr>
               <a:tblGrid>
-                <a:gridCol w="725805">
-                  <a:extLst>
-                    <a:ext uri="{9D8B030D-6E8A-4147-A177-3AD203B41FA5}">
-                      <a16:colId xmlns:a16="http://schemas.microsoft.com/office/drawing/2014/main" xmlns="" val="20000"/>
-                    </a:ext>
-                  </a:extLst>
-                </a:gridCol>
-                <a:gridCol w="726440">
-                  <a:extLst>
-                    <a:ext uri="{9D8B030D-6E8A-4147-A177-3AD203B41FA5}">
-                      <a16:colId xmlns:a16="http://schemas.microsoft.com/office/drawing/2014/main" xmlns="" val="20001"/>
-                    </a:ext>
-                  </a:extLst>
-                </a:gridCol>
-                <a:gridCol w="733425">
-                  <a:extLst>
-                    <a:ext uri="{9D8B030D-6E8A-4147-A177-3AD203B41FA5}">
-                      <a16:colId xmlns:a16="http://schemas.microsoft.com/office/drawing/2014/main" xmlns="" val="20002"/>
-                    </a:ext>
-                  </a:extLst>
-                </a:gridCol>
-                <a:gridCol w="733425">
-                  <a:extLst>
-                    <a:ext uri="{9D8B030D-6E8A-4147-A177-3AD203B41FA5}">
-                      <a16:colId xmlns:a16="http://schemas.microsoft.com/office/drawing/2014/main" xmlns="" val="20003"/>
-                    </a:ext>
-                  </a:extLst>
-                </a:gridCol>
-                <a:gridCol w="748030">
-                  <a:extLst>
-                    <a:ext uri="{9D8B030D-6E8A-4147-A177-3AD203B41FA5}">
-                      <a16:colId xmlns:a16="http://schemas.microsoft.com/office/drawing/2014/main" xmlns="" val="20004"/>
-                    </a:ext>
-                  </a:extLst>
-                </a:gridCol>
-                <a:gridCol w="870585">
-                  <a:extLst>
-                    <a:ext uri="{9D8B030D-6E8A-4147-A177-3AD203B41FA5}">
-                      <a16:colId xmlns:a16="http://schemas.microsoft.com/office/drawing/2014/main" xmlns="" val="20005"/>
-                    </a:ext>
-                  </a:extLst>
-                </a:gridCol>
-                <a:gridCol w="730250">
-                  <a:extLst>
-                    <a:ext uri="{9D8B030D-6E8A-4147-A177-3AD203B41FA5}">
-                      <a16:colId xmlns:a16="http://schemas.microsoft.com/office/drawing/2014/main" xmlns="" val="20006"/>
-                    </a:ext>
-                  </a:extLst>
-                </a:gridCol>
+                <a:gridCol w="725805"/>
+                <a:gridCol w="726440"/>
+                <a:gridCol w="733425"/>
+                <a:gridCol w="733425"/>
+                <a:gridCol w="748030"/>
+                <a:gridCol w="870585"/>
+                <a:gridCol w="730250"/>
               </a:tblGrid>
               <a:tr h="0">
                 <a:tc>
@@ -29436,11 +29431,6 @@
                   </a:txBody>
                   <a:tcPr marL="68580" marR="68580" marT="0" marB="0" anchor="ctr"/>
                 </a:tc>
-                <a:extLst>
-                  <a:ext uri="{0D108BD9-81ED-4DB2-BD59-A6C34878D82A}">
-                    <a16:rowId xmlns:a16="http://schemas.microsoft.com/office/drawing/2014/main" xmlns="" val="10000"/>
-                  </a:ext>
-                </a:extLst>
               </a:tr>
               <a:tr h="0">
                 <a:tc>
@@ -29655,11 +29645,6 @@
                   </a:txBody>
                   <a:tcPr marL="68580" marR="68580" marT="0" marB="0" anchor="ctr"/>
                 </a:tc>
-                <a:extLst>
-                  <a:ext uri="{0D108BD9-81ED-4DB2-BD59-A6C34878D82A}">
-                    <a16:rowId xmlns:a16="http://schemas.microsoft.com/office/drawing/2014/main" xmlns="" val="10001"/>
-                  </a:ext>
-                </a:extLst>
               </a:tr>
             </a:tbl>
           </a:graphicData>
@@ -29961,11 +29946,9 @@
       </a:bgFillStyleLst>
     </a:fmtScheme>
   </a:themeElements>
-  <a:objectDefaults/>
-  <a:extraClrSchemeLst/>
   <a:extLst>
     <a:ext uri="{05A4C25C-085E-4340-85A3-A5531E510DB2}">
-      <thm15:themeFamily xmlns:thm15="http://schemas.microsoft.com/office/thememl/2012/main" xmlns="" name="Office Theme" id="{62F939B6-93AF-4DB8-9C6B-D6C7DFDC589F}" vid="{4A3C46E8-61CC-4603-A589-7422A47A8E4A}"/>
+      <thm15:themeFamily xmlns:thm15="http://schemas.microsoft.com/office/thememl/2012/main" name="Office Theme" id="{62F939B6-93AF-4DB8-9C6B-D6C7DFDC589F}" vid="{4A3C46E8-61CC-4603-A589-7422A47A8E4A}"/>
     </a:ext>
   </a:extLst>
 </a:theme>
@@ -30251,11 +30234,9 @@
       </a:bgFillStyleLst>
     </a:fmtScheme>
   </a:themeElements>
-  <a:objectDefaults/>
-  <a:extraClrSchemeLst/>
   <a:extLst>
     <a:ext uri="{05A4C25C-085E-4340-85A3-A5531E510DB2}">
-      <thm15:themeFamily xmlns:thm15="http://schemas.microsoft.com/office/thememl/2012/main" xmlns="" name="Office Theme" id="{62F939B6-93AF-4DB8-9C6B-D6C7DFDC589F}" vid="{4A3C46E8-61CC-4603-A589-7422A47A8E4A}"/>
+      <thm15:themeFamily xmlns:thm15="http://schemas.microsoft.com/office/thememl/2012/main" name="Office Theme" id="{62F939B6-93AF-4DB8-9C6B-D6C7DFDC589F}" vid="{4A3C46E8-61CC-4603-A589-7422A47A8E4A}"/>
     </a:ext>
   </a:extLst>
 </a:theme>
@@ -30541,11 +30522,9 @@
       </a:bgFillStyleLst>
     </a:fmtScheme>
   </a:themeElements>
-  <a:objectDefaults/>
-  <a:extraClrSchemeLst/>
   <a:extLst>
     <a:ext uri="{05A4C25C-085E-4340-85A3-A5531E510DB2}">
-      <thm15:themeFamily xmlns:thm15="http://schemas.microsoft.com/office/thememl/2012/main" xmlns="" name="Office Theme" id="{62F939B6-93AF-4DB8-9C6B-D6C7DFDC589F}" vid="{4A3C46E8-61CC-4603-A589-7422A47A8E4A}"/>
+      <thm15:themeFamily xmlns:thm15="http://schemas.microsoft.com/office/thememl/2012/main" name="Office Theme" id="{62F939B6-93AF-4DB8-9C6B-D6C7DFDC589F}" vid="{4A3C46E8-61CC-4603-A589-7422A47A8E4A}"/>
     </a:ext>
   </a:extLst>
 </a:theme>
